--- a/Análise/ApresentacaoAnalise.pptx
+++ b/Análise/ApresentacaoAnalise.pptx
@@ -1,8 +1,8 @@
 
 <file path=ppt/presentation.xml><?xml version="1.0" encoding="utf-8"?>
-<p:presentation xmlns:a="http://schemas.openxmlformats.org/drawingml/2006/main" xmlns:r="http://schemas.openxmlformats.org/officeDocument/2006/relationships" xmlns:p="http://schemas.openxmlformats.org/presentationml/2006/main" saveSubsetFonts="1">
+<p:presentation xmlns:a="http://schemas.openxmlformats.org/drawingml/2006/main" xmlns:r="http://schemas.openxmlformats.org/officeDocument/2006/relationships" xmlns:p="http://schemas.openxmlformats.org/presentationml/2006/main" saveSubsetFonts="1" bookmarkIdSeed="2">
   <p:sldMasterIdLst>
-    <p:sldMasterId id="2147483648" r:id="rId1"/>
+    <p:sldMasterId id="2147483660" r:id="rId1"/>
   </p:sldMasterIdLst>
   <p:sldIdLst>
     <p:sldId id="256" r:id="rId2"/>
@@ -11,8 +11,23 @@
     <p:sldId id="257" r:id="rId5"/>
     <p:sldId id="262" r:id="rId6"/>
     <p:sldId id="258" r:id="rId7"/>
-    <p:sldId id="259" r:id="rId8"/>
-    <p:sldId id="260" r:id="rId9"/>
+    <p:sldId id="266" r:id="rId8"/>
+    <p:sldId id="267" r:id="rId9"/>
+    <p:sldId id="268" r:id="rId10"/>
+    <p:sldId id="269" r:id="rId11"/>
+    <p:sldId id="270" r:id="rId12"/>
+    <p:sldId id="271" r:id="rId13"/>
+    <p:sldId id="272" r:id="rId14"/>
+    <p:sldId id="273" r:id="rId15"/>
+    <p:sldId id="274" r:id="rId16"/>
+    <p:sldId id="275" r:id="rId17"/>
+    <p:sldId id="276" r:id="rId18"/>
+    <p:sldId id="280" r:id="rId19"/>
+    <p:sldId id="277" r:id="rId20"/>
+    <p:sldId id="278" r:id="rId21"/>
+    <p:sldId id="279" r:id="rId22"/>
+    <p:sldId id="259" r:id="rId23"/>
+    <p:sldId id="260" r:id="rId24"/>
   </p:sldIdLst>
   <p:sldSz cx="9144000" cy="6858000" type="screen4x3"/>
   <p:notesSz cx="6858000" cy="9144000"/>
@@ -133,7 +148,7 @@
       </p:grpSpPr>
       <p:sp>
         <p:nvSpPr>
-          <p:cNvPr id="2" name="Título 1"/>
+          <p:cNvPr id="8" name="Título 7"/>
           <p:cNvSpPr>
             <a:spLocks noGrp="1"/>
           </p:cNvSpPr>
@@ -143,25 +158,139 @@
         </p:nvSpPr>
         <p:spPr>
           <a:xfrm>
-            <a:off x="685800" y="2130425"/>
-            <a:ext cx="7772400" cy="1470025"/>
+            <a:off x="422030" y="1371600"/>
+            <a:ext cx="8229600" cy="1828800"/>
           </a:xfrm>
         </p:spPr>
         <p:txBody>
-          <a:bodyPr/>
-          <a:lstStyle/>
-          <a:p>
-            <a:r>
+          <a:bodyPr vert="horz" lIns="45720" tIns="0" rIns="45720" bIns="0" anchor="b">
+            <a:normAutofit/>
+            <a:scene3d>
+              <a:camera prst="orthographicFront"/>
+              <a:lightRig rig="soft" dir="t">
+                <a:rot lat="0" lon="0" rev="17220000"/>
+              </a:lightRig>
+            </a:scene3d>
+            <a:sp3d prstMaterial="softEdge">
+              <a:bevelT w="38100" h="38100"/>
+            </a:sp3d>
+          </a:bodyPr>
+          <a:lstStyle>
+            <a:lvl1pPr>
+              <a:defRPr sz="4800" b="1" cap="all" baseline="0">
+                <a:ln w="6350">
+                  <a:noFill/>
+                </a:ln>
+                <a:gradFill>
+                  <a:gsLst>
+                    <a:gs pos="0">
+                      <a:schemeClr val="accent1">
+                        <a:tint val="73000"/>
+                        <a:satMod val="145000"/>
+                      </a:schemeClr>
+                    </a:gs>
+                    <a:gs pos="73000">
+                      <a:schemeClr val="accent1">
+                        <a:tint val="73000"/>
+                        <a:satMod val="145000"/>
+                      </a:schemeClr>
+                    </a:gs>
+                    <a:gs pos="100000">
+                      <a:schemeClr val="accent1">
+                        <a:tint val="83000"/>
+                        <a:satMod val="143000"/>
+                      </a:schemeClr>
+                    </a:gs>
+                  </a:gsLst>
+                  <a:lin ang="4800000" scaled="1"/>
+                </a:gradFill>
+                <a:effectLst>
+                  <a:outerShdw blurRad="127000" dist="200000" dir="2700000" algn="tl" rotWithShape="0">
+                    <a:srgbClr val="000000">
+                      <a:alpha val="30000"/>
+                    </a:srgbClr>
+                  </a:outerShdw>
+                </a:effectLst>
+              </a:defRPr>
+            </a:lvl1pPr>
+          </a:lstStyle>
+          <a:p>
+            <a:r>
+              <a:rPr kumimoji="0" lang="pt-BR" smtClean="0"/>
+              <a:t>Clique para editar o título mestre</a:t>
+            </a:r>
+            <a:endParaRPr kumimoji="0" lang="en-US"/>
+          </a:p>
+        </p:txBody>
+      </p:sp>
+      <p:sp>
+        <p:nvSpPr>
+          <p:cNvPr id="28" name="Espaço Reservado para Data 27"/>
+          <p:cNvSpPr>
+            <a:spLocks noGrp="1"/>
+          </p:cNvSpPr>
+          <p:nvPr>
+            <p:ph type="dt" sz="half" idx="10"/>
+          </p:nvPr>
+        </p:nvSpPr>
+        <p:spPr/>
+        <p:txBody>
+          <a:bodyPr/>
+          <a:lstStyle/>
+          <a:p>
+            <a:fld id="{73948A2C-A351-44A5-9543-EA3B6BD94DE1}" type="datetimeFigureOut">
               <a:rPr lang="pt-BR" smtClean="0"/>
-              <a:t>Clique para editar o título mestre</a:t>
-            </a:r>
+              <a:t>02/05/2013</a:t>
+            </a:fld>
             <a:endParaRPr lang="pt-BR"/>
           </a:p>
         </p:txBody>
       </p:sp>
       <p:sp>
         <p:nvSpPr>
-          <p:cNvPr id="3" name="Subtítulo 2"/>
+          <p:cNvPr id="17" name="Espaço Reservado para Rodapé 16"/>
+          <p:cNvSpPr>
+            <a:spLocks noGrp="1"/>
+          </p:cNvSpPr>
+          <p:nvPr>
+            <p:ph type="ftr" sz="quarter" idx="11"/>
+          </p:nvPr>
+        </p:nvSpPr>
+        <p:spPr/>
+        <p:txBody>
+          <a:bodyPr/>
+          <a:lstStyle/>
+          <a:p>
+            <a:endParaRPr lang="pt-BR"/>
+          </a:p>
+        </p:txBody>
+      </p:sp>
+      <p:sp>
+        <p:nvSpPr>
+          <p:cNvPr id="29" name="Espaço Reservado para Número de Slide 28"/>
+          <p:cNvSpPr>
+            <a:spLocks noGrp="1"/>
+          </p:cNvSpPr>
+          <p:nvPr>
+            <p:ph type="sldNum" sz="quarter" idx="12"/>
+          </p:nvPr>
+        </p:nvSpPr>
+        <p:spPr/>
+        <p:txBody>
+          <a:bodyPr/>
+          <a:lstStyle/>
+          <a:p>
+            <a:fld id="{193FF5D9-4674-4F21-ABEA-BCF3C230FAB2}" type="slidenum">
+              <a:rPr lang="pt-BR" smtClean="0"/>
+              <a:t>‹nº›</a:t>
+            </a:fld>
+            <a:endParaRPr lang="pt-BR"/>
+          </a:p>
+        </p:txBody>
+      </p:sp>
+      <p:sp>
+        <p:nvSpPr>
+          <p:cNvPr id="9" name="Subtítulo 8"/>
           <p:cNvSpPr>
             <a:spLocks noGrp="1"/>
           </p:cNvSpPr>
@@ -171,7 +300,7 @@
         </p:nvSpPr>
         <p:spPr>
           <a:xfrm>
-            <a:off x="1371600" y="3886200"/>
+            <a:off x="1371600" y="3331698"/>
             <a:ext cx="6400800" cy="1752600"/>
           </a:xfrm>
         </p:spPr>
@@ -182,173 +311,45 @@
               <a:buNone/>
               <a:defRPr>
                 <a:solidFill>
-                  <a:schemeClr val="tx1">
-                    <a:tint val="75000"/>
-                  </a:schemeClr>
+                  <a:schemeClr val="tx1"/>
                 </a:solidFill>
               </a:defRPr>
             </a:lvl1pPr>
             <a:lvl2pPr marL="457200" indent="0" algn="ctr">
               <a:buNone/>
-              <a:defRPr>
-                <a:solidFill>
-                  <a:schemeClr val="tx1">
-                    <a:tint val="75000"/>
-                  </a:schemeClr>
-                </a:solidFill>
-              </a:defRPr>
             </a:lvl2pPr>
             <a:lvl3pPr marL="914400" indent="0" algn="ctr">
               <a:buNone/>
-              <a:defRPr>
-                <a:solidFill>
-                  <a:schemeClr val="tx1">
-                    <a:tint val="75000"/>
-                  </a:schemeClr>
-                </a:solidFill>
-              </a:defRPr>
             </a:lvl3pPr>
             <a:lvl4pPr marL="1371600" indent="0" algn="ctr">
               <a:buNone/>
-              <a:defRPr>
-                <a:solidFill>
-                  <a:schemeClr val="tx1">
-                    <a:tint val="75000"/>
-                  </a:schemeClr>
-                </a:solidFill>
-              </a:defRPr>
             </a:lvl4pPr>
             <a:lvl5pPr marL="1828800" indent="0" algn="ctr">
               <a:buNone/>
-              <a:defRPr>
-                <a:solidFill>
-                  <a:schemeClr val="tx1">
-                    <a:tint val="75000"/>
-                  </a:schemeClr>
-                </a:solidFill>
-              </a:defRPr>
             </a:lvl5pPr>
             <a:lvl6pPr marL="2286000" indent="0" algn="ctr">
               <a:buNone/>
-              <a:defRPr>
-                <a:solidFill>
-                  <a:schemeClr val="tx1">
-                    <a:tint val="75000"/>
-                  </a:schemeClr>
-                </a:solidFill>
-              </a:defRPr>
             </a:lvl6pPr>
             <a:lvl7pPr marL="2743200" indent="0" algn="ctr">
               <a:buNone/>
-              <a:defRPr>
-                <a:solidFill>
-                  <a:schemeClr val="tx1">
-                    <a:tint val="75000"/>
-                  </a:schemeClr>
-                </a:solidFill>
-              </a:defRPr>
             </a:lvl7pPr>
             <a:lvl8pPr marL="3200400" indent="0" algn="ctr">
               <a:buNone/>
-              <a:defRPr>
-                <a:solidFill>
-                  <a:schemeClr val="tx1">
-                    <a:tint val="75000"/>
-                  </a:schemeClr>
-                </a:solidFill>
-              </a:defRPr>
             </a:lvl8pPr>
             <a:lvl9pPr marL="3657600" indent="0" algn="ctr">
               <a:buNone/>
-              <a:defRPr>
-                <a:solidFill>
-                  <a:schemeClr val="tx1">
-                    <a:tint val="75000"/>
-                  </a:schemeClr>
-                </a:solidFill>
-              </a:defRPr>
             </a:lvl9pPr>
           </a:lstStyle>
           <a:p>
             <a:r>
-              <a:rPr lang="pt-BR" smtClean="0"/>
+              <a:rPr kumimoji="0" lang="pt-BR" smtClean="0"/>
               <a:t>Clique para editar o estilo do subtítulo mestre</a:t>
             </a:r>
-            <a:endParaRPr lang="pt-BR"/>
-          </a:p>
-        </p:txBody>
-      </p:sp>
-      <p:sp>
-        <p:nvSpPr>
-          <p:cNvPr id="4" name="Espaço Reservado para Data 3"/>
-          <p:cNvSpPr>
-            <a:spLocks noGrp="1"/>
-          </p:cNvSpPr>
-          <p:nvPr>
-            <p:ph type="dt" sz="half" idx="10"/>
-          </p:nvPr>
-        </p:nvSpPr>
-        <p:spPr/>
-        <p:txBody>
-          <a:bodyPr/>
-          <a:lstStyle/>
-          <a:p>
-            <a:fld id="{73948A2C-A351-44A5-9543-EA3B6BD94DE1}" type="datetimeFigureOut">
-              <a:rPr lang="pt-BR" smtClean="0"/>
-              <a:t>14/02/2013</a:t>
-            </a:fld>
-            <a:endParaRPr lang="pt-BR"/>
-          </a:p>
-        </p:txBody>
-      </p:sp>
-      <p:sp>
-        <p:nvSpPr>
-          <p:cNvPr id="5" name="Espaço Reservado para Rodapé 4"/>
-          <p:cNvSpPr>
-            <a:spLocks noGrp="1"/>
-          </p:cNvSpPr>
-          <p:nvPr>
-            <p:ph type="ftr" sz="quarter" idx="11"/>
-          </p:nvPr>
-        </p:nvSpPr>
-        <p:spPr/>
-        <p:txBody>
-          <a:bodyPr/>
-          <a:lstStyle/>
-          <a:p>
-            <a:endParaRPr lang="pt-BR"/>
-          </a:p>
-        </p:txBody>
-      </p:sp>
-      <p:sp>
-        <p:nvSpPr>
-          <p:cNvPr id="6" name="Espaço Reservado para Número de Slide 5"/>
-          <p:cNvSpPr>
-            <a:spLocks noGrp="1"/>
-          </p:cNvSpPr>
-          <p:nvPr>
-            <p:ph type="sldNum" sz="quarter" idx="12"/>
-          </p:nvPr>
-        </p:nvSpPr>
-        <p:spPr/>
-        <p:txBody>
-          <a:bodyPr/>
-          <a:lstStyle/>
-          <a:p>
-            <a:fld id="{193FF5D9-4674-4F21-ABEA-BCF3C230FAB2}" type="slidenum">
-              <a:rPr lang="pt-BR" smtClean="0"/>
-              <a:t>‹nº›</a:t>
-            </a:fld>
-            <a:endParaRPr lang="pt-BR"/>
+            <a:endParaRPr kumimoji="0" lang="en-US"/>
           </a:p>
         </p:txBody>
       </p:sp>
     </p:spTree>
-    <p:extLst>
-      <p:ext uri="{BB962C8B-B14F-4D97-AF65-F5344CB8AC3E}">
-        <p14:creationId xmlns:p14="http://schemas.microsoft.com/office/powerpoint/2010/main" val="2020369639"/>
-      </p:ext>
-    </p:extLst>
   </p:cSld>
   <p:clrMapOvr>
     <a:masterClrMapping/>
@@ -389,10 +390,10 @@
           <a:lstStyle/>
           <a:p>
             <a:r>
-              <a:rPr lang="pt-BR" smtClean="0"/>
+              <a:rPr kumimoji="0" lang="pt-BR" smtClean="0"/>
               <a:t>Clique para editar o título mestre</a:t>
             </a:r>
-            <a:endParaRPr lang="pt-BR"/>
+            <a:endParaRPr kumimoji="0" lang="en-US"/>
           </a:p>
         </p:txBody>
       </p:sp>
@@ -411,40 +412,40 @@
           <a:bodyPr vert="eaVert"/>
           <a:lstStyle/>
           <a:p>
-            <a:pPr lvl="0"/>
+            <a:pPr lvl="0" eaLnBrk="1" latinLnBrk="0" hangingPunct="1"/>
             <a:r>
               <a:rPr lang="pt-BR" smtClean="0"/>
               <a:t>Clique para editar o texto mestre</a:t>
             </a:r>
           </a:p>
           <a:p>
-            <a:pPr lvl="1"/>
+            <a:pPr lvl="1" eaLnBrk="1" latinLnBrk="0" hangingPunct="1"/>
             <a:r>
               <a:rPr lang="pt-BR" smtClean="0"/>
               <a:t>Segundo nível</a:t>
             </a:r>
           </a:p>
           <a:p>
-            <a:pPr lvl="2"/>
+            <a:pPr lvl="2" eaLnBrk="1" latinLnBrk="0" hangingPunct="1"/>
             <a:r>
               <a:rPr lang="pt-BR" smtClean="0"/>
               <a:t>Terceiro nível</a:t>
             </a:r>
           </a:p>
           <a:p>
-            <a:pPr lvl="3"/>
+            <a:pPr lvl="3" eaLnBrk="1" latinLnBrk="0" hangingPunct="1"/>
             <a:r>
               <a:rPr lang="pt-BR" smtClean="0"/>
               <a:t>Quarto nível</a:t>
             </a:r>
           </a:p>
           <a:p>
-            <a:pPr lvl="4"/>
+            <a:pPr lvl="4" eaLnBrk="1" latinLnBrk="0" hangingPunct="1"/>
             <a:r>
               <a:rPr lang="pt-BR" smtClean="0"/>
               <a:t>Quinto nível</a:t>
             </a:r>
-            <a:endParaRPr lang="pt-BR"/>
+            <a:endParaRPr kumimoji="0" lang="en-US"/>
           </a:p>
         </p:txBody>
       </p:sp>
@@ -465,7 +466,7 @@
           <a:p>
             <a:fld id="{73948A2C-A351-44A5-9543-EA3B6BD94DE1}" type="datetimeFigureOut">
               <a:rPr lang="pt-BR" smtClean="0"/>
-              <a:t>14/02/2013</a:t>
+              <a:t>02/05/2013</a:t>
             </a:fld>
             <a:endParaRPr lang="pt-BR"/>
           </a:p>
@@ -514,11 +515,6 @@
         </p:txBody>
       </p:sp>
     </p:spTree>
-    <p:extLst>
-      <p:ext uri="{BB962C8B-B14F-4D97-AF65-F5344CB8AC3E}">
-        <p14:creationId xmlns:p14="http://schemas.microsoft.com/office/powerpoint/2010/main" val="4044691060"/>
-      </p:ext>
-    </p:extLst>
   </p:cSld>
   <p:clrMapOvr>
     <a:masterClrMapping/>
@@ -564,10 +560,10 @@
           <a:lstStyle/>
           <a:p>
             <a:r>
-              <a:rPr lang="pt-BR" smtClean="0"/>
+              <a:rPr kumimoji="0" lang="pt-BR" smtClean="0"/>
               <a:t>Clique para editar o título mestre</a:t>
             </a:r>
-            <a:endParaRPr lang="pt-BR"/>
+            <a:endParaRPr kumimoji="0" lang="en-US"/>
           </a:p>
         </p:txBody>
       </p:sp>
@@ -591,40 +587,40 @@
           <a:bodyPr vert="eaVert"/>
           <a:lstStyle/>
           <a:p>
-            <a:pPr lvl="0"/>
+            <a:pPr lvl="0" eaLnBrk="1" latinLnBrk="0" hangingPunct="1"/>
             <a:r>
               <a:rPr lang="pt-BR" smtClean="0"/>
               <a:t>Clique para editar o texto mestre</a:t>
             </a:r>
           </a:p>
           <a:p>
-            <a:pPr lvl="1"/>
+            <a:pPr lvl="1" eaLnBrk="1" latinLnBrk="0" hangingPunct="1"/>
             <a:r>
               <a:rPr lang="pt-BR" smtClean="0"/>
               <a:t>Segundo nível</a:t>
             </a:r>
           </a:p>
           <a:p>
-            <a:pPr lvl="2"/>
+            <a:pPr lvl="2" eaLnBrk="1" latinLnBrk="0" hangingPunct="1"/>
             <a:r>
               <a:rPr lang="pt-BR" smtClean="0"/>
               <a:t>Terceiro nível</a:t>
             </a:r>
           </a:p>
           <a:p>
-            <a:pPr lvl="3"/>
+            <a:pPr lvl="3" eaLnBrk="1" latinLnBrk="0" hangingPunct="1"/>
             <a:r>
               <a:rPr lang="pt-BR" smtClean="0"/>
               <a:t>Quarto nível</a:t>
             </a:r>
           </a:p>
           <a:p>
-            <a:pPr lvl="4"/>
+            <a:pPr lvl="4" eaLnBrk="1" latinLnBrk="0" hangingPunct="1"/>
             <a:r>
               <a:rPr lang="pt-BR" smtClean="0"/>
               <a:t>Quinto nível</a:t>
             </a:r>
-            <a:endParaRPr lang="pt-BR"/>
+            <a:endParaRPr kumimoji="0" lang="en-US"/>
           </a:p>
         </p:txBody>
       </p:sp>
@@ -645,7 +641,7 @@
           <a:p>
             <a:fld id="{73948A2C-A351-44A5-9543-EA3B6BD94DE1}" type="datetimeFigureOut">
               <a:rPr lang="pt-BR" smtClean="0"/>
-              <a:t>14/02/2013</a:t>
+              <a:t>02/05/2013</a:t>
             </a:fld>
             <a:endParaRPr lang="pt-BR"/>
           </a:p>
@@ -694,11 +690,6 @@
         </p:txBody>
       </p:sp>
     </p:spTree>
-    <p:extLst>
-      <p:ext uri="{BB962C8B-B14F-4D97-AF65-F5344CB8AC3E}">
-        <p14:creationId xmlns:p14="http://schemas.microsoft.com/office/powerpoint/2010/main" val="1578271592"/>
-      </p:ext>
-    </p:extLst>
   </p:cSld>
   <p:clrMapOvr>
     <a:masterClrMapping/>
@@ -739,10 +730,10 @@
           <a:lstStyle/>
           <a:p>
             <a:r>
-              <a:rPr lang="pt-BR" smtClean="0"/>
+              <a:rPr kumimoji="0" lang="pt-BR" smtClean="0"/>
               <a:t>Clique para editar o título mestre</a:t>
             </a:r>
-            <a:endParaRPr lang="pt-BR"/>
+            <a:endParaRPr kumimoji="0" lang="en-US"/>
           </a:p>
         </p:txBody>
       </p:sp>
@@ -761,40 +752,40 @@
           <a:bodyPr/>
           <a:lstStyle/>
           <a:p>
-            <a:pPr lvl="0"/>
+            <a:pPr lvl="0" eaLnBrk="1" latinLnBrk="0" hangingPunct="1"/>
             <a:r>
               <a:rPr lang="pt-BR" smtClean="0"/>
               <a:t>Clique para editar o texto mestre</a:t>
             </a:r>
           </a:p>
           <a:p>
-            <a:pPr lvl="1"/>
+            <a:pPr lvl="1" eaLnBrk="1" latinLnBrk="0" hangingPunct="1"/>
             <a:r>
               <a:rPr lang="pt-BR" smtClean="0"/>
               <a:t>Segundo nível</a:t>
             </a:r>
           </a:p>
           <a:p>
-            <a:pPr lvl="2"/>
+            <a:pPr lvl="2" eaLnBrk="1" latinLnBrk="0" hangingPunct="1"/>
             <a:r>
               <a:rPr lang="pt-BR" smtClean="0"/>
               <a:t>Terceiro nível</a:t>
             </a:r>
           </a:p>
           <a:p>
-            <a:pPr lvl="3"/>
+            <a:pPr lvl="3" eaLnBrk="1" latinLnBrk="0" hangingPunct="1"/>
             <a:r>
               <a:rPr lang="pt-BR" smtClean="0"/>
               <a:t>Quarto nível</a:t>
             </a:r>
           </a:p>
           <a:p>
-            <a:pPr lvl="4"/>
+            <a:pPr lvl="4" eaLnBrk="1" latinLnBrk="0" hangingPunct="1"/>
             <a:r>
               <a:rPr lang="pt-BR" smtClean="0"/>
               <a:t>Quinto nível</a:t>
             </a:r>
-            <a:endParaRPr lang="pt-BR"/>
+            <a:endParaRPr kumimoji="0" lang="en-US"/>
           </a:p>
         </p:txBody>
       </p:sp>
@@ -815,7 +806,7 @@
           <a:p>
             <a:fld id="{73948A2C-A351-44A5-9543-EA3B6BD94DE1}" type="datetimeFigureOut">
               <a:rPr lang="pt-BR" smtClean="0"/>
-              <a:t>14/02/2013</a:t>
+              <a:t>02/05/2013</a:t>
             </a:fld>
             <a:endParaRPr lang="pt-BR"/>
           </a:p>
@@ -864,11 +855,6 @@
         </p:txBody>
       </p:sp>
     </p:spTree>
-    <p:extLst>
-      <p:ext uri="{BB962C8B-B14F-4D97-AF65-F5344CB8AC3E}">
-        <p14:creationId xmlns:p14="http://schemas.microsoft.com/office/powerpoint/2010/main" val="1246639051"/>
-      </p:ext>
-    </p:extLst>
   </p:cSld>
   <p:clrMapOvr>
     <a:masterClrMapping/>
@@ -879,6 +865,11 @@
 <file path=ppt/slideLayouts/slideLayout3.xml><?xml version="1.0" encoding="utf-8"?>
 <p:sldLayout xmlns:a="http://schemas.openxmlformats.org/drawingml/2006/main" xmlns:r="http://schemas.openxmlformats.org/officeDocument/2006/relationships" xmlns:p="http://schemas.openxmlformats.org/presentationml/2006/main" type="secHead" preserve="1">
   <p:cSld name="Cabeçalho da Seção">
+    <p:bg>
+      <p:bgRef idx="1003">
+        <a:schemeClr val="bg2"/>
+      </p:bgRef>
+    </p:bg>
     <p:spTree>
       <p:nvGrpSpPr>
         <p:cNvPr id="1" name=""/>
@@ -905,56 +896,94 @@
         </p:nvSpPr>
         <p:spPr>
           <a:xfrm>
-            <a:off x="722313" y="4406900"/>
-            <a:ext cx="7772400" cy="1362075"/>
+            <a:off x="1600200" y="609600"/>
+            <a:ext cx="7086600" cy="1828800"/>
           </a:xfrm>
         </p:spPr>
         <p:txBody>
+          <a:bodyPr vert="horz" bIns="0" anchor="b">
+            <a:noAutofit/>
+            <a:scene3d>
+              <a:camera prst="orthographicFront"/>
+              <a:lightRig rig="soft" dir="t">
+                <a:rot lat="0" lon="0" rev="17220000"/>
+              </a:lightRig>
+            </a:scene3d>
+            <a:sp3d prstMaterial="softEdge">
+              <a:bevelT w="38100" h="38100"/>
+              <a:contourClr>
+                <a:schemeClr val="tx2">
+                  <a:shade val="50000"/>
+                </a:schemeClr>
+              </a:contourClr>
+            </a:sp3d>
+          </a:bodyPr>
+          <a:lstStyle>
+            <a:lvl1pPr algn="l" rtl="0">
+              <a:spcBef>
+                <a:spcPct val="0"/>
+              </a:spcBef>
+              <a:buNone/>
+              <a:defRPr sz="4800" b="1" cap="none" baseline="0">
+                <a:ln w="6350">
+                  <a:noFill/>
+                </a:ln>
+                <a:solidFill>
+                  <a:schemeClr val="accent1">
+                    <a:tint val="90000"/>
+                    <a:satMod val="120000"/>
+                  </a:schemeClr>
+                </a:solidFill>
+                <a:effectLst>
+                  <a:outerShdw blurRad="114300" dist="101600" dir="2700000" algn="tl" rotWithShape="0">
+                    <a:srgbClr val="000000">
+                      <a:alpha val="40000"/>
+                    </a:srgbClr>
+                  </a:outerShdw>
+                </a:effectLst>
+                <a:latin typeface="+mj-lt"/>
+                <a:ea typeface="+mj-ea"/>
+                <a:cs typeface="+mj-cs"/>
+              </a:defRPr>
+            </a:lvl1pPr>
+          </a:lstStyle>
+          <a:p>
+            <a:r>
+              <a:rPr kumimoji="0" lang="pt-BR" smtClean="0"/>
+              <a:t>Clique para editar o título mestre</a:t>
+            </a:r>
+            <a:endParaRPr kumimoji="0" lang="en-US"/>
+          </a:p>
+        </p:txBody>
+      </p:sp>
+      <p:sp>
+        <p:nvSpPr>
+          <p:cNvPr id="3" name="Espaço Reservado para Texto 2"/>
+          <p:cNvSpPr>
+            <a:spLocks noGrp="1"/>
+          </p:cNvSpPr>
+          <p:nvPr>
+            <p:ph type="body" idx="1"/>
+          </p:nvPr>
+        </p:nvSpPr>
+        <p:spPr>
+          <a:xfrm>
+            <a:off x="1600200" y="2507786"/>
+            <a:ext cx="7086600" cy="1509712"/>
+          </a:xfrm>
+        </p:spPr>
+        <p:txBody>
           <a:bodyPr anchor="t"/>
           <a:lstStyle>
-            <a:lvl1pPr algn="l">
-              <a:defRPr sz="4000" b="1" cap="all"/>
-            </a:lvl1pPr>
-          </a:lstStyle>
-          <a:p>
-            <a:r>
-              <a:rPr lang="pt-BR" smtClean="0"/>
-              <a:t>Clique para editar o título mestre</a:t>
-            </a:r>
-            <a:endParaRPr lang="pt-BR"/>
-          </a:p>
-        </p:txBody>
-      </p:sp>
-      <p:sp>
-        <p:nvSpPr>
-          <p:cNvPr id="3" name="Espaço Reservado para Texto 2"/>
-          <p:cNvSpPr>
-            <a:spLocks noGrp="1"/>
-          </p:cNvSpPr>
-          <p:nvPr>
-            <p:ph type="body" idx="1"/>
-          </p:nvPr>
-        </p:nvSpPr>
-        <p:spPr>
-          <a:xfrm>
-            <a:off x="722313" y="2906713"/>
-            <a:ext cx="7772400" cy="1500187"/>
-          </a:xfrm>
-        </p:spPr>
-        <p:txBody>
-          <a:bodyPr anchor="b"/>
-          <a:lstStyle>
-            <a:lvl1pPr marL="0" indent="0">
+            <a:lvl1pPr marL="73152" indent="0" algn="l">
               <a:buNone/>
               <a:defRPr sz="2000">
                 <a:solidFill>
-                  <a:schemeClr val="tx1">
-                    <a:tint val="75000"/>
-                  </a:schemeClr>
+                  <a:schemeClr val="tx1"/>
                 </a:solidFill>
               </a:defRPr>
             </a:lvl1pPr>
-            <a:lvl2pPr marL="457200" indent="0">
+            <a:lvl2pPr>
               <a:buNone/>
               <a:defRPr sz="1800">
                 <a:solidFill>
@@ -964,7 +993,7 @@
                 </a:solidFill>
               </a:defRPr>
             </a:lvl2pPr>
-            <a:lvl3pPr marL="914400" indent="0">
+            <a:lvl3pPr>
               <a:buNone/>
               <a:defRPr sz="1600">
                 <a:solidFill>
@@ -974,7 +1003,7 @@
                 </a:solidFill>
               </a:defRPr>
             </a:lvl3pPr>
-            <a:lvl4pPr marL="1371600" indent="0">
+            <a:lvl4pPr>
               <a:buNone/>
               <a:defRPr sz="1400">
                 <a:solidFill>
@@ -984,7 +1013,7 @@
                 </a:solidFill>
               </a:defRPr>
             </a:lvl4pPr>
-            <a:lvl5pPr marL="1828800" indent="0">
+            <a:lvl5pPr>
               <a:buNone/>
               <a:defRPr sz="1400">
                 <a:solidFill>
@@ -994,51 +1023,11 @@
                 </a:solidFill>
               </a:defRPr>
             </a:lvl5pPr>
-            <a:lvl6pPr marL="2286000" indent="0">
-              <a:buNone/>
-              <a:defRPr sz="1400">
-                <a:solidFill>
-                  <a:schemeClr val="tx1">
-                    <a:tint val="75000"/>
-                  </a:schemeClr>
-                </a:solidFill>
-              </a:defRPr>
-            </a:lvl6pPr>
-            <a:lvl7pPr marL="2743200" indent="0">
-              <a:buNone/>
-              <a:defRPr sz="1400">
-                <a:solidFill>
-                  <a:schemeClr val="tx1">
-                    <a:tint val="75000"/>
-                  </a:schemeClr>
-                </a:solidFill>
-              </a:defRPr>
-            </a:lvl7pPr>
-            <a:lvl8pPr marL="3200400" indent="0">
-              <a:buNone/>
-              <a:defRPr sz="1400">
-                <a:solidFill>
-                  <a:schemeClr val="tx1">
-                    <a:tint val="75000"/>
-                  </a:schemeClr>
-                </a:solidFill>
-              </a:defRPr>
-            </a:lvl8pPr>
-            <a:lvl9pPr marL="3657600" indent="0">
-              <a:buNone/>
-              <a:defRPr sz="1400">
-                <a:solidFill>
-                  <a:schemeClr val="tx1">
-                    <a:tint val="75000"/>
-                  </a:schemeClr>
-                </a:solidFill>
-              </a:defRPr>
-            </a:lvl9pPr>
           </a:lstStyle>
           <a:p>
-            <a:pPr lvl="0"/>
-            <a:r>
-              <a:rPr lang="pt-BR" smtClean="0"/>
+            <a:pPr lvl="0" eaLnBrk="1" latinLnBrk="0" hangingPunct="1"/>
+            <a:r>
+              <a:rPr kumimoji="0" lang="pt-BR" smtClean="0"/>
               <a:t>Clique para editar o texto mestre</a:t>
             </a:r>
           </a:p>
@@ -1061,7 +1050,7 @@
           <a:p>
             <a:fld id="{73948A2C-A351-44A5-9543-EA3B6BD94DE1}" type="datetimeFigureOut">
               <a:rPr lang="pt-BR" smtClean="0"/>
-              <a:t>14/02/2013</a:t>
+              <a:t>02/05/2013</a:t>
             </a:fld>
             <a:endParaRPr lang="pt-BR"/>
           </a:p>
@@ -1096,7 +1085,12 @@
             <p:ph type="sldNum" sz="quarter" idx="12"/>
           </p:nvPr>
         </p:nvSpPr>
-        <p:spPr/>
+        <p:spPr>
+          <a:xfrm>
+            <a:off x="7924800" y="6416675"/>
+            <a:ext cx="762000" cy="365125"/>
+          </a:xfrm>
+        </p:spPr>
         <p:txBody>
           <a:bodyPr/>
           <a:lstStyle/>
@@ -1110,14 +1104,9 @@
         </p:txBody>
       </p:sp>
     </p:spTree>
-    <p:extLst>
-      <p:ext uri="{BB962C8B-B14F-4D97-AF65-F5344CB8AC3E}">
-        <p14:creationId xmlns:p14="http://schemas.microsoft.com/office/powerpoint/2010/main" val="3747244603"/>
-      </p:ext>
-    </p:extLst>
   </p:cSld>
   <p:clrMapOvr>
-    <a:masterClrMapping/>
+    <a:overrideClrMapping bg1="dk1" tx1="lt1" bg2="dk2" tx2="lt2" accent1="accent1" accent2="accent2" accent3="accent3" accent4="accent4" accent5="accent5" accent6="accent6" hlink="hlink" folHlink="folHlink"/>
   </p:clrMapOvr>
 </p:sldLayout>
 </file>
@@ -1155,10 +1144,10 @@
           <a:lstStyle/>
           <a:p>
             <a:r>
-              <a:rPr lang="pt-BR" smtClean="0"/>
+              <a:rPr kumimoji="0" lang="pt-BR" smtClean="0"/>
               <a:t>Clique para editar o título mestre</a:t>
             </a:r>
-            <a:endParaRPr lang="pt-BR"/>
+            <a:endParaRPr kumimoji="0" lang="en-US"/>
           </a:p>
         </p:txBody>
       </p:sp>
@@ -1182,7 +1171,7 @@
           <a:bodyPr/>
           <a:lstStyle>
             <a:lvl1pPr>
-              <a:defRPr sz="2800"/>
+              <a:defRPr sz="2600"/>
             </a:lvl1pPr>
             <a:lvl2pPr>
               <a:defRPr sz="2400"/>
@@ -1196,54 +1185,42 @@
             <a:lvl5pPr>
               <a:defRPr sz="1800"/>
             </a:lvl5pPr>
-            <a:lvl6pPr>
-              <a:defRPr sz="1800"/>
-            </a:lvl6pPr>
-            <a:lvl7pPr>
-              <a:defRPr sz="1800"/>
-            </a:lvl7pPr>
-            <a:lvl8pPr>
-              <a:defRPr sz="1800"/>
-            </a:lvl8pPr>
-            <a:lvl9pPr>
-              <a:defRPr sz="1800"/>
-            </a:lvl9pPr>
           </a:lstStyle>
           <a:p>
-            <a:pPr lvl="0"/>
+            <a:pPr lvl="0" eaLnBrk="1" latinLnBrk="0" hangingPunct="1"/>
             <a:r>
               <a:rPr lang="pt-BR" smtClean="0"/>
               <a:t>Clique para editar o texto mestre</a:t>
             </a:r>
           </a:p>
           <a:p>
-            <a:pPr lvl="1"/>
+            <a:pPr lvl="1" eaLnBrk="1" latinLnBrk="0" hangingPunct="1"/>
             <a:r>
               <a:rPr lang="pt-BR" smtClean="0"/>
               <a:t>Segundo nível</a:t>
             </a:r>
           </a:p>
           <a:p>
-            <a:pPr lvl="2"/>
+            <a:pPr lvl="2" eaLnBrk="1" latinLnBrk="0" hangingPunct="1"/>
             <a:r>
               <a:rPr lang="pt-BR" smtClean="0"/>
               <a:t>Terceiro nível</a:t>
             </a:r>
           </a:p>
           <a:p>
-            <a:pPr lvl="3"/>
+            <a:pPr lvl="3" eaLnBrk="1" latinLnBrk="0" hangingPunct="1"/>
             <a:r>
               <a:rPr lang="pt-BR" smtClean="0"/>
               <a:t>Quarto nível</a:t>
             </a:r>
           </a:p>
           <a:p>
-            <a:pPr lvl="4"/>
+            <a:pPr lvl="4" eaLnBrk="1" latinLnBrk="0" hangingPunct="1"/>
             <a:r>
               <a:rPr lang="pt-BR" smtClean="0"/>
               <a:t>Quinto nível</a:t>
             </a:r>
-            <a:endParaRPr lang="pt-BR"/>
+            <a:endParaRPr kumimoji="0" lang="en-US"/>
           </a:p>
         </p:txBody>
       </p:sp>
@@ -1267,7 +1244,7 @@
           <a:bodyPr/>
           <a:lstStyle>
             <a:lvl1pPr>
-              <a:defRPr sz="2800"/>
+              <a:defRPr sz="2600"/>
             </a:lvl1pPr>
             <a:lvl2pPr>
               <a:defRPr sz="2400"/>
@@ -1281,54 +1258,42 @@
             <a:lvl5pPr>
               <a:defRPr sz="1800"/>
             </a:lvl5pPr>
-            <a:lvl6pPr>
-              <a:defRPr sz="1800"/>
-            </a:lvl6pPr>
-            <a:lvl7pPr>
-              <a:defRPr sz="1800"/>
-            </a:lvl7pPr>
-            <a:lvl8pPr>
-              <a:defRPr sz="1800"/>
-            </a:lvl8pPr>
-            <a:lvl9pPr>
-              <a:defRPr sz="1800"/>
-            </a:lvl9pPr>
           </a:lstStyle>
           <a:p>
-            <a:pPr lvl="0"/>
+            <a:pPr lvl="0" eaLnBrk="1" latinLnBrk="0" hangingPunct="1"/>
             <a:r>
               <a:rPr lang="pt-BR" smtClean="0"/>
               <a:t>Clique para editar o texto mestre</a:t>
             </a:r>
           </a:p>
           <a:p>
-            <a:pPr lvl="1"/>
+            <a:pPr lvl="1" eaLnBrk="1" latinLnBrk="0" hangingPunct="1"/>
             <a:r>
               <a:rPr lang="pt-BR" smtClean="0"/>
               <a:t>Segundo nível</a:t>
             </a:r>
           </a:p>
           <a:p>
-            <a:pPr lvl="2"/>
+            <a:pPr lvl="2" eaLnBrk="1" latinLnBrk="0" hangingPunct="1"/>
             <a:r>
               <a:rPr lang="pt-BR" smtClean="0"/>
               <a:t>Terceiro nível</a:t>
             </a:r>
           </a:p>
           <a:p>
-            <a:pPr lvl="3"/>
+            <a:pPr lvl="3" eaLnBrk="1" latinLnBrk="0" hangingPunct="1"/>
             <a:r>
               <a:rPr lang="pt-BR" smtClean="0"/>
               <a:t>Quarto nível</a:t>
             </a:r>
           </a:p>
           <a:p>
-            <a:pPr lvl="4"/>
+            <a:pPr lvl="4" eaLnBrk="1" latinLnBrk="0" hangingPunct="1"/>
             <a:r>
               <a:rPr lang="pt-BR" smtClean="0"/>
               <a:t>Quinto nível</a:t>
             </a:r>
-            <a:endParaRPr lang="pt-BR"/>
+            <a:endParaRPr kumimoji="0" lang="en-US"/>
           </a:p>
         </p:txBody>
       </p:sp>
@@ -1349,7 +1314,7 @@
           <a:p>
             <a:fld id="{73948A2C-A351-44A5-9543-EA3B6BD94DE1}" type="datetimeFigureOut">
               <a:rPr lang="pt-BR" smtClean="0"/>
-              <a:t>14/02/2013</a:t>
+              <a:t>02/05/2013</a:t>
             </a:fld>
             <a:endParaRPr lang="pt-BR"/>
           </a:p>
@@ -1398,11 +1363,6 @@
         </p:txBody>
       </p:sp>
     </p:spTree>
-    <p:extLst>
-      <p:ext uri="{BB962C8B-B14F-4D97-AF65-F5344CB8AC3E}">
-        <p14:creationId xmlns:p14="http://schemas.microsoft.com/office/powerpoint/2010/main" val="2641072459"/>
-      </p:ext>
-    </p:extLst>
   </p:cSld>
   <p:clrMapOvr>
     <a:masterClrMapping/>
@@ -1437,9 +1397,14 @@
             <p:ph type="title"/>
           </p:nvPr>
         </p:nvSpPr>
-        <p:spPr/>
-        <p:txBody>
-          <a:bodyPr/>
+        <p:spPr>
+          <a:xfrm>
+            <a:off x="457200" y="273050"/>
+            <a:ext cx="8229600" cy="1143000"/>
+          </a:xfrm>
+        </p:spPr>
+        <p:txBody>
+          <a:bodyPr anchor="ctr"/>
           <a:lstStyle>
             <a:lvl1pPr>
               <a:defRPr/>
@@ -1447,10 +1412,10 @@
           </a:lstStyle>
           <a:p>
             <a:r>
-              <a:rPr lang="pt-BR" smtClean="0"/>
+              <a:rPr kumimoji="0" lang="pt-BR" smtClean="0"/>
               <a:t>Clique para editar o título mestre</a:t>
             </a:r>
-            <a:endParaRPr lang="pt-BR"/>
+            <a:endParaRPr kumimoji="0" lang="en-US"/>
           </a:p>
         </p:txBody>
       </p:sp>
@@ -1466,54 +1431,95 @@
         </p:nvSpPr>
         <p:spPr>
           <a:xfrm>
-            <a:off x="457200" y="1535113"/>
-            <a:ext cx="4040188" cy="639762"/>
+            <a:off x="457200" y="1535112"/>
+            <a:ext cx="4040188" cy="750887"/>
           </a:xfrm>
         </p:spPr>
         <p:txBody>
-          <a:bodyPr anchor="b"/>
+          <a:bodyPr anchor="ctr"/>
           <a:lstStyle>
             <a:lvl1pPr marL="0" indent="0">
               <a:buNone/>
-              <a:defRPr sz="2400" b="1"/>
+              <a:defRPr sz="2400" b="0" cap="all" baseline="0">
+                <a:solidFill>
+                  <a:schemeClr val="tx1"/>
+                </a:solidFill>
+              </a:defRPr>
             </a:lvl1pPr>
-            <a:lvl2pPr marL="457200" indent="0">
+            <a:lvl2pPr>
               <a:buNone/>
               <a:defRPr sz="2000" b="1"/>
             </a:lvl2pPr>
-            <a:lvl3pPr marL="914400" indent="0">
+            <a:lvl3pPr>
               <a:buNone/>
               <a:defRPr sz="1800" b="1"/>
             </a:lvl3pPr>
-            <a:lvl4pPr marL="1371600" indent="0">
+            <a:lvl4pPr>
               <a:buNone/>
               <a:defRPr sz="1600" b="1"/>
             </a:lvl4pPr>
-            <a:lvl5pPr marL="1828800" indent="0">
+            <a:lvl5pPr>
               <a:buNone/>
               <a:defRPr sz="1600" b="1"/>
             </a:lvl5pPr>
-            <a:lvl6pPr marL="2286000" indent="0">
+          </a:lstStyle>
+          <a:p>
+            <a:pPr lvl="0" eaLnBrk="1" latinLnBrk="0" hangingPunct="1"/>
+            <a:r>
+              <a:rPr kumimoji="0" lang="pt-BR" smtClean="0"/>
+              <a:t>Clique para editar o texto mestre</a:t>
+            </a:r>
+          </a:p>
+        </p:txBody>
+      </p:sp>
+      <p:sp>
+        <p:nvSpPr>
+          <p:cNvPr id="4" name="Espaço Reservado para Texto 3"/>
+          <p:cNvSpPr>
+            <a:spLocks noGrp="1"/>
+          </p:cNvSpPr>
+          <p:nvPr>
+            <p:ph type="body" sz="half" idx="3"/>
+          </p:nvPr>
+        </p:nvSpPr>
+        <p:spPr>
+          <a:xfrm>
+            <a:off x="4645025" y="1535112"/>
+            <a:ext cx="4041775" cy="750887"/>
+          </a:xfrm>
+        </p:spPr>
+        <p:txBody>
+          <a:bodyPr anchor="ctr"/>
+          <a:lstStyle>
+            <a:lvl1pPr marL="0" indent="0">
+              <a:buNone/>
+              <a:defRPr sz="2400" b="0" cap="all" baseline="0">
+                <a:solidFill>
+                  <a:schemeClr val="tx1"/>
+                </a:solidFill>
+              </a:defRPr>
+            </a:lvl1pPr>
+            <a:lvl2pPr>
+              <a:buNone/>
+              <a:defRPr sz="2000" b="1"/>
+            </a:lvl2pPr>
+            <a:lvl3pPr>
+              <a:buNone/>
+              <a:defRPr sz="1800" b="1"/>
+            </a:lvl3pPr>
+            <a:lvl4pPr>
               <a:buNone/>
               <a:defRPr sz="1600" b="1"/>
-            </a:lvl6pPr>
-            <a:lvl7pPr marL="2743200" indent="0">
+            </a:lvl4pPr>
+            <a:lvl5pPr>
               <a:buNone/>
               <a:defRPr sz="1600" b="1"/>
-            </a:lvl7pPr>
-            <a:lvl8pPr marL="3200400" indent="0">
-              <a:buNone/>
-              <a:defRPr sz="1600" b="1"/>
-            </a:lvl8pPr>
-            <a:lvl9pPr marL="3657600" indent="0">
-              <a:buNone/>
-              <a:defRPr sz="1600" b="1"/>
-            </a:lvl9pPr>
+            </a:lvl5pPr>
           </a:lstStyle>
           <a:p>
-            <a:pPr lvl="0"/>
-            <a:r>
-              <a:rPr lang="pt-BR" smtClean="0"/>
+            <a:pPr lvl="0" eaLnBrk="1" latinLnBrk="0" hangingPunct="1"/>
+            <a:r>
+              <a:rPr kumimoji="0" lang="pt-BR" smtClean="0"/>
               <a:t>Clique para editar o texto mestre</a:t>
             </a:r>
           </a:p>
@@ -1521,18 +1527,18 @@
       </p:sp>
       <p:sp>
         <p:nvSpPr>
-          <p:cNvPr id="4" name="Espaço Reservado para Conteúdo 3"/>
-          <p:cNvSpPr>
-            <a:spLocks noGrp="1"/>
-          </p:cNvSpPr>
-          <p:nvPr>
-            <p:ph sz="half" idx="2"/>
+          <p:cNvPr id="5" name="Espaço Reservado para Conteúdo 4"/>
+          <p:cNvSpPr>
+            <a:spLocks noGrp="1"/>
+          </p:cNvSpPr>
+          <p:nvPr>
+            <p:ph sz="quarter" idx="2"/>
           </p:nvPr>
         </p:nvSpPr>
         <p:spPr>
           <a:xfrm>
-            <a:off x="457200" y="2174875"/>
-            <a:ext cx="4040188" cy="3951288"/>
+            <a:off x="457200" y="2362200"/>
+            <a:ext cx="4040188" cy="3763963"/>
           </a:xfrm>
         </p:spPr>
         <p:txBody>
@@ -1553,136 +1559,59 @@
             <a:lvl5pPr>
               <a:defRPr sz="1600"/>
             </a:lvl5pPr>
-            <a:lvl6pPr>
-              <a:defRPr sz="1600"/>
-            </a:lvl6pPr>
-            <a:lvl7pPr>
-              <a:defRPr sz="1600"/>
-            </a:lvl7pPr>
-            <a:lvl8pPr>
-              <a:defRPr sz="1600"/>
-            </a:lvl8pPr>
-            <a:lvl9pPr>
-              <a:defRPr sz="1600"/>
-            </a:lvl9pPr>
           </a:lstStyle>
           <a:p>
-            <a:pPr lvl="0"/>
+            <a:pPr lvl="0" eaLnBrk="1" latinLnBrk="0" hangingPunct="1"/>
             <a:r>
               <a:rPr lang="pt-BR" smtClean="0"/>
               <a:t>Clique para editar o texto mestre</a:t>
             </a:r>
           </a:p>
           <a:p>
-            <a:pPr lvl="1"/>
+            <a:pPr lvl="1" eaLnBrk="1" latinLnBrk="0" hangingPunct="1"/>
             <a:r>
               <a:rPr lang="pt-BR" smtClean="0"/>
               <a:t>Segundo nível</a:t>
             </a:r>
           </a:p>
           <a:p>
-            <a:pPr lvl="2"/>
+            <a:pPr lvl="2" eaLnBrk="1" latinLnBrk="0" hangingPunct="1"/>
             <a:r>
               <a:rPr lang="pt-BR" smtClean="0"/>
               <a:t>Terceiro nível</a:t>
             </a:r>
           </a:p>
           <a:p>
-            <a:pPr lvl="3"/>
+            <a:pPr lvl="3" eaLnBrk="1" latinLnBrk="0" hangingPunct="1"/>
             <a:r>
               <a:rPr lang="pt-BR" smtClean="0"/>
               <a:t>Quarto nível</a:t>
             </a:r>
           </a:p>
           <a:p>
-            <a:pPr lvl="4"/>
+            <a:pPr lvl="4" eaLnBrk="1" latinLnBrk="0" hangingPunct="1"/>
             <a:r>
               <a:rPr lang="pt-BR" smtClean="0"/>
               <a:t>Quinto nível</a:t>
             </a:r>
-            <a:endParaRPr lang="pt-BR"/>
-          </a:p>
-        </p:txBody>
-      </p:sp>
-      <p:sp>
-        <p:nvSpPr>
-          <p:cNvPr id="5" name="Espaço Reservado para Texto 4"/>
-          <p:cNvSpPr>
-            <a:spLocks noGrp="1"/>
-          </p:cNvSpPr>
-          <p:nvPr>
-            <p:ph type="body" sz="quarter" idx="3"/>
+            <a:endParaRPr kumimoji="0" lang="en-US"/>
+          </a:p>
+        </p:txBody>
+      </p:sp>
+      <p:sp>
+        <p:nvSpPr>
+          <p:cNvPr id="6" name="Espaço Reservado para Conteúdo 5"/>
+          <p:cNvSpPr>
+            <a:spLocks noGrp="1"/>
+          </p:cNvSpPr>
+          <p:nvPr>
+            <p:ph sz="quarter" idx="4"/>
           </p:nvPr>
         </p:nvSpPr>
         <p:spPr>
           <a:xfrm>
-            <a:off x="4645025" y="1535113"/>
-            <a:ext cx="4041775" cy="639762"/>
-          </a:xfrm>
-        </p:spPr>
-        <p:txBody>
-          <a:bodyPr anchor="b"/>
-          <a:lstStyle>
-            <a:lvl1pPr marL="0" indent="0">
-              <a:buNone/>
-              <a:defRPr sz="2400" b="1"/>
-            </a:lvl1pPr>
-            <a:lvl2pPr marL="457200" indent="0">
-              <a:buNone/>
-              <a:defRPr sz="2000" b="1"/>
-            </a:lvl2pPr>
-            <a:lvl3pPr marL="914400" indent="0">
-              <a:buNone/>
-              <a:defRPr sz="1800" b="1"/>
-            </a:lvl3pPr>
-            <a:lvl4pPr marL="1371600" indent="0">
-              <a:buNone/>
-              <a:defRPr sz="1600" b="1"/>
-            </a:lvl4pPr>
-            <a:lvl5pPr marL="1828800" indent="0">
-              <a:buNone/>
-              <a:defRPr sz="1600" b="1"/>
-            </a:lvl5pPr>
-            <a:lvl6pPr marL="2286000" indent="0">
-              <a:buNone/>
-              <a:defRPr sz="1600" b="1"/>
-            </a:lvl6pPr>
-            <a:lvl7pPr marL="2743200" indent="0">
-              <a:buNone/>
-              <a:defRPr sz="1600" b="1"/>
-            </a:lvl7pPr>
-            <a:lvl8pPr marL="3200400" indent="0">
-              <a:buNone/>
-              <a:defRPr sz="1600" b="1"/>
-            </a:lvl8pPr>
-            <a:lvl9pPr marL="3657600" indent="0">
-              <a:buNone/>
-              <a:defRPr sz="1600" b="1"/>
-            </a:lvl9pPr>
-          </a:lstStyle>
-          <a:p>
-            <a:pPr lvl="0"/>
-            <a:r>
-              <a:rPr lang="pt-BR" smtClean="0"/>
-              <a:t>Clique para editar o texto mestre</a:t>
-            </a:r>
-          </a:p>
-        </p:txBody>
-      </p:sp>
-      <p:sp>
-        <p:nvSpPr>
-          <p:cNvPr id="6" name="Espaço Reservado para Conteúdo 5"/>
-          <p:cNvSpPr>
-            <a:spLocks noGrp="1"/>
-          </p:cNvSpPr>
-          <p:nvPr>
-            <p:ph sz="quarter" idx="4"/>
-          </p:nvPr>
-        </p:nvSpPr>
-        <p:spPr>
-          <a:xfrm>
-            <a:off x="4645025" y="2174875"/>
-            <a:ext cx="4041775" cy="3951288"/>
+            <a:off x="4645025" y="2362200"/>
+            <a:ext cx="4041775" cy="3763963"/>
           </a:xfrm>
         </p:spPr>
         <p:txBody>
@@ -1703,54 +1632,42 @@
             <a:lvl5pPr>
               <a:defRPr sz="1600"/>
             </a:lvl5pPr>
-            <a:lvl6pPr>
-              <a:defRPr sz="1600"/>
-            </a:lvl6pPr>
-            <a:lvl7pPr>
-              <a:defRPr sz="1600"/>
-            </a:lvl7pPr>
-            <a:lvl8pPr>
-              <a:defRPr sz="1600"/>
-            </a:lvl8pPr>
-            <a:lvl9pPr>
-              <a:defRPr sz="1600"/>
-            </a:lvl9pPr>
           </a:lstStyle>
           <a:p>
-            <a:pPr lvl="0"/>
+            <a:pPr lvl="0" eaLnBrk="1" latinLnBrk="0" hangingPunct="1"/>
             <a:r>
               <a:rPr lang="pt-BR" smtClean="0"/>
               <a:t>Clique para editar o texto mestre</a:t>
             </a:r>
           </a:p>
           <a:p>
-            <a:pPr lvl="1"/>
+            <a:pPr lvl="1" eaLnBrk="1" latinLnBrk="0" hangingPunct="1"/>
             <a:r>
               <a:rPr lang="pt-BR" smtClean="0"/>
               <a:t>Segundo nível</a:t>
             </a:r>
           </a:p>
           <a:p>
-            <a:pPr lvl="2"/>
+            <a:pPr lvl="2" eaLnBrk="1" latinLnBrk="0" hangingPunct="1"/>
             <a:r>
               <a:rPr lang="pt-BR" smtClean="0"/>
               <a:t>Terceiro nível</a:t>
             </a:r>
           </a:p>
           <a:p>
-            <a:pPr lvl="3"/>
+            <a:pPr lvl="3" eaLnBrk="1" latinLnBrk="0" hangingPunct="1"/>
             <a:r>
               <a:rPr lang="pt-BR" smtClean="0"/>
               <a:t>Quarto nível</a:t>
             </a:r>
           </a:p>
           <a:p>
-            <a:pPr lvl="4"/>
+            <a:pPr lvl="4" eaLnBrk="1" latinLnBrk="0" hangingPunct="1"/>
             <a:r>
               <a:rPr lang="pt-BR" smtClean="0"/>
               <a:t>Quinto nível</a:t>
             </a:r>
-            <a:endParaRPr lang="pt-BR"/>
+            <a:endParaRPr kumimoji="0" lang="en-US"/>
           </a:p>
         </p:txBody>
       </p:sp>
@@ -1771,7 +1688,7 @@
           <a:p>
             <a:fld id="{73948A2C-A351-44A5-9543-EA3B6BD94DE1}" type="datetimeFigureOut">
               <a:rPr lang="pt-BR" smtClean="0"/>
-              <a:t>14/02/2013</a:t>
+              <a:t>02/05/2013</a:t>
             </a:fld>
             <a:endParaRPr lang="pt-BR"/>
           </a:p>
@@ -1820,11 +1737,6 @@
         </p:txBody>
       </p:sp>
     </p:spTree>
-    <p:extLst>
-      <p:ext uri="{BB962C8B-B14F-4D97-AF65-F5344CB8AC3E}">
-        <p14:creationId xmlns:p14="http://schemas.microsoft.com/office/powerpoint/2010/main" val="155840239"/>
-      </p:ext>
-    </p:extLst>
   </p:cSld>
   <p:clrMapOvr>
     <a:masterClrMapping/>
@@ -1865,10 +1777,10 @@
           <a:lstStyle/>
           <a:p>
             <a:r>
-              <a:rPr lang="pt-BR" smtClean="0"/>
+              <a:rPr kumimoji="0" lang="pt-BR" smtClean="0"/>
               <a:t>Clique para editar o título mestre</a:t>
             </a:r>
-            <a:endParaRPr lang="pt-BR"/>
+            <a:endParaRPr kumimoji="0" lang="en-US"/>
           </a:p>
         </p:txBody>
       </p:sp>
@@ -1889,7 +1801,7 @@
           <a:p>
             <a:fld id="{73948A2C-A351-44A5-9543-EA3B6BD94DE1}" type="datetimeFigureOut">
               <a:rPr lang="pt-BR" smtClean="0"/>
-              <a:t>14/02/2013</a:t>
+              <a:t>02/05/2013</a:t>
             </a:fld>
             <a:endParaRPr lang="pt-BR"/>
           </a:p>
@@ -1938,11 +1850,6 @@
         </p:txBody>
       </p:sp>
     </p:spTree>
-    <p:extLst>
-      <p:ext uri="{BB962C8B-B14F-4D97-AF65-F5344CB8AC3E}">
-        <p14:creationId xmlns:p14="http://schemas.microsoft.com/office/powerpoint/2010/main" val="2081176178"/>
-      </p:ext>
-    </p:extLst>
   </p:cSld>
   <p:clrMapOvr>
     <a:masterClrMapping/>
@@ -1984,7 +1891,7 @@
           <a:p>
             <a:fld id="{73948A2C-A351-44A5-9543-EA3B6BD94DE1}" type="datetimeFigureOut">
               <a:rPr lang="pt-BR" smtClean="0"/>
-              <a:t>14/02/2013</a:t>
+              <a:t>02/05/2013</a:t>
             </a:fld>
             <a:endParaRPr lang="pt-BR"/>
           </a:p>
@@ -2033,11 +1940,6 @@
         </p:txBody>
       </p:sp>
     </p:spTree>
-    <p:extLst>
-      <p:ext uri="{BB962C8B-B14F-4D97-AF65-F5344CB8AC3E}">
-        <p14:creationId xmlns:p14="http://schemas.microsoft.com/office/powerpoint/2010/main" val="803610833"/>
-      </p:ext>
-    </p:extLst>
   </p:cSld>
   <p:clrMapOvr>
     <a:masterClrMapping/>
@@ -2079,29 +1981,92 @@
           </a:xfrm>
         </p:spPr>
         <p:txBody>
-          <a:bodyPr anchor="b"/>
+          <a:bodyPr vert="horz" anchor="b">
+            <a:normAutofit/>
+            <a:sp3d prstMaterial="softEdge"/>
+          </a:bodyPr>
           <a:lstStyle>
             <a:lvl1pPr algn="l">
-              <a:defRPr sz="2000" b="1"/>
+              <a:buNone/>
+              <a:defRPr sz="2200" b="0">
+                <a:ln w="6350">
+                  <a:noFill/>
+                </a:ln>
+                <a:solidFill>
+                  <a:schemeClr val="accent1">
+                    <a:tint val="73000"/>
+                    <a:satMod val="180000"/>
+                  </a:schemeClr>
+                </a:solidFill>
+              </a:defRPr>
             </a:lvl1pPr>
           </a:lstStyle>
           <a:p>
             <a:r>
-              <a:rPr lang="pt-BR" smtClean="0"/>
+              <a:rPr kumimoji="0" lang="pt-BR" smtClean="0"/>
               <a:t>Clique para editar o título mestre</a:t>
             </a:r>
-            <a:endParaRPr lang="pt-BR"/>
-          </a:p>
-        </p:txBody>
-      </p:sp>
-      <p:sp>
-        <p:nvSpPr>
-          <p:cNvPr id="3" name="Espaço Reservado para Conteúdo 2"/>
-          <p:cNvSpPr>
-            <a:spLocks noGrp="1"/>
-          </p:cNvSpPr>
-          <p:nvPr>
-            <p:ph idx="1"/>
+            <a:endParaRPr kumimoji="0" lang="en-US"/>
+          </a:p>
+        </p:txBody>
+      </p:sp>
+      <p:sp>
+        <p:nvSpPr>
+          <p:cNvPr id="3" name="Espaço Reservado para Texto 2"/>
+          <p:cNvSpPr>
+            <a:spLocks noGrp="1"/>
+          </p:cNvSpPr>
+          <p:nvPr>
+            <p:ph type="body" idx="2"/>
+          </p:nvPr>
+        </p:nvSpPr>
+        <p:spPr>
+          <a:xfrm>
+            <a:off x="457200" y="1524000"/>
+            <a:ext cx="3008313" cy="4602163"/>
+          </a:xfrm>
+        </p:spPr>
+        <p:txBody>
+          <a:bodyPr/>
+          <a:lstStyle>
+            <a:lvl1pPr marL="0" indent="0">
+              <a:buNone/>
+              <a:defRPr sz="1400"/>
+            </a:lvl1pPr>
+            <a:lvl2pPr>
+              <a:buNone/>
+              <a:defRPr sz="1200"/>
+            </a:lvl2pPr>
+            <a:lvl3pPr>
+              <a:buNone/>
+              <a:defRPr sz="1000"/>
+            </a:lvl3pPr>
+            <a:lvl4pPr>
+              <a:buNone/>
+              <a:defRPr sz="900"/>
+            </a:lvl4pPr>
+            <a:lvl5pPr>
+              <a:buNone/>
+              <a:defRPr sz="900"/>
+            </a:lvl5pPr>
+          </a:lstStyle>
+          <a:p>
+            <a:pPr lvl="0" eaLnBrk="1" latinLnBrk="0" hangingPunct="1"/>
+            <a:r>
+              <a:rPr kumimoji="0" lang="pt-BR" smtClean="0"/>
+              <a:t>Clique para editar o texto mestre</a:t>
+            </a:r>
+          </a:p>
+        </p:txBody>
+      </p:sp>
+      <p:sp>
+        <p:nvSpPr>
+          <p:cNvPr id="4" name="Espaço Reservado para Conteúdo 3"/>
+          <p:cNvSpPr>
+            <a:spLocks noGrp="1"/>
+          </p:cNvSpPr>
+          <p:nvPr>
+            <p:ph sz="half" idx="1"/>
           </p:nvPr>
         </p:nvSpPr>
         <p:spPr>
@@ -2114,133 +2079,56 @@
           <a:bodyPr/>
           <a:lstStyle>
             <a:lvl1pPr>
-              <a:defRPr sz="3200"/>
+              <a:defRPr sz="2600"/>
             </a:lvl1pPr>
             <a:lvl2pPr>
-              <a:defRPr sz="2800"/>
+              <a:defRPr sz="2400"/>
             </a:lvl2pPr>
             <a:lvl3pPr>
-              <a:defRPr sz="2400"/>
+              <a:defRPr sz="2200"/>
             </a:lvl3pPr>
             <a:lvl4pPr>
               <a:defRPr sz="2000"/>
             </a:lvl4pPr>
             <a:lvl5pPr>
-              <a:defRPr sz="2000"/>
+              <a:defRPr sz="1800"/>
             </a:lvl5pPr>
-            <a:lvl6pPr>
-              <a:defRPr sz="2000"/>
-            </a:lvl6pPr>
-            <a:lvl7pPr>
-              <a:defRPr sz="2000"/>
-            </a:lvl7pPr>
-            <a:lvl8pPr>
-              <a:defRPr sz="2000"/>
-            </a:lvl8pPr>
-            <a:lvl9pPr>
-              <a:defRPr sz="2000"/>
-            </a:lvl9pPr>
           </a:lstStyle>
           <a:p>
-            <a:pPr lvl="0"/>
+            <a:pPr lvl="0" eaLnBrk="1" latinLnBrk="0" hangingPunct="1"/>
             <a:r>
               <a:rPr lang="pt-BR" smtClean="0"/>
               <a:t>Clique para editar o texto mestre</a:t>
             </a:r>
           </a:p>
           <a:p>
-            <a:pPr lvl="1"/>
+            <a:pPr lvl="1" eaLnBrk="1" latinLnBrk="0" hangingPunct="1"/>
             <a:r>
               <a:rPr lang="pt-BR" smtClean="0"/>
               <a:t>Segundo nível</a:t>
             </a:r>
           </a:p>
           <a:p>
-            <a:pPr lvl="2"/>
+            <a:pPr lvl="2" eaLnBrk="1" latinLnBrk="0" hangingPunct="1"/>
             <a:r>
               <a:rPr lang="pt-BR" smtClean="0"/>
               <a:t>Terceiro nível</a:t>
             </a:r>
           </a:p>
           <a:p>
-            <a:pPr lvl="3"/>
+            <a:pPr lvl="3" eaLnBrk="1" latinLnBrk="0" hangingPunct="1"/>
             <a:r>
               <a:rPr lang="pt-BR" smtClean="0"/>
               <a:t>Quarto nível</a:t>
             </a:r>
           </a:p>
           <a:p>
-            <a:pPr lvl="4"/>
+            <a:pPr lvl="4" eaLnBrk="1" latinLnBrk="0" hangingPunct="1"/>
             <a:r>
               <a:rPr lang="pt-BR" smtClean="0"/>
               <a:t>Quinto nível</a:t>
             </a:r>
-            <a:endParaRPr lang="pt-BR"/>
-          </a:p>
-        </p:txBody>
-      </p:sp>
-      <p:sp>
-        <p:nvSpPr>
-          <p:cNvPr id="4" name="Espaço Reservado para Texto 3"/>
-          <p:cNvSpPr>
-            <a:spLocks noGrp="1"/>
-          </p:cNvSpPr>
-          <p:nvPr>
-            <p:ph type="body" sz="half" idx="2"/>
-          </p:nvPr>
-        </p:nvSpPr>
-        <p:spPr>
-          <a:xfrm>
-            <a:off x="457200" y="1435100"/>
-            <a:ext cx="3008313" cy="4691063"/>
-          </a:xfrm>
-        </p:spPr>
-        <p:txBody>
-          <a:bodyPr/>
-          <a:lstStyle>
-            <a:lvl1pPr marL="0" indent="0">
-              <a:buNone/>
-              <a:defRPr sz="1400"/>
-            </a:lvl1pPr>
-            <a:lvl2pPr marL="457200" indent="0">
-              <a:buNone/>
-              <a:defRPr sz="1200"/>
-            </a:lvl2pPr>
-            <a:lvl3pPr marL="914400" indent="0">
-              <a:buNone/>
-              <a:defRPr sz="1000"/>
-            </a:lvl3pPr>
-            <a:lvl4pPr marL="1371600" indent="0">
-              <a:buNone/>
-              <a:defRPr sz="900"/>
-            </a:lvl4pPr>
-            <a:lvl5pPr marL="1828800" indent="0">
-              <a:buNone/>
-              <a:defRPr sz="900"/>
-            </a:lvl5pPr>
-            <a:lvl6pPr marL="2286000" indent="0">
-              <a:buNone/>
-              <a:defRPr sz="900"/>
-            </a:lvl6pPr>
-            <a:lvl7pPr marL="2743200" indent="0">
-              <a:buNone/>
-              <a:defRPr sz="900"/>
-            </a:lvl7pPr>
-            <a:lvl8pPr marL="3200400" indent="0">
-              <a:buNone/>
-              <a:defRPr sz="900"/>
-            </a:lvl8pPr>
-            <a:lvl9pPr marL="3657600" indent="0">
-              <a:buNone/>
-              <a:defRPr sz="900"/>
-            </a:lvl9pPr>
-          </a:lstStyle>
-          <a:p>
-            <a:pPr lvl="0"/>
-            <a:r>
-              <a:rPr lang="pt-BR" smtClean="0"/>
-              <a:t>Clique para editar o texto mestre</a:t>
-            </a:r>
+            <a:endParaRPr kumimoji="0" lang="en-US"/>
           </a:p>
         </p:txBody>
       </p:sp>
@@ -2261,7 +2149,7 @@
           <a:p>
             <a:fld id="{73948A2C-A351-44A5-9543-EA3B6BD94DE1}" type="datetimeFigureOut">
               <a:rPr lang="pt-BR" smtClean="0"/>
-              <a:t>14/02/2013</a:t>
+              <a:t>02/05/2013</a:t>
             </a:fld>
             <a:endParaRPr lang="pt-BR"/>
           </a:p>
@@ -2310,11 +2198,6 @@
         </p:txBody>
       </p:sp>
     </p:spTree>
-    <p:extLst>
-      <p:ext uri="{BB962C8B-B14F-4D97-AF65-F5344CB8AC3E}">
-        <p14:creationId xmlns:p14="http://schemas.microsoft.com/office/powerpoint/2010/main" val="1522556783"/>
-      </p:ext>
-    </p:extLst>
   </p:cSld>
   <p:clrMapOvr>
     <a:masterClrMapping/>
@@ -2351,23 +2234,26 @@
         </p:nvSpPr>
         <p:spPr>
           <a:xfrm>
-            <a:off x="1792288" y="4800600"/>
-            <a:ext cx="5486400" cy="566738"/>
+            <a:off x="1828800" y="609600"/>
+            <a:ext cx="5486400" cy="522288"/>
           </a:xfrm>
         </p:spPr>
         <p:txBody>
-          <a:bodyPr anchor="b"/>
+          <a:bodyPr lIns="45720" rIns="45720" bIns="0" anchor="b">
+            <a:sp3d prstMaterial="softEdge"/>
+          </a:bodyPr>
           <a:lstStyle>
-            <a:lvl1pPr algn="l">
+            <a:lvl1pPr algn="ctr">
+              <a:buNone/>
               <a:defRPr sz="2000" b="1"/>
             </a:lvl1pPr>
           </a:lstStyle>
           <a:p>
             <a:r>
-              <a:rPr lang="pt-BR" smtClean="0"/>
+              <a:rPr kumimoji="0" lang="pt-BR" smtClean="0"/>
               <a:t>Clique para editar o título mestre</a:t>
             </a:r>
-            <a:endParaRPr lang="pt-BR"/>
+            <a:endParaRPr kumimoji="0" lang="en-US"/>
           </a:p>
         </p:txBody>
       </p:sp>
@@ -2383,52 +2269,85 @@
         </p:nvSpPr>
         <p:spPr>
           <a:xfrm>
-            <a:off x="1792288" y="612775"/>
-            <a:ext cx="5486400" cy="4114800"/>
+            <a:off x="1828800" y="1831975"/>
+            <a:ext cx="5486400" cy="3962400"/>
           </a:xfrm>
+          <a:solidFill>
+            <a:schemeClr val="bg2"/>
+          </a:solidFill>
+          <a:ln w="44450" cap="sq" cmpd="sng" algn="ctr">
+            <a:solidFill>
+              <a:srgbClr val="FFFFFF"/>
+            </a:solidFill>
+            <a:prstDash val="solid"/>
+            <a:miter lim="800000"/>
+          </a:ln>
+          <a:effectLst>
+            <a:outerShdw blurRad="190500" dist="228600" dir="2700000" sy="90000">
+              <a:srgbClr val="000000">
+                <a:alpha val="25000"/>
+              </a:srgbClr>
+            </a:outerShdw>
+          </a:effectLst>
+          <a:scene3d>
+            <a:camera prst="orthographicFront">
+              <a:rot lat="0" lon="0" rev="0"/>
+            </a:camera>
+            <a:lightRig rig="balanced" dir="tr">
+              <a:rot lat="0" lon="0" rev="2700000"/>
+            </a:lightRig>
+          </a:scene3d>
+          <a:sp3d prstMaterial="matte">
+            <a:contourClr>
+              <a:schemeClr val="tx2">
+                <a:shade val="50000"/>
+              </a:schemeClr>
+            </a:contourClr>
+          </a:sp3d>
         </p:spPr>
-        <p:txBody>
-          <a:bodyPr/>
+        <p:style>
+          <a:lnRef idx="3">
+            <a:schemeClr val="lt1"/>
+          </a:lnRef>
+          <a:fillRef idx="1">
+            <a:schemeClr val="accent1"/>
+          </a:fillRef>
+          <a:effectRef idx="1">
+            <a:schemeClr val="accent1"/>
+          </a:effectRef>
+          <a:fontRef idx="minor">
+            <a:schemeClr val="lt1"/>
+          </a:fontRef>
+        </p:style>
+        <p:txBody>
+          <a:bodyPr anchor="t"/>
           <a:lstStyle>
-            <a:lvl1pPr marL="0" indent="0">
+            <a:lvl1pPr indent="0">
               <a:buNone/>
               <a:defRPr sz="3200"/>
             </a:lvl1pPr>
-            <a:lvl2pPr marL="457200" indent="0">
-              <a:buNone/>
-              <a:defRPr sz="2800"/>
-            </a:lvl2pPr>
-            <a:lvl3pPr marL="914400" indent="0">
-              <a:buNone/>
-              <a:defRPr sz="2400"/>
-            </a:lvl3pPr>
-            <a:lvl4pPr marL="1371600" indent="0">
-              <a:buNone/>
-              <a:defRPr sz="2000"/>
-            </a:lvl4pPr>
-            <a:lvl5pPr marL="1828800" indent="0">
-              <a:buNone/>
-              <a:defRPr sz="2000"/>
-            </a:lvl5pPr>
-            <a:lvl6pPr marL="2286000" indent="0">
-              <a:buNone/>
-              <a:defRPr sz="2000"/>
-            </a:lvl6pPr>
-            <a:lvl7pPr marL="2743200" indent="0">
-              <a:buNone/>
-              <a:defRPr sz="2000"/>
-            </a:lvl7pPr>
-            <a:lvl8pPr marL="3200400" indent="0">
-              <a:buNone/>
-              <a:defRPr sz="2000"/>
-            </a:lvl8pPr>
-            <a:lvl9pPr marL="3657600" indent="0">
-              <a:buNone/>
-              <a:defRPr sz="2000"/>
-            </a:lvl9pPr>
           </a:lstStyle>
           <a:p>
-            <a:endParaRPr lang="pt-BR"/>
+            <a:pPr marL="0" algn="l" rtl="0" eaLnBrk="1" latinLnBrk="0" hangingPunct="1"/>
+            <a:r>
+              <a:rPr kumimoji="0" lang="pt-BR" smtClean="0">
+                <a:solidFill>
+                  <a:schemeClr val="lt1"/>
+                </a:solidFill>
+                <a:latin typeface="+mn-lt"/>
+                <a:ea typeface="+mn-ea"/>
+                <a:cs typeface="+mn-cs"/>
+              </a:rPr>
+              <a:t>Clique no ícone para adicionar uma imagem</a:t>
+            </a:r>
+            <a:endParaRPr kumimoji="0" lang="en-US" dirty="0">
+              <a:solidFill>
+                <a:schemeClr val="lt1"/>
+              </a:solidFill>
+              <a:latin typeface="+mn-lt"/>
+              <a:ea typeface="+mn-ea"/>
+              <a:cs typeface="+mn-cs"/>
+            </a:endParaRPr>
           </a:p>
         </p:txBody>
       </p:sp>
@@ -2444,54 +2363,34 @@
         </p:nvSpPr>
         <p:spPr>
           <a:xfrm>
-            <a:off x="1792288" y="5367338"/>
-            <a:ext cx="5486400" cy="804862"/>
+            <a:off x="1828800" y="1166787"/>
+            <a:ext cx="5486400" cy="530352"/>
           </a:xfrm>
         </p:spPr>
         <p:txBody>
-          <a:bodyPr/>
+          <a:bodyPr lIns="45720" tIns="45720" rIns="45720" anchor="t"/>
           <a:lstStyle>
-            <a:lvl1pPr marL="0" indent="0">
+            <a:lvl1pPr marL="0" indent="0" algn="ctr">
               <a:buNone/>
               <a:defRPr sz="1400"/>
             </a:lvl1pPr>
-            <a:lvl2pPr marL="457200" indent="0">
-              <a:buNone/>
+            <a:lvl2pPr>
               <a:defRPr sz="1200"/>
             </a:lvl2pPr>
-            <a:lvl3pPr marL="914400" indent="0">
-              <a:buNone/>
+            <a:lvl3pPr>
               <a:defRPr sz="1000"/>
             </a:lvl3pPr>
-            <a:lvl4pPr marL="1371600" indent="0">
-              <a:buNone/>
+            <a:lvl4pPr>
               <a:defRPr sz="900"/>
             </a:lvl4pPr>
-            <a:lvl5pPr marL="1828800" indent="0">
-              <a:buNone/>
+            <a:lvl5pPr>
               <a:defRPr sz="900"/>
             </a:lvl5pPr>
-            <a:lvl6pPr marL="2286000" indent="0">
-              <a:buNone/>
-              <a:defRPr sz="900"/>
-            </a:lvl6pPr>
-            <a:lvl7pPr marL="2743200" indent="0">
-              <a:buNone/>
-              <a:defRPr sz="900"/>
-            </a:lvl7pPr>
-            <a:lvl8pPr marL="3200400" indent="0">
-              <a:buNone/>
-              <a:defRPr sz="900"/>
-            </a:lvl8pPr>
-            <a:lvl9pPr marL="3657600" indent="0">
-              <a:buNone/>
-              <a:defRPr sz="900"/>
-            </a:lvl9pPr>
           </a:lstStyle>
           <a:p>
-            <a:pPr lvl="0"/>
-            <a:r>
-              <a:rPr lang="pt-BR" smtClean="0"/>
+            <a:pPr lvl="0" eaLnBrk="1" latinLnBrk="0" hangingPunct="1"/>
+            <a:r>
+              <a:rPr kumimoji="0" lang="pt-BR" smtClean="0"/>
               <a:t>Clique para editar o texto mestre</a:t>
             </a:r>
           </a:p>
@@ -2514,7 +2413,7 @@
           <a:p>
             <a:fld id="{73948A2C-A351-44A5-9543-EA3B6BD94DE1}" type="datetimeFigureOut">
               <a:rPr lang="pt-BR" smtClean="0"/>
-              <a:t>14/02/2013</a:t>
+              <a:t>02/05/2013</a:t>
             </a:fld>
             <a:endParaRPr lang="pt-BR"/>
           </a:p>
@@ -2563,11 +2462,6 @@
         </p:txBody>
       </p:sp>
     </p:spTree>
-    <p:extLst>
-      <p:ext uri="{BB962C8B-B14F-4D97-AF65-F5344CB8AC3E}">
-        <p14:creationId xmlns:p14="http://schemas.microsoft.com/office/powerpoint/2010/main" val="1990534868"/>
-      </p:ext>
-    </p:extLst>
   </p:cSld>
   <p:clrMapOvr>
     <a:masterClrMapping/>
@@ -2579,8 +2473,8 @@
 <p:sldMaster xmlns:a="http://schemas.openxmlformats.org/drawingml/2006/main" xmlns:r="http://schemas.openxmlformats.org/officeDocument/2006/relationships" xmlns:p="http://schemas.openxmlformats.org/presentationml/2006/main">
   <p:cSld>
     <p:bg>
-      <p:bgRef idx="1001">
-        <a:schemeClr val="bg1"/>
+      <p:bgRef idx="1003">
+        <a:schemeClr val="bg2"/>
       </p:bgRef>
     </p:bg>
     <p:spTree>
@@ -2599,7 +2493,7 @@
       </p:grpSpPr>
       <p:sp>
         <p:nvSpPr>
-          <p:cNvPr id="2" name="Espaço Reservado para Título 1"/>
+          <p:cNvPr id="22" name="Espaço Reservado para Título 21"/>
           <p:cNvSpPr>
             <a:spLocks noGrp="1"/>
           </p:cNvSpPr>
@@ -2617,22 +2511,31 @@
           </a:prstGeom>
         </p:spPr>
         <p:txBody>
-          <a:bodyPr vert="horz" lIns="91440" tIns="45720" rIns="91440" bIns="45720" rtlCol="0" anchor="ctr">
+          <a:bodyPr vert="horz" anchor="ctr">
             <a:normAutofit/>
+            <a:scene3d>
+              <a:camera prst="orthographicFront"/>
+              <a:lightRig rig="soft" dir="t">
+                <a:rot lat="0" lon="0" rev="16800000"/>
+              </a:lightRig>
+            </a:scene3d>
+            <a:sp3d prstMaterial="softEdge">
+              <a:bevelT w="38100" h="38100"/>
+            </a:sp3d>
           </a:bodyPr>
           <a:lstStyle/>
           <a:p>
             <a:r>
-              <a:rPr lang="pt-BR" smtClean="0"/>
+              <a:rPr kumimoji="0" lang="pt-BR" smtClean="0"/>
               <a:t>Clique para editar o título mestre</a:t>
             </a:r>
-            <a:endParaRPr lang="pt-BR"/>
-          </a:p>
-        </p:txBody>
-      </p:sp>
-      <p:sp>
-        <p:nvSpPr>
-          <p:cNvPr id="3" name="Espaço Reservado para Texto 2"/>
+            <a:endParaRPr kumimoji="0" lang="en-US"/>
+          </a:p>
+        </p:txBody>
+      </p:sp>
+      <p:sp>
+        <p:nvSpPr>
+          <p:cNvPr id="13" name="Espaço Reservado para Texto 12"/>
           <p:cNvSpPr>
             <a:spLocks noGrp="1"/>
           </p:cNvSpPr>
@@ -2643,58 +2546,58 @@
         <p:spPr>
           <a:xfrm>
             <a:off x="457200" y="1600200"/>
-            <a:ext cx="8229600" cy="4525963"/>
+            <a:ext cx="8229600" cy="4709160"/>
           </a:xfrm>
           <a:prstGeom prst="rect">
             <a:avLst/>
           </a:prstGeom>
         </p:spPr>
         <p:txBody>
-          <a:bodyPr vert="horz" lIns="91440" tIns="45720" rIns="91440" bIns="45720" rtlCol="0">
+          <a:bodyPr vert="horz">
             <a:normAutofit/>
           </a:bodyPr>
           <a:lstStyle/>
           <a:p>
-            <a:pPr lvl="0"/>
-            <a:r>
-              <a:rPr lang="pt-BR" smtClean="0"/>
+            <a:pPr lvl="0" eaLnBrk="1" latinLnBrk="0" hangingPunct="1"/>
+            <a:r>
+              <a:rPr kumimoji="0" lang="pt-BR" smtClean="0"/>
               <a:t>Clique para editar o texto mestre</a:t>
             </a:r>
           </a:p>
           <a:p>
-            <a:pPr lvl="1"/>
-            <a:r>
-              <a:rPr lang="pt-BR" smtClean="0"/>
+            <a:pPr lvl="1" eaLnBrk="1" latinLnBrk="0" hangingPunct="1"/>
+            <a:r>
+              <a:rPr kumimoji="0" lang="pt-BR" smtClean="0"/>
               <a:t>Segundo nível</a:t>
             </a:r>
           </a:p>
           <a:p>
-            <a:pPr lvl="2"/>
-            <a:r>
-              <a:rPr lang="pt-BR" smtClean="0"/>
+            <a:pPr lvl="2" eaLnBrk="1" latinLnBrk="0" hangingPunct="1"/>
+            <a:r>
+              <a:rPr kumimoji="0" lang="pt-BR" smtClean="0"/>
               <a:t>Terceiro nível</a:t>
             </a:r>
           </a:p>
           <a:p>
-            <a:pPr lvl="3"/>
-            <a:r>
-              <a:rPr lang="pt-BR" smtClean="0"/>
+            <a:pPr lvl="3" eaLnBrk="1" latinLnBrk="0" hangingPunct="1"/>
+            <a:r>
+              <a:rPr kumimoji="0" lang="pt-BR" smtClean="0"/>
               <a:t>Quarto nível</a:t>
             </a:r>
           </a:p>
           <a:p>
-            <a:pPr lvl="4"/>
-            <a:r>
-              <a:rPr lang="pt-BR" smtClean="0"/>
+            <a:pPr lvl="4" eaLnBrk="1" latinLnBrk="0" hangingPunct="1"/>
+            <a:r>
+              <a:rPr kumimoji="0" lang="pt-BR" smtClean="0"/>
               <a:t>Quinto nível</a:t>
             </a:r>
-            <a:endParaRPr lang="pt-BR"/>
-          </a:p>
-        </p:txBody>
-      </p:sp>
-      <p:sp>
-        <p:nvSpPr>
-          <p:cNvPr id="4" name="Espaço Reservado para Data 3"/>
+            <a:endParaRPr kumimoji="0" lang="en-US"/>
+          </a:p>
+        </p:txBody>
+      </p:sp>
+      <p:sp>
+        <p:nvSpPr>
+          <p:cNvPr id="14" name="Espaço Reservado para Data 13"/>
           <p:cNvSpPr>
             <a:spLocks noGrp="1"/>
           </p:cNvSpPr>
@@ -2704,7 +2607,7 @@
         </p:nvSpPr>
         <p:spPr>
           <a:xfrm>
-            <a:off x="457200" y="6356350"/>
+            <a:off x="457200" y="6416675"/>
             <a:ext cx="2133600" cy="365125"/>
           </a:xfrm>
           <a:prstGeom prst="rect">
@@ -2712,13 +2615,13 @@
           </a:prstGeom>
         </p:spPr>
         <p:txBody>
-          <a:bodyPr vert="horz" lIns="91440" tIns="45720" rIns="91440" bIns="45720" rtlCol="0" anchor="ctr"/>
+          <a:bodyPr vert="horz" anchor="b"/>
           <a:lstStyle>
-            <a:lvl1pPr algn="l">
-              <a:defRPr sz="1200">
+            <a:lvl1pPr algn="l" eaLnBrk="1" latinLnBrk="0" hangingPunct="1">
+              <a:defRPr kumimoji="0" sz="1200">
                 <a:solidFill>
                   <a:schemeClr val="tx1">
-                    <a:tint val="75000"/>
+                    <a:shade val="50000"/>
                   </a:schemeClr>
                 </a:solidFill>
               </a:defRPr>
@@ -2727,7 +2630,7 @@
           <a:p>
             <a:fld id="{73948A2C-A351-44A5-9543-EA3B6BD94DE1}" type="datetimeFigureOut">
               <a:rPr lang="pt-BR" smtClean="0"/>
-              <a:t>14/02/2013</a:t>
+              <a:t>02/05/2013</a:t>
             </a:fld>
             <a:endParaRPr lang="pt-BR"/>
           </a:p>
@@ -2735,7 +2638,7 @@
       </p:sp>
       <p:sp>
         <p:nvSpPr>
-          <p:cNvPr id="5" name="Espaço Reservado para Rodapé 4"/>
+          <p:cNvPr id="3" name="Espaço Reservado para Rodapé 2"/>
           <p:cNvSpPr>
             <a:spLocks noGrp="1"/>
           </p:cNvSpPr>
@@ -2745,7 +2648,7 @@
         </p:nvSpPr>
         <p:spPr>
           <a:xfrm>
-            <a:off x="3124200" y="6356350"/>
+            <a:off x="3124200" y="6416675"/>
             <a:ext cx="2895600" cy="365125"/>
           </a:xfrm>
           <a:prstGeom prst="rect">
@@ -2753,13 +2656,13 @@
           </a:prstGeom>
         </p:spPr>
         <p:txBody>
-          <a:bodyPr vert="horz" lIns="91440" tIns="45720" rIns="91440" bIns="45720" rtlCol="0" anchor="ctr"/>
+          <a:bodyPr vert="horz" anchor="b"/>
           <a:lstStyle>
-            <a:lvl1pPr algn="ctr">
-              <a:defRPr sz="1200">
+            <a:lvl1pPr algn="ctr" eaLnBrk="1" latinLnBrk="0" hangingPunct="1">
+              <a:defRPr kumimoji="0" sz="1200">
                 <a:solidFill>
                   <a:schemeClr val="tx1">
-                    <a:tint val="75000"/>
+                    <a:shade val="50000"/>
                   </a:schemeClr>
                 </a:solidFill>
               </a:defRPr>
@@ -2772,7 +2675,7 @@
       </p:sp>
       <p:sp>
         <p:nvSpPr>
-          <p:cNvPr id="6" name="Espaço Reservado para Número de Slide 5"/>
+          <p:cNvPr id="23" name="Espaço Reservado para Número de Slide 22"/>
           <p:cNvSpPr>
             <a:spLocks noGrp="1"/>
           </p:cNvSpPr>
@@ -2782,21 +2685,21 @@
         </p:nvSpPr>
         <p:spPr>
           <a:xfrm>
-            <a:off x="6553200" y="6356350"/>
-            <a:ext cx="2133600" cy="365125"/>
+            <a:off x="7924800" y="6416675"/>
+            <a:ext cx="762000" cy="365125"/>
           </a:xfrm>
           <a:prstGeom prst="rect">
             <a:avLst/>
           </a:prstGeom>
         </p:spPr>
         <p:txBody>
-          <a:bodyPr vert="horz" lIns="91440" tIns="45720" rIns="91440" bIns="45720" rtlCol="0" anchor="ctr"/>
+          <a:bodyPr vert="horz" lIns="0" rIns="0" anchor="b"/>
           <a:lstStyle>
-            <a:lvl1pPr algn="r">
-              <a:defRPr sz="1200">
+            <a:lvl1pPr algn="r" eaLnBrk="1" latinLnBrk="0" hangingPunct="1">
+              <a:defRPr kumimoji="0" sz="1200">
                 <a:solidFill>
                   <a:schemeClr val="tx1">
-                    <a:tint val="75000"/>
+                    <a:shade val="50000"/>
                   </a:schemeClr>
                 </a:solidFill>
               </a:defRPr>
@@ -2812,37 +2715,62 @@
         </p:txBody>
       </p:sp>
     </p:spTree>
-    <p:extLst>
-      <p:ext uri="{BB962C8B-B14F-4D97-AF65-F5344CB8AC3E}">
-        <p14:creationId xmlns:p14="http://schemas.microsoft.com/office/powerpoint/2010/main" val="970313191"/>
-      </p:ext>
-    </p:extLst>
   </p:cSld>
-  <p:clrMap bg1="lt1" tx1="dk1" bg2="lt2" tx2="dk2" accent1="accent1" accent2="accent2" accent3="accent3" accent4="accent4" accent5="accent5" accent6="accent6" hlink="hlink" folHlink="folHlink"/>
+  <p:clrMap bg1="dk1" tx1="lt1" bg2="dk2" tx2="lt2" accent1="accent1" accent2="accent2" accent3="accent3" accent4="accent4" accent5="accent5" accent6="accent6" hlink="hlink" folHlink="folHlink"/>
   <p:sldLayoutIdLst>
-    <p:sldLayoutId id="2147483649" r:id="rId1"/>
-    <p:sldLayoutId id="2147483650" r:id="rId2"/>
-    <p:sldLayoutId id="2147483651" r:id="rId3"/>
-    <p:sldLayoutId id="2147483652" r:id="rId4"/>
-    <p:sldLayoutId id="2147483653" r:id="rId5"/>
-    <p:sldLayoutId id="2147483654" r:id="rId6"/>
-    <p:sldLayoutId id="2147483655" r:id="rId7"/>
-    <p:sldLayoutId id="2147483656" r:id="rId8"/>
-    <p:sldLayoutId id="2147483657" r:id="rId9"/>
-    <p:sldLayoutId id="2147483658" r:id="rId10"/>
-    <p:sldLayoutId id="2147483659" r:id="rId11"/>
+    <p:sldLayoutId id="2147483661" r:id="rId1"/>
+    <p:sldLayoutId id="2147483662" r:id="rId2"/>
+    <p:sldLayoutId id="2147483663" r:id="rId3"/>
+    <p:sldLayoutId id="2147483664" r:id="rId4"/>
+    <p:sldLayoutId id="2147483665" r:id="rId5"/>
+    <p:sldLayoutId id="2147483666" r:id="rId6"/>
+    <p:sldLayoutId id="2147483667" r:id="rId7"/>
+    <p:sldLayoutId id="2147483668" r:id="rId8"/>
+    <p:sldLayoutId id="2147483669" r:id="rId9"/>
+    <p:sldLayoutId id="2147483670" r:id="rId10"/>
+    <p:sldLayoutId id="2147483671" r:id="rId11"/>
   </p:sldLayoutIdLst>
   <p:txStyles>
     <p:titleStyle>
-      <a:lvl1pPr algn="ctr" defTabSz="914400" rtl="0" eaLnBrk="1" latinLnBrk="0" hangingPunct="1">
+      <a:lvl1pPr algn="ctr" rtl="0" eaLnBrk="1" latinLnBrk="0" hangingPunct="1">
         <a:spcBef>
           <a:spcPct val="0"/>
         </a:spcBef>
         <a:buNone/>
-        <a:defRPr sz="4400" kern="1200">
-          <a:solidFill>
-            <a:schemeClr val="tx1"/>
-          </a:solidFill>
+        <a:defRPr kumimoji="0" sz="4100" b="1" kern="1200" cap="none" baseline="0">
+          <a:ln w="6350">
+            <a:noFill/>
+          </a:ln>
+          <a:gradFill>
+            <a:gsLst>
+              <a:gs pos="0">
+                <a:schemeClr val="accent1">
+                  <a:tint val="73000"/>
+                  <a:satMod val="145000"/>
+                </a:schemeClr>
+              </a:gs>
+              <a:gs pos="73000">
+                <a:schemeClr val="accent1">
+                  <a:tint val="73000"/>
+                  <a:satMod val="145000"/>
+                </a:schemeClr>
+              </a:gs>
+              <a:gs pos="100000">
+                <a:schemeClr val="accent1">
+                  <a:tint val="83000"/>
+                  <a:satMod val="143000"/>
+                </a:schemeClr>
+              </a:gs>
+            </a:gsLst>
+            <a:lin ang="4800000" scaled="1"/>
+          </a:gradFill>
+          <a:effectLst>
+            <a:outerShdw blurRad="114300" dist="101600" dir="2700000" algn="tl" rotWithShape="0">
+              <a:srgbClr val="000000">
+                <a:alpha val="40000"/>
+              </a:srgbClr>
+            </a:outerShdw>
+          </a:effectLst>
           <a:latin typeface="+mj-lt"/>
           <a:ea typeface="+mj-ea"/>
           <a:cs typeface="+mj-cs"/>
@@ -2850,13 +2778,19 @@
       </a:lvl1pPr>
     </p:titleStyle>
     <p:bodyStyle>
-      <a:lvl1pPr marL="342900" indent="-342900" algn="l" defTabSz="914400" rtl="0" eaLnBrk="1" latinLnBrk="0" hangingPunct="1">
+      <a:lvl1pPr marL="548640" indent="-411480" algn="l" rtl="0" eaLnBrk="1" latinLnBrk="0" hangingPunct="1">
         <a:spcBef>
           <a:spcPct val="20000"/>
         </a:spcBef>
-        <a:buFont typeface="Arial" pitchFamily="34" charset="0"/>
-        <a:buChar char="•"/>
-        <a:defRPr sz="3200" kern="1200">
+        <a:buClr>
+          <a:schemeClr val="tx1">
+            <a:shade val="95000"/>
+          </a:schemeClr>
+        </a:buClr>
+        <a:buSzPct val="65000"/>
+        <a:buFont typeface="Wingdings 2"/>
+        <a:buChar char=""/>
+        <a:defRPr kumimoji="0" sz="2800" kern="1200">
           <a:solidFill>
             <a:schemeClr val="tx1"/>
           </a:solidFill>
@@ -2865,13 +2799,17 @@
           <a:cs typeface="+mn-cs"/>
         </a:defRPr>
       </a:lvl1pPr>
-      <a:lvl2pPr marL="742950" indent="-285750" algn="l" defTabSz="914400" rtl="0" eaLnBrk="1" latinLnBrk="0" hangingPunct="1">
+      <a:lvl2pPr marL="868680" indent="-283464" algn="l" rtl="0" eaLnBrk="1" latinLnBrk="0" hangingPunct="1">
         <a:spcBef>
           <a:spcPct val="20000"/>
         </a:spcBef>
-        <a:buFont typeface="Arial" pitchFamily="34" charset="0"/>
-        <a:buChar char="–"/>
-        <a:defRPr sz="2800" kern="1200">
+        <a:buClr>
+          <a:schemeClr val="tx1"/>
+        </a:buClr>
+        <a:buSzPct val="80000"/>
+        <a:buFont typeface="Wingdings 2"/>
+        <a:buChar char=""/>
+        <a:defRPr kumimoji="0" sz="2400" kern="1200">
           <a:solidFill>
             <a:schemeClr val="tx1"/>
           </a:solidFill>
@@ -2880,13 +2818,17 @@
           <a:cs typeface="+mn-cs"/>
         </a:defRPr>
       </a:lvl2pPr>
-      <a:lvl3pPr marL="1143000" indent="-228600" algn="l" defTabSz="914400" rtl="0" eaLnBrk="1" latinLnBrk="0" hangingPunct="1">
+      <a:lvl3pPr marL="1133856" indent="-228600" algn="l" rtl="0" eaLnBrk="1" latinLnBrk="0" hangingPunct="1">
         <a:spcBef>
           <a:spcPct val="20000"/>
         </a:spcBef>
-        <a:buFont typeface="Arial" pitchFamily="34" charset="0"/>
-        <a:buChar char="•"/>
-        <a:defRPr sz="2400" kern="1200">
+        <a:buClr>
+          <a:schemeClr val="tx1"/>
+        </a:buClr>
+        <a:buSzPct val="95000"/>
+        <a:buFont typeface="Wingdings"/>
+        <a:buChar char=""/>
+        <a:defRPr kumimoji="0" sz="2200" kern="1200">
           <a:solidFill>
             <a:schemeClr val="tx1"/>
           </a:solidFill>
@@ -2895,13 +2837,17 @@
           <a:cs typeface="+mn-cs"/>
         </a:defRPr>
       </a:lvl3pPr>
-      <a:lvl4pPr marL="1600200" indent="-228600" algn="l" defTabSz="914400" rtl="0" eaLnBrk="1" latinLnBrk="0" hangingPunct="1">
+      <a:lvl4pPr marL="1353312" indent="-182880" algn="l" rtl="0" eaLnBrk="1" latinLnBrk="0" hangingPunct="1">
         <a:spcBef>
           <a:spcPct val="20000"/>
         </a:spcBef>
-        <a:buFont typeface="Arial" pitchFamily="34" charset="0"/>
-        <a:buChar char="–"/>
-        <a:defRPr sz="2000" kern="1200">
+        <a:buClr>
+          <a:schemeClr val="tx1"/>
+        </a:buClr>
+        <a:buSzPct val="100000"/>
+        <a:buFont typeface="Wingdings 3"/>
+        <a:buChar char=""/>
+        <a:defRPr kumimoji="0" sz="2000" kern="1200">
           <a:solidFill>
             <a:schemeClr val="tx1"/>
           </a:solidFill>
@@ -2910,13 +2856,16 @@
           <a:cs typeface="+mn-cs"/>
         </a:defRPr>
       </a:lvl4pPr>
-      <a:lvl5pPr marL="2057400" indent="-228600" algn="l" defTabSz="914400" rtl="0" eaLnBrk="1" latinLnBrk="0" hangingPunct="1">
+      <a:lvl5pPr marL="1545336" indent="-182880" algn="l" rtl="0" eaLnBrk="1" latinLnBrk="0" hangingPunct="1">
         <a:spcBef>
           <a:spcPct val="20000"/>
         </a:spcBef>
-        <a:buFont typeface="Arial" pitchFamily="34" charset="0"/>
-        <a:buChar char="»"/>
-        <a:defRPr sz="2000" kern="1200">
+        <a:buClr>
+          <a:schemeClr val="tx1"/>
+        </a:buClr>
+        <a:buFont typeface="Wingdings 2"/>
+        <a:buChar char=""/>
+        <a:defRPr kumimoji="0" sz="2000" kern="1200">
           <a:solidFill>
             <a:schemeClr val="tx1"/>
           </a:solidFill>
@@ -2925,13 +2874,16 @@
           <a:cs typeface="+mn-cs"/>
         </a:defRPr>
       </a:lvl5pPr>
-      <a:lvl6pPr marL="2514600" indent="-228600" algn="l" defTabSz="914400" rtl="0" eaLnBrk="1" latinLnBrk="0" hangingPunct="1">
+      <a:lvl6pPr marL="1764792" indent="-182880" algn="l" rtl="0" eaLnBrk="1" latinLnBrk="0" hangingPunct="1">
         <a:spcBef>
           <a:spcPct val="20000"/>
         </a:spcBef>
-        <a:buFont typeface="Arial" pitchFamily="34" charset="0"/>
-        <a:buChar char="•"/>
-        <a:defRPr sz="2000" kern="1200">
+        <a:buClr>
+          <a:schemeClr val="tx1"/>
+        </a:buClr>
+        <a:buFont typeface="Wingdings 3"/>
+        <a:buChar char=""/>
+        <a:defRPr kumimoji="0" sz="1800" kern="1200">
           <a:solidFill>
             <a:schemeClr val="tx1"/>
           </a:solidFill>
@@ -2940,13 +2892,16 @@
           <a:cs typeface="+mn-cs"/>
         </a:defRPr>
       </a:lvl6pPr>
-      <a:lvl7pPr marL="2971800" indent="-228600" algn="l" defTabSz="914400" rtl="0" eaLnBrk="1" latinLnBrk="0" hangingPunct="1">
+      <a:lvl7pPr marL="1965960" indent="-182880" algn="l" rtl="0" eaLnBrk="1" latinLnBrk="0" hangingPunct="1">
         <a:spcBef>
           <a:spcPct val="20000"/>
         </a:spcBef>
-        <a:buFont typeface="Arial" pitchFamily="34" charset="0"/>
-        <a:buChar char="•"/>
-        <a:defRPr sz="2000" kern="1200">
+        <a:buClr>
+          <a:schemeClr val="tx1"/>
+        </a:buClr>
+        <a:buFont typeface="Wingdings 2"/>
+        <a:buChar char=""/>
+        <a:defRPr kumimoji="0" sz="1600" kern="1200">
           <a:solidFill>
             <a:schemeClr val="tx1"/>
           </a:solidFill>
@@ -2955,13 +2910,16 @@
           <a:cs typeface="+mn-cs"/>
         </a:defRPr>
       </a:lvl7pPr>
-      <a:lvl8pPr marL="3429000" indent="-228600" algn="l" defTabSz="914400" rtl="0" eaLnBrk="1" latinLnBrk="0" hangingPunct="1">
+      <a:lvl8pPr marL="2167128" indent="-182880" algn="l" rtl="0" eaLnBrk="1" latinLnBrk="0" hangingPunct="1">
         <a:spcBef>
           <a:spcPct val="20000"/>
         </a:spcBef>
-        <a:buFont typeface="Arial" pitchFamily="34" charset="0"/>
-        <a:buChar char="•"/>
-        <a:defRPr sz="2000" kern="1200">
+        <a:buClr>
+          <a:schemeClr val="tx1"/>
+        </a:buClr>
+        <a:buFont typeface="Wingdings 2"/>
+        <a:buChar char=""/>
+        <a:defRPr kumimoji="0" sz="1400" kern="1200">
           <a:solidFill>
             <a:schemeClr val="tx1"/>
           </a:solidFill>
@@ -2970,13 +2928,16 @@
           <a:cs typeface="+mn-cs"/>
         </a:defRPr>
       </a:lvl8pPr>
-      <a:lvl9pPr marL="3886200" indent="-228600" algn="l" defTabSz="914400" rtl="0" eaLnBrk="1" latinLnBrk="0" hangingPunct="1">
+      <a:lvl9pPr marL="2368296" indent="-182880" algn="l" rtl="0" eaLnBrk="1" latinLnBrk="0" hangingPunct="1">
         <a:spcBef>
           <a:spcPct val="20000"/>
         </a:spcBef>
-        <a:buFont typeface="Arial" pitchFamily="34" charset="0"/>
-        <a:buChar char="•"/>
-        <a:defRPr sz="2000" kern="1200">
+        <a:buClr>
+          <a:schemeClr val="tx1"/>
+        </a:buClr>
+        <a:buFont typeface="Wingdings 2"/>
+        <a:buChar char=""/>
+        <a:defRPr kumimoji="0" sz="1400" kern="1200" baseline="0">
           <a:solidFill>
             <a:schemeClr val="tx1"/>
           </a:solidFill>
@@ -2987,11 +2948,8 @@
       </a:lvl9pPr>
     </p:bodyStyle>
     <p:otherStyle>
-      <a:defPPr>
-        <a:defRPr lang="pt-BR"/>
-      </a:defPPr>
-      <a:lvl1pPr marL="0" algn="l" defTabSz="914400" rtl="0" eaLnBrk="1" latinLnBrk="0" hangingPunct="1">
-        <a:defRPr sz="1800" kern="1200">
+      <a:lvl1pPr marL="0" algn="l" rtl="0" eaLnBrk="1" latinLnBrk="0" hangingPunct="1">
+        <a:defRPr kumimoji="0" kern="1200">
           <a:solidFill>
             <a:schemeClr val="tx1"/>
           </a:solidFill>
@@ -3000,8 +2958,8 @@
           <a:cs typeface="+mn-cs"/>
         </a:defRPr>
       </a:lvl1pPr>
-      <a:lvl2pPr marL="457200" algn="l" defTabSz="914400" rtl="0" eaLnBrk="1" latinLnBrk="0" hangingPunct="1">
-        <a:defRPr sz="1800" kern="1200">
+      <a:lvl2pPr marL="457200" algn="l" rtl="0" eaLnBrk="1" latinLnBrk="0" hangingPunct="1">
+        <a:defRPr kumimoji="0" kern="1200">
           <a:solidFill>
             <a:schemeClr val="tx1"/>
           </a:solidFill>
@@ -3010,8 +2968,8 @@
           <a:cs typeface="+mn-cs"/>
         </a:defRPr>
       </a:lvl2pPr>
-      <a:lvl3pPr marL="914400" algn="l" defTabSz="914400" rtl="0" eaLnBrk="1" latinLnBrk="0" hangingPunct="1">
-        <a:defRPr sz="1800" kern="1200">
+      <a:lvl3pPr marL="914400" algn="l" rtl="0" eaLnBrk="1" latinLnBrk="0" hangingPunct="1">
+        <a:defRPr kumimoji="0" kern="1200">
           <a:solidFill>
             <a:schemeClr val="tx1"/>
           </a:solidFill>
@@ -3020,8 +2978,8 @@
           <a:cs typeface="+mn-cs"/>
         </a:defRPr>
       </a:lvl3pPr>
-      <a:lvl4pPr marL="1371600" algn="l" defTabSz="914400" rtl="0" eaLnBrk="1" latinLnBrk="0" hangingPunct="1">
-        <a:defRPr sz="1800" kern="1200">
+      <a:lvl4pPr marL="1371600" algn="l" rtl="0" eaLnBrk="1" latinLnBrk="0" hangingPunct="1">
+        <a:defRPr kumimoji="0" kern="1200">
           <a:solidFill>
             <a:schemeClr val="tx1"/>
           </a:solidFill>
@@ -3030,8 +2988,8 @@
           <a:cs typeface="+mn-cs"/>
         </a:defRPr>
       </a:lvl4pPr>
-      <a:lvl5pPr marL="1828800" algn="l" defTabSz="914400" rtl="0" eaLnBrk="1" latinLnBrk="0" hangingPunct="1">
-        <a:defRPr sz="1800" kern="1200">
+      <a:lvl5pPr marL="1828800" algn="l" rtl="0" eaLnBrk="1" latinLnBrk="0" hangingPunct="1">
+        <a:defRPr kumimoji="0" kern="1200">
           <a:solidFill>
             <a:schemeClr val="tx1"/>
           </a:solidFill>
@@ -3040,8 +2998,8 @@
           <a:cs typeface="+mn-cs"/>
         </a:defRPr>
       </a:lvl5pPr>
-      <a:lvl6pPr marL="2286000" algn="l" defTabSz="914400" rtl="0" eaLnBrk="1" latinLnBrk="0" hangingPunct="1">
-        <a:defRPr sz="1800" kern="1200">
+      <a:lvl6pPr marL="2286000" algn="l" rtl="0" eaLnBrk="1" latinLnBrk="0" hangingPunct="1">
+        <a:defRPr kumimoji="0" kern="1200">
           <a:solidFill>
             <a:schemeClr val="tx1"/>
           </a:solidFill>
@@ -3050,8 +3008,8 @@
           <a:cs typeface="+mn-cs"/>
         </a:defRPr>
       </a:lvl6pPr>
-      <a:lvl7pPr marL="2743200" algn="l" defTabSz="914400" rtl="0" eaLnBrk="1" latinLnBrk="0" hangingPunct="1">
-        <a:defRPr sz="1800" kern="1200">
+      <a:lvl7pPr marL="2743200" algn="l" rtl="0" eaLnBrk="1" latinLnBrk="0" hangingPunct="1">
+        <a:defRPr kumimoji="0" kern="1200">
           <a:solidFill>
             <a:schemeClr val="tx1"/>
           </a:solidFill>
@@ -3060,8 +3018,8 @@
           <a:cs typeface="+mn-cs"/>
         </a:defRPr>
       </a:lvl7pPr>
-      <a:lvl8pPr marL="3200400" algn="l" defTabSz="914400" rtl="0" eaLnBrk="1" latinLnBrk="0" hangingPunct="1">
-        <a:defRPr sz="1800" kern="1200">
+      <a:lvl8pPr marL="3200400" algn="l" rtl="0" eaLnBrk="1" latinLnBrk="0" hangingPunct="1">
+        <a:defRPr kumimoji="0" kern="1200">
           <a:solidFill>
             <a:schemeClr val="tx1"/>
           </a:solidFill>
@@ -3070,8 +3028,8 @@
           <a:cs typeface="+mn-cs"/>
         </a:defRPr>
       </a:lvl8pPr>
-      <a:lvl9pPr marL="3657600" algn="l" defTabSz="914400" rtl="0" eaLnBrk="1" latinLnBrk="0" hangingPunct="1">
-        <a:defRPr sz="1800" kern="1200">
+      <a:lvl9pPr marL="3657600" algn="l" rtl="0" eaLnBrk="1" latinLnBrk="0" hangingPunct="1">
+        <a:defRPr kumimoji="0" kern="1200">
           <a:solidFill>
             <a:schemeClr val="tx1"/>
           </a:solidFill>
@@ -3119,7 +3077,7 @@
           <a:p>
             <a:r>
               <a:rPr lang="pt-BR" dirty="0" smtClean="0"/>
-              <a:t>Nome do Projeto</a:t>
+              <a:t>F.A.D.D.V.M.</a:t>
             </a:r>
             <a:endParaRPr lang="pt-BR" dirty="0"/>
           </a:p>
@@ -3147,9 +3105,14 @@
           <a:p>
             <a:r>
               <a:rPr lang="pt-BR" dirty="0" smtClean="0"/>
-              <a:t>Nome dos alunos</a:t>
-            </a:r>
-            <a:endParaRPr lang="pt-BR" dirty="0"/>
+              <a:t>Hamilton Santos</a:t>
+            </a:r>
+          </a:p>
+          <a:p>
+            <a:r>
+              <a:rPr lang="pt-BR" dirty="0" smtClean="0"/>
+              <a:t>Talles Borges</a:t>
+            </a:r>
           </a:p>
         </p:txBody>
       </p:sp>
@@ -3157,6 +3120,1334 @@
     <p:extLst>
       <p:ext uri="{BB962C8B-B14F-4D97-AF65-F5344CB8AC3E}">
         <p14:creationId xmlns:p14="http://schemas.microsoft.com/office/powerpoint/2010/main" val="783601582"/>
+      </p:ext>
+    </p:extLst>
+  </p:cSld>
+  <p:clrMapOvr>
+    <a:masterClrMapping/>
+  </p:clrMapOvr>
+  <p:timing>
+    <p:tnLst>
+      <p:par>
+        <p:cTn id="1" dur="indefinite" restart="never" nodeType="tmRoot"/>
+      </p:par>
+    </p:tnLst>
+  </p:timing>
+</p:sld>
+</file>
+
+<file path=ppt/slides/slide10.xml><?xml version="1.0" encoding="utf-8"?>
+<p:sld xmlns:a="http://schemas.openxmlformats.org/drawingml/2006/main" xmlns:r="http://schemas.openxmlformats.org/officeDocument/2006/relationships" xmlns:p="http://schemas.openxmlformats.org/presentationml/2006/main">
+  <p:cSld>
+    <p:spTree>
+      <p:nvGrpSpPr>
+        <p:cNvPr id="1" name=""/>
+        <p:cNvGrpSpPr/>
+        <p:nvPr/>
+      </p:nvGrpSpPr>
+      <p:grpSpPr>
+        <a:xfrm>
+          <a:off x="0" y="0"/>
+          <a:ext cx="0" cy="0"/>
+          <a:chOff x="0" y="0"/>
+          <a:chExt cx="0" cy="0"/>
+        </a:xfrm>
+      </p:grpSpPr>
+      <p:sp>
+        <p:nvSpPr>
+          <p:cNvPr id="2" name="Título 1"/>
+          <p:cNvSpPr>
+            <a:spLocks noGrp="1"/>
+          </p:cNvSpPr>
+          <p:nvPr>
+            <p:ph type="title"/>
+          </p:nvPr>
+        </p:nvSpPr>
+        <p:spPr/>
+        <p:txBody>
+          <a:bodyPr/>
+          <a:lstStyle/>
+          <a:p>
+            <a:r>
+              <a:rPr lang="pt-BR" dirty="0" smtClean="0"/>
+              <a:t>Fluxos alternativos</a:t>
+            </a:r>
+            <a:endParaRPr lang="pt-BR" dirty="0"/>
+          </a:p>
+        </p:txBody>
+      </p:sp>
+      <p:sp>
+        <p:nvSpPr>
+          <p:cNvPr id="3" name="Espaço Reservado para Conteúdo 2"/>
+          <p:cNvSpPr>
+            <a:spLocks noGrp="1"/>
+          </p:cNvSpPr>
+          <p:nvPr>
+            <p:ph idx="1"/>
+          </p:nvPr>
+        </p:nvSpPr>
+        <p:spPr/>
+        <p:txBody>
+          <a:bodyPr>
+            <a:normAutofit/>
+          </a:bodyPr>
+          <a:lstStyle/>
+          <a:p>
+            <a:pPr lvl="0"/>
+            <a:r>
+              <a:rPr lang="pt-BR" b="1" dirty="0"/>
+              <a:t> </a:t>
+            </a:r>
+            <a:r>
+              <a:rPr lang="pt-BR" dirty="0" smtClean="0"/>
+              <a:t>A01</a:t>
+            </a:r>
+            <a:endParaRPr lang="pt-BR" dirty="0"/>
+          </a:p>
+          <a:p>
+            <a:pPr lvl="1"/>
+            <a:r>
+              <a:rPr lang="pt-BR" dirty="0"/>
+              <a:t>Fisioterapeuta Seleciona a aba intercorrências.</a:t>
+            </a:r>
+            <a:endParaRPr lang="pt-BR" sz="2400" dirty="0"/>
+          </a:p>
+          <a:p>
+            <a:pPr lvl="1"/>
+            <a:r>
+              <a:rPr lang="pt-BR" dirty="0"/>
+              <a:t>Fisioterapeuta seleciona uma intercorrência.</a:t>
+            </a:r>
+            <a:endParaRPr lang="pt-BR" sz="2400" dirty="0"/>
+          </a:p>
+          <a:p>
+            <a:pPr lvl="1"/>
+            <a:r>
+              <a:rPr lang="pt-BR" dirty="0"/>
+              <a:t>Fisioterapeuta seleciona uma data e hora.(E03,RN01)</a:t>
+            </a:r>
+            <a:endParaRPr lang="pt-BR" sz="2400" dirty="0"/>
+          </a:p>
+          <a:p>
+            <a:pPr lvl="0"/>
+            <a:r>
+              <a:rPr lang="pt-BR" dirty="0"/>
+              <a:t> </a:t>
+            </a:r>
+            <a:r>
+              <a:rPr lang="pt-BR" dirty="0" smtClean="0"/>
+              <a:t>A02</a:t>
+            </a:r>
+            <a:endParaRPr lang="pt-BR" dirty="0"/>
+          </a:p>
+          <a:p>
+            <a:pPr lvl="1"/>
+            <a:r>
+              <a:rPr lang="pt-BR" dirty="0"/>
+              <a:t>Fisioterapeuta Seleciona a aba ocorrências.</a:t>
+            </a:r>
+            <a:endParaRPr lang="pt-BR" sz="2400" dirty="0"/>
+          </a:p>
+          <a:p>
+            <a:pPr lvl="1"/>
+            <a:r>
+              <a:rPr lang="pt-BR" dirty="0"/>
+              <a:t>Fisioterapeuta Seleciona uma Ocorrência.</a:t>
+            </a:r>
+            <a:endParaRPr lang="pt-BR" sz="2400" dirty="0"/>
+          </a:p>
+          <a:p>
+            <a:pPr lvl="1"/>
+            <a:r>
+              <a:rPr lang="pt-BR" dirty="0"/>
+              <a:t>Fisioterapeuta seleciona uma data e hora. (E03, RN01)</a:t>
+            </a:r>
+            <a:endParaRPr lang="pt-BR" sz="2400" dirty="0"/>
+          </a:p>
+          <a:p>
+            <a:endParaRPr lang="pt-BR" dirty="0"/>
+          </a:p>
+        </p:txBody>
+      </p:sp>
+    </p:spTree>
+    <p:extLst>
+      <p:ext uri="{BB962C8B-B14F-4D97-AF65-F5344CB8AC3E}">
+        <p14:creationId xmlns:p14="http://schemas.microsoft.com/office/powerpoint/2010/main" val="524917297"/>
+      </p:ext>
+    </p:extLst>
+  </p:cSld>
+  <p:clrMapOvr>
+    <a:masterClrMapping/>
+  </p:clrMapOvr>
+  <p:timing>
+    <p:tnLst>
+      <p:par>
+        <p:cTn id="1" dur="indefinite" restart="never" nodeType="tmRoot"/>
+      </p:par>
+    </p:tnLst>
+  </p:timing>
+</p:sld>
+</file>
+
+<file path=ppt/slides/slide11.xml><?xml version="1.0" encoding="utf-8"?>
+<p:sld xmlns:a="http://schemas.openxmlformats.org/drawingml/2006/main" xmlns:r="http://schemas.openxmlformats.org/officeDocument/2006/relationships" xmlns:p="http://schemas.openxmlformats.org/presentationml/2006/main">
+  <p:cSld>
+    <p:spTree>
+      <p:nvGrpSpPr>
+        <p:cNvPr id="1" name=""/>
+        <p:cNvGrpSpPr/>
+        <p:nvPr/>
+      </p:nvGrpSpPr>
+      <p:grpSpPr>
+        <a:xfrm>
+          <a:off x="0" y="0"/>
+          <a:ext cx="0" cy="0"/>
+          <a:chOff x="0" y="0"/>
+          <a:chExt cx="0" cy="0"/>
+        </a:xfrm>
+      </p:grpSpPr>
+      <p:sp>
+        <p:nvSpPr>
+          <p:cNvPr id="2" name="Título 1"/>
+          <p:cNvSpPr>
+            <a:spLocks noGrp="1"/>
+          </p:cNvSpPr>
+          <p:nvPr>
+            <p:ph type="title"/>
+          </p:nvPr>
+        </p:nvSpPr>
+        <p:spPr/>
+        <p:txBody>
+          <a:bodyPr/>
+          <a:lstStyle/>
+          <a:p>
+            <a:r>
+              <a:rPr lang="pt-BR" dirty="0" smtClean="0"/>
+              <a:t>Exceções</a:t>
+            </a:r>
+            <a:endParaRPr lang="pt-BR" dirty="0"/>
+          </a:p>
+        </p:txBody>
+      </p:sp>
+      <p:sp>
+        <p:nvSpPr>
+          <p:cNvPr id="3" name="Espaço Reservado para Conteúdo 2"/>
+          <p:cNvSpPr>
+            <a:spLocks noGrp="1"/>
+          </p:cNvSpPr>
+          <p:nvPr>
+            <p:ph idx="1"/>
+          </p:nvPr>
+        </p:nvSpPr>
+        <p:spPr/>
+        <p:txBody>
+          <a:bodyPr/>
+          <a:lstStyle/>
+          <a:p>
+            <a:r>
+              <a:rPr lang="pt-BR" dirty="0" smtClean="0"/>
+              <a:t>E01</a:t>
+            </a:r>
+            <a:r>
+              <a:rPr lang="pt-BR" dirty="0"/>
+              <a:t>. Sistema informa necessidade de selecionar um paciente.</a:t>
+            </a:r>
+          </a:p>
+          <a:p>
+            <a:r>
+              <a:rPr lang="pt-BR" dirty="0"/>
+              <a:t>E02. Sistema informa que nenhuma alteração nos dados do paciente foi constatada.</a:t>
+            </a:r>
+          </a:p>
+          <a:p>
+            <a:r>
+              <a:rPr lang="pt-BR" dirty="0"/>
+              <a:t>E03. Sistema informa que data e hora são obrigatórias para aquele tipo de dado.</a:t>
+            </a:r>
+          </a:p>
+          <a:p>
+            <a:endParaRPr lang="pt-BR" dirty="0"/>
+          </a:p>
+        </p:txBody>
+      </p:sp>
+    </p:spTree>
+    <p:extLst>
+      <p:ext uri="{BB962C8B-B14F-4D97-AF65-F5344CB8AC3E}">
+        <p14:creationId xmlns:p14="http://schemas.microsoft.com/office/powerpoint/2010/main" val="3830986465"/>
+      </p:ext>
+    </p:extLst>
+  </p:cSld>
+  <p:clrMapOvr>
+    <a:masterClrMapping/>
+  </p:clrMapOvr>
+  <p:timing>
+    <p:tnLst>
+      <p:par>
+        <p:cTn id="1" dur="indefinite" restart="never" nodeType="tmRoot"/>
+      </p:par>
+    </p:tnLst>
+  </p:timing>
+</p:sld>
+</file>
+
+<file path=ppt/slides/slide12.xml><?xml version="1.0" encoding="utf-8"?>
+<p:sld xmlns:a="http://schemas.openxmlformats.org/drawingml/2006/main" xmlns:r="http://schemas.openxmlformats.org/officeDocument/2006/relationships" xmlns:p="http://schemas.openxmlformats.org/presentationml/2006/main">
+  <p:cSld>
+    <p:spTree>
+      <p:nvGrpSpPr>
+        <p:cNvPr id="1" name=""/>
+        <p:cNvGrpSpPr/>
+        <p:nvPr/>
+      </p:nvGrpSpPr>
+      <p:grpSpPr>
+        <a:xfrm>
+          <a:off x="0" y="0"/>
+          <a:ext cx="0" cy="0"/>
+          <a:chOff x="0" y="0"/>
+          <a:chExt cx="0" cy="0"/>
+        </a:xfrm>
+      </p:grpSpPr>
+      <p:sp>
+        <p:nvSpPr>
+          <p:cNvPr id="2" name="Título 1"/>
+          <p:cNvSpPr>
+            <a:spLocks noGrp="1"/>
+          </p:cNvSpPr>
+          <p:nvPr>
+            <p:ph type="title"/>
+          </p:nvPr>
+        </p:nvSpPr>
+        <p:spPr/>
+        <p:txBody>
+          <a:bodyPr/>
+          <a:lstStyle/>
+          <a:p>
+            <a:r>
+              <a:rPr lang="pt-BR" dirty="0" smtClean="0"/>
+              <a:t>Regras de Negócio</a:t>
+            </a:r>
+            <a:endParaRPr lang="pt-BR" dirty="0"/>
+          </a:p>
+        </p:txBody>
+      </p:sp>
+      <p:sp>
+        <p:nvSpPr>
+          <p:cNvPr id="3" name="Espaço Reservado para Conteúdo 2"/>
+          <p:cNvSpPr>
+            <a:spLocks noGrp="1"/>
+          </p:cNvSpPr>
+          <p:nvPr>
+            <p:ph idx="1"/>
+          </p:nvPr>
+        </p:nvSpPr>
+        <p:spPr/>
+        <p:txBody>
+          <a:bodyPr/>
+          <a:lstStyle/>
+          <a:p>
+            <a:r>
+              <a:rPr lang="pt-BR" dirty="0" smtClean="0"/>
+              <a:t>RN01</a:t>
+            </a:r>
+            <a:r>
+              <a:rPr lang="pt-BR" dirty="0"/>
+              <a:t>. Campos “data” e “hora” são de preenchimento obrigatório.</a:t>
+            </a:r>
+            <a:endParaRPr lang="pt-BR" sz="2800" dirty="0"/>
+          </a:p>
+          <a:p>
+            <a:endParaRPr lang="pt-BR" dirty="0"/>
+          </a:p>
+        </p:txBody>
+      </p:sp>
+    </p:spTree>
+    <p:extLst>
+      <p:ext uri="{BB962C8B-B14F-4D97-AF65-F5344CB8AC3E}">
+        <p14:creationId xmlns:p14="http://schemas.microsoft.com/office/powerpoint/2010/main" val="4266363177"/>
+      </p:ext>
+    </p:extLst>
+  </p:cSld>
+  <p:clrMapOvr>
+    <a:masterClrMapping/>
+  </p:clrMapOvr>
+  <p:timing>
+    <p:tnLst>
+      <p:par>
+        <p:cTn id="1" dur="indefinite" restart="never" nodeType="tmRoot"/>
+      </p:par>
+    </p:tnLst>
+  </p:timing>
+</p:sld>
+</file>
+
+<file path=ppt/slides/slide13.xml><?xml version="1.0" encoding="utf-8"?>
+<p:sld xmlns:a="http://schemas.openxmlformats.org/drawingml/2006/main" xmlns:r="http://schemas.openxmlformats.org/officeDocument/2006/relationships" xmlns:p="http://schemas.openxmlformats.org/presentationml/2006/main">
+  <p:cSld>
+    <p:spTree>
+      <p:nvGrpSpPr>
+        <p:cNvPr id="1" name=""/>
+        <p:cNvGrpSpPr/>
+        <p:nvPr/>
+      </p:nvGrpSpPr>
+      <p:grpSpPr>
+        <a:xfrm>
+          <a:off x="0" y="0"/>
+          <a:ext cx="0" cy="0"/>
+          <a:chOff x="0" y="0"/>
+          <a:chExt cx="0" cy="0"/>
+        </a:xfrm>
+      </p:grpSpPr>
+      <p:sp>
+        <p:nvSpPr>
+          <p:cNvPr id="2" name="Título 1"/>
+          <p:cNvSpPr>
+            <a:spLocks noGrp="1"/>
+          </p:cNvSpPr>
+          <p:nvPr>
+            <p:ph type="title"/>
+          </p:nvPr>
+        </p:nvSpPr>
+        <p:spPr/>
+        <p:txBody>
+          <a:bodyPr/>
+          <a:lstStyle/>
+          <a:p>
+            <a:r>
+              <a:rPr lang="pt-BR" dirty="0" smtClean="0"/>
+              <a:t>Desenho da Interface</a:t>
+            </a:r>
+            <a:endParaRPr lang="pt-BR" dirty="0"/>
+          </a:p>
+        </p:txBody>
+      </p:sp>
+      <p:pic>
+        <p:nvPicPr>
+          <p:cNvPr id="4" name="Espaço Reservado para Conteúdo 3"/>
+          <p:cNvPicPr>
+            <a:picLocks noGrp="1" noChangeAspect="1"/>
+          </p:cNvPicPr>
+          <p:nvPr>
+            <p:ph idx="1"/>
+          </p:nvPr>
+        </p:nvPicPr>
+        <p:blipFill>
+          <a:blip r:embed="rId2">
+            <a:extLst>
+              <a:ext uri="{28A0092B-C50C-407E-A947-70E740481C1C}">
+                <a14:useLocalDpi xmlns:a14="http://schemas.microsoft.com/office/drawing/2010/main" val="0"/>
+              </a:ext>
+            </a:extLst>
+          </a:blip>
+          <a:stretch>
+            <a:fillRect/>
+          </a:stretch>
+        </p:blipFill>
+        <p:spPr>
+          <a:xfrm>
+            <a:off x="827584" y="1052736"/>
+            <a:ext cx="7272807" cy="5738700"/>
+          </a:xfrm>
+        </p:spPr>
+      </p:pic>
+    </p:spTree>
+    <p:extLst>
+      <p:ext uri="{BB962C8B-B14F-4D97-AF65-F5344CB8AC3E}">
+        <p14:creationId xmlns:p14="http://schemas.microsoft.com/office/powerpoint/2010/main" val="2436314739"/>
+      </p:ext>
+    </p:extLst>
+  </p:cSld>
+  <p:clrMapOvr>
+    <a:masterClrMapping/>
+  </p:clrMapOvr>
+  <p:timing>
+    <p:tnLst>
+      <p:par>
+        <p:cTn id="1" dur="indefinite" restart="never" nodeType="tmRoot"/>
+      </p:par>
+    </p:tnLst>
+  </p:timing>
+</p:sld>
+</file>
+
+<file path=ppt/slides/slide14.xml><?xml version="1.0" encoding="utf-8"?>
+<p:sld xmlns:a="http://schemas.openxmlformats.org/drawingml/2006/main" xmlns:r="http://schemas.openxmlformats.org/officeDocument/2006/relationships" xmlns:p="http://schemas.openxmlformats.org/presentationml/2006/main">
+  <p:cSld>
+    <p:spTree>
+      <p:nvGrpSpPr>
+        <p:cNvPr id="1" name=""/>
+        <p:cNvGrpSpPr/>
+        <p:nvPr/>
+      </p:nvGrpSpPr>
+      <p:grpSpPr>
+        <a:xfrm>
+          <a:off x="0" y="0"/>
+          <a:ext cx="0" cy="0"/>
+          <a:chOff x="0" y="0"/>
+          <a:chExt cx="0" cy="0"/>
+        </a:xfrm>
+      </p:grpSpPr>
+      <p:sp>
+        <p:nvSpPr>
+          <p:cNvPr id="2" name="Título 1"/>
+          <p:cNvSpPr>
+            <a:spLocks noGrp="1"/>
+          </p:cNvSpPr>
+          <p:nvPr>
+            <p:ph type="title"/>
+          </p:nvPr>
+        </p:nvSpPr>
+        <p:spPr/>
+        <p:txBody>
+          <a:bodyPr>
+            <a:normAutofit/>
+          </a:bodyPr>
+          <a:lstStyle/>
+          <a:p>
+            <a:r>
+              <a:rPr lang="pt-BR" dirty="0" smtClean="0"/>
+              <a:t>UC05-Manter Categorias</a:t>
+            </a:r>
+            <a:endParaRPr lang="pt-BR" dirty="0"/>
+          </a:p>
+        </p:txBody>
+      </p:sp>
+      <p:pic>
+        <p:nvPicPr>
+          <p:cNvPr id="5" name="Espaço Reservado para Conteúdo 4"/>
+          <p:cNvPicPr>
+            <a:picLocks noGrp="1" noChangeAspect="1"/>
+          </p:cNvPicPr>
+          <p:nvPr>
+            <p:ph idx="1"/>
+          </p:nvPr>
+        </p:nvPicPr>
+        <p:blipFill>
+          <a:blip r:embed="rId2">
+            <a:extLst>
+              <a:ext uri="{28A0092B-C50C-407E-A947-70E740481C1C}">
+                <a14:useLocalDpi xmlns:a14="http://schemas.microsoft.com/office/drawing/2010/main" val="0"/>
+              </a:ext>
+            </a:extLst>
+          </a:blip>
+          <a:stretch>
+            <a:fillRect/>
+          </a:stretch>
+        </p:blipFill>
+        <p:spPr>
+          <a:xfrm>
+            <a:off x="1486285" y="2178272"/>
+            <a:ext cx="6171429" cy="3552381"/>
+          </a:xfrm>
+        </p:spPr>
+      </p:pic>
+    </p:spTree>
+    <p:extLst>
+      <p:ext uri="{BB962C8B-B14F-4D97-AF65-F5344CB8AC3E}">
+        <p14:creationId xmlns:p14="http://schemas.microsoft.com/office/powerpoint/2010/main" val="19918987"/>
+      </p:ext>
+    </p:extLst>
+  </p:cSld>
+  <p:clrMapOvr>
+    <a:masterClrMapping/>
+  </p:clrMapOvr>
+  <p:timing>
+    <p:tnLst>
+      <p:par>
+        <p:cTn id="1" dur="indefinite" restart="never" nodeType="tmRoot"/>
+      </p:par>
+    </p:tnLst>
+  </p:timing>
+</p:sld>
+</file>
+
+<file path=ppt/slides/slide15.xml><?xml version="1.0" encoding="utf-8"?>
+<p:sld xmlns:a="http://schemas.openxmlformats.org/drawingml/2006/main" xmlns:r="http://schemas.openxmlformats.org/officeDocument/2006/relationships" xmlns:p="http://schemas.openxmlformats.org/presentationml/2006/main">
+  <p:cSld>
+    <p:spTree>
+      <p:nvGrpSpPr>
+        <p:cNvPr id="1" name=""/>
+        <p:cNvGrpSpPr/>
+        <p:nvPr/>
+      </p:nvGrpSpPr>
+      <p:grpSpPr>
+        <a:xfrm>
+          <a:off x="0" y="0"/>
+          <a:ext cx="0" cy="0"/>
+          <a:chOff x="0" y="0"/>
+          <a:chExt cx="0" cy="0"/>
+        </a:xfrm>
+      </p:grpSpPr>
+      <p:sp>
+        <p:nvSpPr>
+          <p:cNvPr id="2" name="Título 1"/>
+          <p:cNvSpPr>
+            <a:spLocks noGrp="1"/>
+          </p:cNvSpPr>
+          <p:nvPr>
+            <p:ph type="title"/>
+          </p:nvPr>
+        </p:nvSpPr>
+        <p:spPr/>
+        <p:txBody>
+          <a:bodyPr/>
+          <a:lstStyle/>
+          <a:p>
+            <a:r>
+              <a:rPr lang="pt-BR" dirty="0"/>
+              <a:t>UC02-Manter </a:t>
+            </a:r>
+            <a:r>
+              <a:rPr lang="pt-BR" dirty="0" smtClean="0"/>
+              <a:t>Categorias</a:t>
+            </a:r>
+            <a:endParaRPr lang="pt-BR" dirty="0"/>
+          </a:p>
+        </p:txBody>
+      </p:sp>
+      <p:sp>
+        <p:nvSpPr>
+          <p:cNvPr id="3" name="Espaço Reservado para Conteúdo 2"/>
+          <p:cNvSpPr>
+            <a:spLocks noGrp="1"/>
+          </p:cNvSpPr>
+          <p:nvPr>
+            <p:ph idx="1"/>
+          </p:nvPr>
+        </p:nvSpPr>
+        <p:spPr/>
+        <p:txBody>
+          <a:bodyPr>
+            <a:normAutofit fontScale="85000" lnSpcReduction="20000"/>
+          </a:bodyPr>
+          <a:lstStyle/>
+          <a:p>
+            <a:r>
+              <a:rPr lang="pt-BR" b="1" cap="all" dirty="0" smtClean="0"/>
+              <a:t>Escopo</a:t>
+            </a:r>
+            <a:endParaRPr lang="pt-BR" b="1" cap="all" dirty="0"/>
+          </a:p>
+          <a:p>
+            <a:pPr lvl="1"/>
+            <a:r>
+              <a:rPr lang="pt-BR" dirty="0" smtClean="0"/>
+              <a:t>Permitir </a:t>
+            </a:r>
+            <a:r>
+              <a:rPr lang="pt-BR" dirty="0"/>
+              <a:t>que o usuário com perfil de administrador adicione ou altere e exclua uma categoria e suas </a:t>
+            </a:r>
+            <a:r>
+              <a:rPr lang="pt-BR" dirty="0" smtClean="0"/>
+              <a:t>variáveis.</a:t>
+            </a:r>
+          </a:p>
+          <a:p>
+            <a:r>
+              <a:rPr lang="pt-BR" b="1" cap="all" dirty="0" smtClean="0"/>
+              <a:t>descrição</a:t>
+            </a:r>
+            <a:endParaRPr lang="pt-BR" b="1" cap="all" dirty="0"/>
+          </a:p>
+          <a:p>
+            <a:pPr lvl="1"/>
+            <a:r>
+              <a:rPr lang="pt-BR" dirty="0"/>
+              <a:t>Este caso de uso é executado toda vez que o fisioterapeuta que tiver perfil de administrador desejar alterar, excluir, e criar uma nova categoria e suas variáveis.</a:t>
+            </a:r>
+            <a:endParaRPr lang="pt-BR" sz="2400" dirty="0"/>
+          </a:p>
+          <a:p>
+            <a:r>
+              <a:rPr lang="pt-BR" b="1" cap="all" dirty="0" smtClean="0"/>
+              <a:t>atores</a:t>
+            </a:r>
+            <a:endParaRPr lang="pt-BR" b="1" cap="all" dirty="0"/>
+          </a:p>
+          <a:p>
+            <a:pPr lvl="1"/>
+            <a:r>
+              <a:rPr lang="pt-BR" dirty="0"/>
+              <a:t>Usuário com perfil de administrador</a:t>
+            </a:r>
+            <a:r>
+              <a:rPr lang="pt-BR" dirty="0" smtClean="0"/>
+              <a:t>.</a:t>
+            </a:r>
+            <a:r>
+              <a:rPr lang="pt-BR" b="1" cap="all" dirty="0"/>
+              <a:t> </a:t>
+            </a:r>
+            <a:endParaRPr lang="pt-BR" b="1" cap="all" dirty="0" smtClean="0"/>
+          </a:p>
+          <a:p>
+            <a:r>
+              <a:rPr lang="pt-BR" b="1" cap="all" dirty="0" smtClean="0"/>
+              <a:t>pré-condições</a:t>
+            </a:r>
+            <a:endParaRPr lang="pt-BR" b="1" cap="all" dirty="0"/>
+          </a:p>
+          <a:p>
+            <a:pPr lvl="1"/>
+            <a:r>
+              <a:rPr lang="pt-BR" dirty="0"/>
+              <a:t>Usuário com perfil de administrador estar </a:t>
+            </a:r>
+            <a:r>
+              <a:rPr lang="pt-BR" dirty="0" err="1"/>
+              <a:t>logado</a:t>
+            </a:r>
+            <a:r>
+              <a:rPr lang="pt-BR" dirty="0"/>
+              <a:t> no </a:t>
+            </a:r>
+            <a:r>
+              <a:rPr lang="pt-BR" dirty="0" smtClean="0"/>
+              <a:t>sistema.</a:t>
+            </a:r>
+          </a:p>
+          <a:p>
+            <a:r>
+              <a:rPr lang="pt-BR" b="1" cap="all" dirty="0" smtClean="0"/>
+              <a:t>pós-condições</a:t>
+            </a:r>
+            <a:endParaRPr lang="pt-BR" b="1" cap="all" dirty="0"/>
+          </a:p>
+          <a:p>
+            <a:pPr lvl="1"/>
+            <a:r>
+              <a:rPr lang="pt-BR" dirty="0"/>
+              <a:t>Após a execução deste caso de uso o sistema deve inserir a nova categoria junto com suas variáveis dinamicamente na tela do manter histórico do paciente.</a:t>
+            </a:r>
+            <a:endParaRPr lang="pt-BR" sz="4400" dirty="0"/>
+          </a:p>
+          <a:p>
+            <a:endParaRPr lang="pt-BR" dirty="0"/>
+          </a:p>
+        </p:txBody>
+      </p:sp>
+    </p:spTree>
+    <p:extLst>
+      <p:ext uri="{BB962C8B-B14F-4D97-AF65-F5344CB8AC3E}">
+        <p14:creationId xmlns:p14="http://schemas.microsoft.com/office/powerpoint/2010/main" val="1297919669"/>
+      </p:ext>
+    </p:extLst>
+  </p:cSld>
+  <p:clrMapOvr>
+    <a:masterClrMapping/>
+  </p:clrMapOvr>
+  <p:timing>
+    <p:tnLst>
+      <p:par>
+        <p:cTn id="1" dur="indefinite" restart="never" nodeType="tmRoot"/>
+      </p:par>
+    </p:tnLst>
+  </p:timing>
+</p:sld>
+</file>
+
+<file path=ppt/slides/slide16.xml><?xml version="1.0" encoding="utf-8"?>
+<p:sld xmlns:a="http://schemas.openxmlformats.org/drawingml/2006/main" xmlns:r="http://schemas.openxmlformats.org/officeDocument/2006/relationships" xmlns:p="http://schemas.openxmlformats.org/presentationml/2006/main">
+  <p:cSld>
+    <p:spTree>
+      <p:nvGrpSpPr>
+        <p:cNvPr id="1" name=""/>
+        <p:cNvGrpSpPr/>
+        <p:nvPr/>
+      </p:nvGrpSpPr>
+      <p:grpSpPr>
+        <a:xfrm>
+          <a:off x="0" y="0"/>
+          <a:ext cx="0" cy="0"/>
+          <a:chOff x="0" y="0"/>
+          <a:chExt cx="0" cy="0"/>
+        </a:xfrm>
+      </p:grpSpPr>
+      <p:sp>
+        <p:nvSpPr>
+          <p:cNvPr id="2" name="Título 1"/>
+          <p:cNvSpPr>
+            <a:spLocks noGrp="1"/>
+          </p:cNvSpPr>
+          <p:nvPr>
+            <p:ph type="title"/>
+          </p:nvPr>
+        </p:nvSpPr>
+        <p:spPr/>
+        <p:txBody>
+          <a:bodyPr/>
+          <a:lstStyle/>
+          <a:p>
+            <a:r>
+              <a:rPr lang="pt-BR" dirty="0" smtClean="0"/>
+              <a:t>Fluxo Principal</a:t>
+            </a:r>
+            <a:endParaRPr lang="pt-BR" dirty="0"/>
+          </a:p>
+        </p:txBody>
+      </p:sp>
+      <p:sp>
+        <p:nvSpPr>
+          <p:cNvPr id="3" name="Espaço Reservado para Conteúdo 2"/>
+          <p:cNvSpPr>
+            <a:spLocks noGrp="1"/>
+          </p:cNvSpPr>
+          <p:nvPr>
+            <p:ph idx="1"/>
+          </p:nvPr>
+        </p:nvSpPr>
+        <p:spPr/>
+        <p:txBody>
+          <a:bodyPr>
+            <a:normAutofit fontScale="92500" lnSpcReduction="10000"/>
+          </a:bodyPr>
+          <a:lstStyle/>
+          <a:p>
+            <a:pPr lvl="0"/>
+            <a:r>
+              <a:rPr lang="pt-BR" dirty="0"/>
+              <a:t>O Administrador abre a tela “cadastro de categoria”.</a:t>
+            </a:r>
+          </a:p>
+          <a:p>
+            <a:pPr lvl="0"/>
+            <a:r>
+              <a:rPr lang="pt-BR" dirty="0"/>
+              <a:t>O Administrado clica no botão “nova categoria”. (A01, A02,A03, A04,A05 )</a:t>
+            </a:r>
+          </a:p>
+          <a:p>
+            <a:pPr lvl="0"/>
+            <a:r>
+              <a:rPr lang="pt-BR" dirty="0"/>
+              <a:t>O Sistema habilita os campos “nome categoria”, “Categoria Pai”, “Tipo categoria“.</a:t>
+            </a:r>
+          </a:p>
+          <a:p>
+            <a:pPr lvl="0"/>
+            <a:r>
+              <a:rPr lang="pt-BR" dirty="0"/>
+              <a:t>O Administrador preenche os campos da tela sobre a categoria. (RN01)(E01)</a:t>
+            </a:r>
+          </a:p>
+          <a:p>
+            <a:pPr lvl="0"/>
+            <a:r>
+              <a:rPr lang="pt-BR" dirty="0"/>
+              <a:t>Administrador clica em “salvar variável”.</a:t>
+            </a:r>
+          </a:p>
+          <a:p>
+            <a:pPr lvl="0"/>
+            <a:r>
+              <a:rPr lang="pt-BR" dirty="0"/>
+              <a:t>Sistema informa que categoria foi salva com sucesso.</a:t>
+            </a:r>
+          </a:p>
+          <a:p>
+            <a:pPr lvl="0"/>
+            <a:endParaRPr lang="pt-BR" dirty="0"/>
+          </a:p>
+        </p:txBody>
+      </p:sp>
+    </p:spTree>
+    <p:extLst>
+      <p:ext uri="{BB962C8B-B14F-4D97-AF65-F5344CB8AC3E}">
+        <p14:creationId xmlns:p14="http://schemas.microsoft.com/office/powerpoint/2010/main" val="1439210954"/>
+      </p:ext>
+    </p:extLst>
+  </p:cSld>
+  <p:clrMapOvr>
+    <a:masterClrMapping/>
+  </p:clrMapOvr>
+  <p:timing>
+    <p:tnLst>
+      <p:par>
+        <p:cTn id="1" dur="indefinite" restart="never" nodeType="tmRoot"/>
+      </p:par>
+    </p:tnLst>
+  </p:timing>
+</p:sld>
+</file>
+
+<file path=ppt/slides/slide17.xml><?xml version="1.0" encoding="utf-8"?>
+<p:sld xmlns:a="http://schemas.openxmlformats.org/drawingml/2006/main" xmlns:r="http://schemas.openxmlformats.org/officeDocument/2006/relationships" xmlns:p="http://schemas.openxmlformats.org/presentationml/2006/main">
+  <p:cSld>
+    <p:spTree>
+      <p:nvGrpSpPr>
+        <p:cNvPr id="1" name=""/>
+        <p:cNvGrpSpPr/>
+        <p:nvPr/>
+      </p:nvGrpSpPr>
+      <p:grpSpPr>
+        <a:xfrm>
+          <a:off x="0" y="0"/>
+          <a:ext cx="0" cy="0"/>
+          <a:chOff x="0" y="0"/>
+          <a:chExt cx="0" cy="0"/>
+        </a:xfrm>
+      </p:grpSpPr>
+      <p:sp>
+        <p:nvSpPr>
+          <p:cNvPr id="2" name="Título 1"/>
+          <p:cNvSpPr>
+            <a:spLocks noGrp="1"/>
+          </p:cNvSpPr>
+          <p:nvPr>
+            <p:ph type="title"/>
+          </p:nvPr>
+        </p:nvSpPr>
+        <p:spPr/>
+        <p:txBody>
+          <a:bodyPr/>
+          <a:lstStyle/>
+          <a:p>
+            <a:r>
+              <a:rPr lang="pt-BR" dirty="0" smtClean="0"/>
+              <a:t>Fluxos alternativos</a:t>
+            </a:r>
+            <a:endParaRPr lang="pt-BR" dirty="0"/>
+          </a:p>
+        </p:txBody>
+      </p:sp>
+      <p:sp>
+        <p:nvSpPr>
+          <p:cNvPr id="3" name="Espaço Reservado para Conteúdo 2"/>
+          <p:cNvSpPr>
+            <a:spLocks noGrp="1"/>
+          </p:cNvSpPr>
+          <p:nvPr>
+            <p:ph idx="1"/>
+          </p:nvPr>
+        </p:nvSpPr>
+        <p:spPr/>
+        <p:txBody>
+          <a:bodyPr>
+            <a:normAutofit fontScale="70000" lnSpcReduction="20000"/>
+          </a:bodyPr>
+          <a:lstStyle/>
+          <a:p>
+            <a:pPr lvl="0"/>
+            <a:r>
+              <a:rPr lang="pt-BR" b="1" dirty="0" smtClean="0"/>
+              <a:t>A01</a:t>
+            </a:r>
+            <a:r>
+              <a:rPr lang="pt-BR" b="1" dirty="0"/>
+              <a:t> </a:t>
+            </a:r>
+            <a:r>
+              <a:rPr lang="pt-BR" dirty="0"/>
+              <a:t> </a:t>
+            </a:r>
+            <a:endParaRPr lang="pt-BR" sz="2800" dirty="0"/>
+          </a:p>
+          <a:p>
+            <a:pPr lvl="1"/>
+            <a:r>
+              <a:rPr lang="pt-BR" dirty="0"/>
+              <a:t>Administrador seleciona uma categoria e clica em editar. (E02)</a:t>
+            </a:r>
+            <a:endParaRPr lang="pt-BR" sz="2400" dirty="0"/>
+          </a:p>
+          <a:p>
+            <a:pPr lvl="1"/>
+            <a:r>
+              <a:rPr lang="pt-BR" dirty="0"/>
+              <a:t>Sistema preenche categoria correspondente na tela.</a:t>
+            </a:r>
+            <a:endParaRPr lang="pt-BR" sz="2400" dirty="0"/>
+          </a:p>
+          <a:p>
+            <a:pPr lvl="1"/>
+            <a:r>
+              <a:rPr lang="pt-BR" dirty="0"/>
+              <a:t>Administrador altera os dados desejados e clica em salvar. (RN01,RN05 E01)</a:t>
+            </a:r>
+            <a:endParaRPr lang="pt-BR" sz="2400" dirty="0"/>
+          </a:p>
+          <a:p>
+            <a:pPr lvl="1"/>
+            <a:r>
+              <a:rPr lang="pt-BR" dirty="0"/>
+              <a:t>Sistema informa que categoria foi atualizada com sucesso.</a:t>
+            </a:r>
+            <a:endParaRPr lang="pt-BR" sz="2400" dirty="0"/>
+          </a:p>
+          <a:p>
+            <a:pPr lvl="1"/>
+            <a:r>
+              <a:rPr lang="pt-BR" dirty="0"/>
+              <a:t>Administrador seleciona uma categoria e clica em excluir.(E02,RN02)</a:t>
+            </a:r>
+            <a:endParaRPr lang="pt-BR" sz="2400" dirty="0"/>
+          </a:p>
+          <a:p>
+            <a:pPr lvl="1"/>
+            <a:r>
+              <a:rPr lang="pt-BR" dirty="0"/>
+              <a:t>Sistema informa que categoria foi excluída com sucesso.</a:t>
+            </a:r>
+            <a:endParaRPr lang="pt-BR" sz="2400" dirty="0"/>
+          </a:p>
+          <a:p>
+            <a:pPr lvl="0"/>
+            <a:r>
+              <a:rPr lang="pt-BR" dirty="0"/>
+              <a:t> </a:t>
+            </a:r>
+            <a:r>
+              <a:rPr lang="pt-BR" b="1" dirty="0" smtClean="0"/>
+              <a:t>A02</a:t>
+            </a:r>
+            <a:endParaRPr lang="pt-BR" sz="2800" b="1" dirty="0"/>
+          </a:p>
+          <a:p>
+            <a:pPr lvl="1"/>
+            <a:r>
+              <a:rPr lang="pt-BR" dirty="0"/>
+              <a:t>Administrador seleciona uma categoria.</a:t>
+            </a:r>
+            <a:endParaRPr lang="pt-BR" sz="2400" dirty="0"/>
+          </a:p>
+          <a:p>
+            <a:pPr lvl="1"/>
+            <a:r>
+              <a:rPr lang="pt-BR" dirty="0"/>
+              <a:t>	Sistema carrega dados da categoria selecionada.</a:t>
+            </a:r>
+            <a:endParaRPr lang="pt-BR" sz="2400" dirty="0"/>
+          </a:p>
+          <a:p>
+            <a:pPr lvl="1"/>
+            <a:r>
+              <a:rPr lang="pt-BR" dirty="0"/>
+              <a:t>	Administrador clica em nova variável.</a:t>
+            </a:r>
+            <a:endParaRPr lang="pt-BR" sz="2400" dirty="0"/>
+          </a:p>
+          <a:p>
+            <a:pPr lvl="1"/>
+            <a:r>
+              <a:rPr lang="pt-BR" dirty="0"/>
+              <a:t>	Sistema habilita os campos: “nome variável”, “tipo variável”, “peso variável”.</a:t>
+            </a:r>
+            <a:endParaRPr lang="pt-BR" sz="2400" dirty="0"/>
+          </a:p>
+          <a:p>
+            <a:pPr lvl="1"/>
+            <a:r>
+              <a:rPr lang="pt-BR" dirty="0"/>
+              <a:t>	Administrador preenche os dados da nova variável e clica em “adicionar variável”.(E01,RN01)</a:t>
+            </a:r>
+            <a:endParaRPr lang="pt-BR" sz="2400" dirty="0"/>
+          </a:p>
+          <a:p>
+            <a:pPr lvl="1"/>
+            <a:r>
+              <a:rPr lang="pt-BR" dirty="0"/>
+              <a:t>	Sistema informa que variável foi adicionada a categoria com sucesso</a:t>
+            </a:r>
+            <a:r>
+              <a:rPr lang="pt-BR" dirty="0" smtClean="0"/>
+              <a:t>.</a:t>
+            </a:r>
+            <a:endParaRPr lang="pt-BR" sz="2400" dirty="0"/>
+          </a:p>
+        </p:txBody>
+      </p:sp>
+    </p:spTree>
+    <p:extLst>
+      <p:ext uri="{BB962C8B-B14F-4D97-AF65-F5344CB8AC3E}">
+        <p14:creationId xmlns:p14="http://schemas.microsoft.com/office/powerpoint/2010/main" val="1286511203"/>
+      </p:ext>
+    </p:extLst>
+  </p:cSld>
+  <p:clrMapOvr>
+    <a:masterClrMapping/>
+  </p:clrMapOvr>
+  <p:timing>
+    <p:tnLst>
+      <p:par>
+        <p:cTn id="1" dur="indefinite" restart="never" nodeType="tmRoot"/>
+      </p:par>
+    </p:tnLst>
+  </p:timing>
+</p:sld>
+</file>
+
+<file path=ppt/slides/slide18.xml><?xml version="1.0" encoding="utf-8"?>
+<p:sld xmlns:a="http://schemas.openxmlformats.org/drawingml/2006/main" xmlns:r="http://schemas.openxmlformats.org/officeDocument/2006/relationships" xmlns:p="http://schemas.openxmlformats.org/presentationml/2006/main">
+  <p:cSld>
+    <p:spTree>
+      <p:nvGrpSpPr>
+        <p:cNvPr id="1" name=""/>
+        <p:cNvGrpSpPr/>
+        <p:nvPr/>
+      </p:nvGrpSpPr>
+      <p:grpSpPr>
+        <a:xfrm>
+          <a:off x="0" y="0"/>
+          <a:ext cx="0" cy="0"/>
+          <a:chOff x="0" y="0"/>
+          <a:chExt cx="0" cy="0"/>
+        </a:xfrm>
+      </p:grpSpPr>
+      <p:sp>
+        <p:nvSpPr>
+          <p:cNvPr id="2" name="Título 1"/>
+          <p:cNvSpPr>
+            <a:spLocks noGrp="1"/>
+          </p:cNvSpPr>
+          <p:nvPr>
+            <p:ph type="title"/>
+          </p:nvPr>
+        </p:nvSpPr>
+        <p:spPr/>
+        <p:txBody>
+          <a:bodyPr/>
+          <a:lstStyle/>
+          <a:p>
+            <a:r>
+              <a:rPr lang="pt-BR" dirty="0"/>
+              <a:t>Fluxos alternativos</a:t>
+            </a:r>
+          </a:p>
+        </p:txBody>
+      </p:sp>
+      <p:sp>
+        <p:nvSpPr>
+          <p:cNvPr id="3" name="Espaço Reservado para Conteúdo 2"/>
+          <p:cNvSpPr>
+            <a:spLocks noGrp="1"/>
+          </p:cNvSpPr>
+          <p:nvPr>
+            <p:ph idx="1"/>
+          </p:nvPr>
+        </p:nvSpPr>
+        <p:spPr/>
+        <p:txBody>
+          <a:bodyPr>
+            <a:normAutofit fontScale="85000" lnSpcReduction="20000"/>
+          </a:bodyPr>
+          <a:lstStyle/>
+          <a:p>
+            <a:pPr lvl="0"/>
+            <a:r>
+              <a:rPr lang="pt-BR" dirty="0"/>
+              <a:t> A03</a:t>
+            </a:r>
+            <a:endParaRPr lang="pt-BR" sz="2800" dirty="0"/>
+          </a:p>
+          <a:p>
+            <a:pPr lvl="1"/>
+            <a:r>
+              <a:rPr lang="pt-BR" dirty="0"/>
+              <a:t>Administrador seleciona uma categoria.</a:t>
+            </a:r>
+            <a:endParaRPr lang="pt-BR" sz="2400" dirty="0"/>
+          </a:p>
+          <a:p>
+            <a:pPr lvl="1"/>
+            <a:r>
+              <a:rPr lang="pt-BR" dirty="0"/>
+              <a:t>	Sistema carrega categoria selecionada.</a:t>
+            </a:r>
+            <a:endParaRPr lang="pt-BR" sz="2400" dirty="0"/>
+          </a:p>
+          <a:p>
+            <a:pPr lvl="1"/>
+            <a:r>
+              <a:rPr lang="pt-BR" dirty="0"/>
+              <a:t>	Administrador seleciona uma variável e clica em editar.(E03)</a:t>
+            </a:r>
+            <a:endParaRPr lang="pt-BR" sz="2400" dirty="0"/>
+          </a:p>
+          <a:p>
+            <a:pPr lvl="1"/>
+            <a:r>
+              <a:rPr lang="pt-BR" dirty="0"/>
+              <a:t>	Sistema carrega dados da variável e habilita os campos: “nome variável”, “tipo variável”, “peso variável”.(RN03)</a:t>
+            </a:r>
+            <a:endParaRPr lang="pt-BR" sz="2400" dirty="0"/>
+          </a:p>
+          <a:p>
+            <a:pPr lvl="1"/>
+            <a:r>
+              <a:rPr lang="pt-BR" dirty="0"/>
+              <a:t>	Administrador altera dados da variável e clica em “salvar”. (E01, RN03)</a:t>
+            </a:r>
+            <a:endParaRPr lang="pt-BR" sz="2400" dirty="0"/>
+          </a:p>
+          <a:p>
+            <a:pPr lvl="1"/>
+            <a:r>
+              <a:rPr lang="pt-BR" dirty="0"/>
+              <a:t>	Sistema informa que variável foi alterada com sucesso.</a:t>
+            </a:r>
+            <a:endParaRPr lang="pt-BR" sz="2400" dirty="0"/>
+          </a:p>
+          <a:p>
+            <a:pPr lvl="0"/>
+            <a:r>
+              <a:rPr lang="pt-BR" dirty="0"/>
+              <a:t> A04</a:t>
+            </a:r>
+            <a:endParaRPr lang="pt-BR" sz="2800" dirty="0"/>
+          </a:p>
+          <a:p>
+            <a:pPr lvl="1"/>
+            <a:r>
+              <a:rPr lang="pt-BR" dirty="0"/>
+              <a:t>Administrador seleciona uma categoria.</a:t>
+            </a:r>
+            <a:endParaRPr lang="pt-BR" sz="2400" dirty="0"/>
+          </a:p>
+          <a:p>
+            <a:pPr lvl="1"/>
+            <a:r>
+              <a:rPr lang="pt-BR" dirty="0"/>
+              <a:t>Sistema carrega categoria selecionada.</a:t>
+            </a:r>
+            <a:endParaRPr lang="pt-BR" sz="2400" dirty="0"/>
+          </a:p>
+          <a:p>
+            <a:pPr lvl="1"/>
+            <a:r>
+              <a:rPr lang="pt-BR" dirty="0"/>
+              <a:t>Administrador seleciona uma variável e clica em “excluir variável”.(E03, RN04)</a:t>
+            </a:r>
+            <a:endParaRPr lang="pt-BR" sz="2400" dirty="0"/>
+          </a:p>
+          <a:p>
+            <a:pPr lvl="1"/>
+            <a:r>
+              <a:rPr lang="pt-BR" dirty="0"/>
+              <a:t>Sistema informa que variável foi excluída com sucesso.</a:t>
+            </a:r>
+            <a:endParaRPr lang="pt-BR" sz="2400" dirty="0"/>
+          </a:p>
+          <a:p>
+            <a:endParaRPr lang="pt-BR" dirty="0"/>
+          </a:p>
+        </p:txBody>
+      </p:sp>
+    </p:spTree>
+    <p:extLst>
+      <p:ext uri="{BB962C8B-B14F-4D97-AF65-F5344CB8AC3E}">
+        <p14:creationId xmlns:p14="http://schemas.microsoft.com/office/powerpoint/2010/main" val="1764529561"/>
+      </p:ext>
+    </p:extLst>
+  </p:cSld>
+  <p:clrMapOvr>
+    <a:masterClrMapping/>
+  </p:clrMapOvr>
+  <p:timing>
+    <p:tnLst>
+      <p:par>
+        <p:cTn id="1" dur="indefinite" restart="never" nodeType="tmRoot"/>
+      </p:par>
+    </p:tnLst>
+  </p:timing>
+</p:sld>
+</file>
+
+<file path=ppt/slides/slide19.xml><?xml version="1.0" encoding="utf-8"?>
+<p:sld xmlns:a="http://schemas.openxmlformats.org/drawingml/2006/main" xmlns:r="http://schemas.openxmlformats.org/officeDocument/2006/relationships" xmlns:p="http://schemas.openxmlformats.org/presentationml/2006/main">
+  <p:cSld>
+    <p:spTree>
+      <p:nvGrpSpPr>
+        <p:cNvPr id="1" name=""/>
+        <p:cNvGrpSpPr/>
+        <p:nvPr/>
+      </p:nvGrpSpPr>
+      <p:grpSpPr>
+        <a:xfrm>
+          <a:off x="0" y="0"/>
+          <a:ext cx="0" cy="0"/>
+          <a:chOff x="0" y="0"/>
+          <a:chExt cx="0" cy="0"/>
+        </a:xfrm>
+      </p:grpSpPr>
+      <p:sp>
+        <p:nvSpPr>
+          <p:cNvPr id="2" name="Título 1"/>
+          <p:cNvSpPr>
+            <a:spLocks noGrp="1"/>
+          </p:cNvSpPr>
+          <p:nvPr>
+            <p:ph type="title"/>
+          </p:nvPr>
+        </p:nvSpPr>
+        <p:spPr/>
+        <p:txBody>
+          <a:bodyPr/>
+          <a:lstStyle/>
+          <a:p>
+            <a:r>
+              <a:rPr lang="pt-BR" dirty="0" smtClean="0"/>
+              <a:t>Exceções</a:t>
+            </a:r>
+            <a:endParaRPr lang="pt-BR" dirty="0"/>
+          </a:p>
+        </p:txBody>
+      </p:sp>
+      <p:sp>
+        <p:nvSpPr>
+          <p:cNvPr id="3" name="Espaço Reservado para Conteúdo 2"/>
+          <p:cNvSpPr>
+            <a:spLocks noGrp="1"/>
+          </p:cNvSpPr>
+          <p:nvPr>
+            <p:ph idx="1"/>
+          </p:nvPr>
+        </p:nvSpPr>
+        <p:spPr/>
+        <p:txBody>
+          <a:bodyPr/>
+          <a:lstStyle/>
+          <a:p>
+            <a:pPr lvl="0"/>
+            <a:r>
+              <a:rPr lang="pt-BR" dirty="0" smtClean="0"/>
+              <a:t>E01 Sistema </a:t>
+            </a:r>
+            <a:r>
+              <a:rPr lang="pt-BR" dirty="0"/>
+              <a:t>informa que campos obrigatórios não foram preenchidos.</a:t>
+            </a:r>
+          </a:p>
+          <a:p>
+            <a:pPr lvl="0"/>
+            <a:r>
+              <a:rPr lang="pt-BR" dirty="0" smtClean="0"/>
+              <a:t>E02 Sistema </a:t>
+            </a:r>
+            <a:r>
+              <a:rPr lang="pt-BR" dirty="0"/>
+              <a:t>informa que nenhuma categoria foi selecionada.</a:t>
+            </a:r>
+          </a:p>
+          <a:p>
+            <a:pPr lvl="0"/>
+            <a:r>
+              <a:rPr lang="pt-BR" dirty="0" smtClean="0"/>
+              <a:t>E03 Sistema </a:t>
+            </a:r>
+            <a:r>
+              <a:rPr lang="pt-BR" dirty="0"/>
+              <a:t>informa que nenhuma variável foi selecionada.</a:t>
+            </a:r>
+          </a:p>
+          <a:p>
+            <a:endParaRPr lang="pt-BR" dirty="0"/>
+          </a:p>
+        </p:txBody>
+      </p:sp>
+    </p:spTree>
+    <p:extLst>
+      <p:ext uri="{BB962C8B-B14F-4D97-AF65-F5344CB8AC3E}">
+        <p14:creationId xmlns:p14="http://schemas.microsoft.com/office/powerpoint/2010/main" val="4003074656"/>
       </p:ext>
     </p:extLst>
   </p:cSld>
@@ -3230,7 +4521,7 @@
         </p:nvGraphicFramePr>
         <p:xfrm>
           <a:off x="457200" y="1600200"/>
-          <a:ext cx="8229600" cy="3505200"/>
+          <a:ext cx="8229600" cy="3774440"/>
         </p:xfrm>
         <a:graphic>
           <a:graphicData uri="http://schemas.openxmlformats.org/drawingml/2006/table">
@@ -3384,11 +4675,7 @@
                     <a:p>
                       <a:r>
                         <a:rPr lang="pt-BR" dirty="0" smtClean="0"/>
-                        <a:t>4 </a:t>
-                      </a:r>
-                      <a:r>
-                        <a:rPr lang="pt-BR" dirty="0" smtClean="0"/>
-                        <a:t>minutos</a:t>
+                        <a:t>4 minutos</a:t>
                       </a:r>
                       <a:endParaRPr lang="pt-BR" dirty="0"/>
                     </a:p>
@@ -3448,11 +4735,7 @@
                     <a:p>
                       <a:r>
                         <a:rPr lang="pt-BR" dirty="0" smtClean="0"/>
-                        <a:t>8 </a:t>
-                      </a:r>
-                      <a:r>
-                        <a:rPr lang="pt-BR" dirty="0" smtClean="0"/>
-                        <a:t>minutos</a:t>
+                        <a:t>8 minutos</a:t>
                       </a:r>
                       <a:endParaRPr lang="pt-BR" dirty="0"/>
                     </a:p>
@@ -3514,6 +4797,410 @@
 </p:sld>
 </file>
 
+<file path=ppt/slides/slide20.xml><?xml version="1.0" encoding="utf-8"?>
+<p:sld xmlns:a="http://schemas.openxmlformats.org/drawingml/2006/main" xmlns:r="http://schemas.openxmlformats.org/officeDocument/2006/relationships" xmlns:p="http://schemas.openxmlformats.org/presentationml/2006/main">
+  <p:cSld>
+    <p:spTree>
+      <p:nvGrpSpPr>
+        <p:cNvPr id="1" name=""/>
+        <p:cNvGrpSpPr/>
+        <p:nvPr/>
+      </p:nvGrpSpPr>
+      <p:grpSpPr>
+        <a:xfrm>
+          <a:off x="0" y="0"/>
+          <a:ext cx="0" cy="0"/>
+          <a:chOff x="0" y="0"/>
+          <a:chExt cx="0" cy="0"/>
+        </a:xfrm>
+      </p:grpSpPr>
+      <p:sp>
+        <p:nvSpPr>
+          <p:cNvPr id="2" name="Título 1"/>
+          <p:cNvSpPr>
+            <a:spLocks noGrp="1"/>
+          </p:cNvSpPr>
+          <p:nvPr>
+            <p:ph type="title"/>
+          </p:nvPr>
+        </p:nvSpPr>
+        <p:spPr/>
+        <p:txBody>
+          <a:bodyPr/>
+          <a:lstStyle/>
+          <a:p>
+            <a:r>
+              <a:rPr lang="pt-BR" dirty="0" smtClean="0"/>
+              <a:t>Regras de Negócio</a:t>
+            </a:r>
+            <a:endParaRPr lang="pt-BR" dirty="0"/>
+          </a:p>
+        </p:txBody>
+      </p:sp>
+      <p:sp>
+        <p:nvSpPr>
+          <p:cNvPr id="3" name="Espaço Reservado para Conteúdo 2"/>
+          <p:cNvSpPr>
+            <a:spLocks noGrp="1"/>
+          </p:cNvSpPr>
+          <p:nvPr>
+            <p:ph idx="1"/>
+          </p:nvPr>
+        </p:nvSpPr>
+        <p:spPr/>
+        <p:txBody>
+          <a:bodyPr>
+            <a:normAutofit fontScale="92500" lnSpcReduction="10000"/>
+          </a:bodyPr>
+          <a:lstStyle/>
+          <a:p>
+            <a:pPr lvl="0"/>
+            <a:r>
+              <a:rPr lang="pt-BR" dirty="0" smtClean="0"/>
+              <a:t>RN01 Campos </a:t>
+            </a:r>
+            <a:r>
+              <a:rPr lang="pt-BR" dirty="0"/>
+              <a:t>“nome categoria”, “categoria pai” e “tipo categoria” são obrigatórios para categoria.</a:t>
+            </a:r>
+          </a:p>
+          <a:p>
+            <a:pPr lvl="0"/>
+            <a:r>
+              <a:rPr lang="pt-BR" dirty="0" smtClean="0"/>
+              <a:t>RN02 Não </a:t>
+            </a:r>
+            <a:r>
+              <a:rPr lang="pt-BR" dirty="0"/>
+              <a:t>é possível deletar uma categoria que contem variáveis cadastradas.</a:t>
+            </a:r>
+          </a:p>
+          <a:p>
+            <a:pPr lvl="0"/>
+            <a:r>
+              <a:rPr lang="pt-BR" dirty="0" smtClean="0"/>
+              <a:t>RN03 Campos </a:t>
+            </a:r>
+            <a:r>
+              <a:rPr lang="pt-BR" dirty="0"/>
+              <a:t>“nome variável”, “tipo variável” e “peso variável” são obrigatórios para variável.</a:t>
+            </a:r>
+          </a:p>
+          <a:p>
+            <a:pPr lvl="0"/>
+            <a:r>
+              <a:rPr lang="pt-BR" dirty="0" smtClean="0"/>
+              <a:t>RN04 Não </a:t>
+            </a:r>
+            <a:r>
+              <a:rPr lang="pt-BR" dirty="0"/>
+              <a:t>é possível deletar uma variável que já foi usada por um paciente.</a:t>
+            </a:r>
+          </a:p>
+          <a:p>
+            <a:r>
+              <a:rPr lang="pt-BR" dirty="0" smtClean="0"/>
+              <a:t>RN05 Não </a:t>
+            </a:r>
+            <a:r>
+              <a:rPr lang="pt-BR" dirty="0"/>
+              <a:t>é possível alterar o tipo de uma categoria, depois que a mesma já se encontra com variáveis cadastradas.</a:t>
+            </a:r>
+            <a:endParaRPr lang="pt-BR" dirty="0"/>
+          </a:p>
+        </p:txBody>
+      </p:sp>
+    </p:spTree>
+    <p:extLst>
+      <p:ext uri="{BB962C8B-B14F-4D97-AF65-F5344CB8AC3E}">
+        <p14:creationId xmlns:p14="http://schemas.microsoft.com/office/powerpoint/2010/main" val="602374707"/>
+      </p:ext>
+    </p:extLst>
+  </p:cSld>
+  <p:clrMapOvr>
+    <a:masterClrMapping/>
+  </p:clrMapOvr>
+  <p:timing>
+    <p:tnLst>
+      <p:par>
+        <p:cTn id="1" dur="indefinite" restart="never" nodeType="tmRoot"/>
+      </p:par>
+    </p:tnLst>
+  </p:timing>
+</p:sld>
+</file>
+
+<file path=ppt/slides/slide21.xml><?xml version="1.0" encoding="utf-8"?>
+<p:sld xmlns:a="http://schemas.openxmlformats.org/drawingml/2006/main" xmlns:r="http://schemas.openxmlformats.org/officeDocument/2006/relationships" xmlns:p="http://schemas.openxmlformats.org/presentationml/2006/main">
+  <p:cSld>
+    <p:spTree>
+      <p:nvGrpSpPr>
+        <p:cNvPr id="1" name=""/>
+        <p:cNvGrpSpPr/>
+        <p:nvPr/>
+      </p:nvGrpSpPr>
+      <p:grpSpPr>
+        <a:xfrm>
+          <a:off x="0" y="0"/>
+          <a:ext cx="0" cy="0"/>
+          <a:chOff x="0" y="0"/>
+          <a:chExt cx="0" cy="0"/>
+        </a:xfrm>
+      </p:grpSpPr>
+      <p:sp>
+        <p:nvSpPr>
+          <p:cNvPr id="2" name="Título 1"/>
+          <p:cNvSpPr>
+            <a:spLocks noGrp="1"/>
+          </p:cNvSpPr>
+          <p:nvPr>
+            <p:ph type="title"/>
+          </p:nvPr>
+        </p:nvSpPr>
+        <p:spPr/>
+        <p:txBody>
+          <a:bodyPr/>
+          <a:lstStyle/>
+          <a:p>
+            <a:r>
+              <a:rPr lang="pt-BR" dirty="0" smtClean="0"/>
+              <a:t>Desenho da Interface</a:t>
+            </a:r>
+            <a:endParaRPr lang="pt-BR" dirty="0"/>
+          </a:p>
+        </p:txBody>
+      </p:sp>
+      <p:pic>
+        <p:nvPicPr>
+          <p:cNvPr id="5" name="Espaço Reservado para Conteúdo 4"/>
+          <p:cNvPicPr>
+            <a:picLocks noGrp="1" noChangeAspect="1"/>
+          </p:cNvPicPr>
+          <p:nvPr>
+            <p:ph idx="1"/>
+          </p:nvPr>
+        </p:nvPicPr>
+        <p:blipFill>
+          <a:blip r:embed="rId2">
+            <a:extLst>
+              <a:ext uri="{28A0092B-C50C-407E-A947-70E740481C1C}">
+                <a14:useLocalDpi xmlns:a14="http://schemas.microsoft.com/office/drawing/2010/main" val="0"/>
+              </a:ext>
+            </a:extLst>
+          </a:blip>
+          <a:stretch>
+            <a:fillRect/>
+          </a:stretch>
+        </p:blipFill>
+        <p:spPr>
+          <a:xfrm>
+            <a:off x="807139" y="1600200"/>
+            <a:ext cx="7529721" cy="4708525"/>
+          </a:xfrm>
+        </p:spPr>
+      </p:pic>
+    </p:spTree>
+    <p:extLst>
+      <p:ext uri="{BB962C8B-B14F-4D97-AF65-F5344CB8AC3E}">
+        <p14:creationId xmlns:p14="http://schemas.microsoft.com/office/powerpoint/2010/main" val="1819826362"/>
+      </p:ext>
+    </p:extLst>
+  </p:cSld>
+  <p:clrMapOvr>
+    <a:masterClrMapping/>
+  </p:clrMapOvr>
+  <p:timing>
+    <p:tnLst>
+      <p:par>
+        <p:cTn id="1" dur="indefinite" restart="never" nodeType="tmRoot"/>
+      </p:par>
+    </p:tnLst>
+  </p:timing>
+</p:sld>
+</file>
+
+<file path=ppt/slides/slide22.xml><?xml version="1.0" encoding="utf-8"?>
+<p:sld xmlns:a="http://schemas.openxmlformats.org/drawingml/2006/main" xmlns:r="http://schemas.openxmlformats.org/officeDocument/2006/relationships" xmlns:p="http://schemas.openxmlformats.org/presentationml/2006/main">
+  <p:cSld>
+    <p:spTree>
+      <p:nvGrpSpPr>
+        <p:cNvPr id="1" name=""/>
+        <p:cNvGrpSpPr/>
+        <p:nvPr/>
+      </p:nvGrpSpPr>
+      <p:grpSpPr>
+        <a:xfrm>
+          <a:off x="0" y="0"/>
+          <a:ext cx="0" cy="0"/>
+          <a:chOff x="0" y="0"/>
+          <a:chExt cx="0" cy="0"/>
+        </a:xfrm>
+      </p:grpSpPr>
+      <p:sp>
+        <p:nvSpPr>
+          <p:cNvPr id="2" name="Título 1"/>
+          <p:cNvSpPr>
+            <a:spLocks noGrp="1"/>
+          </p:cNvSpPr>
+          <p:nvPr>
+            <p:ph type="title"/>
+          </p:nvPr>
+        </p:nvSpPr>
+        <p:spPr/>
+        <p:txBody>
+          <a:bodyPr>
+            <a:normAutofit fontScale="90000"/>
+          </a:bodyPr>
+          <a:lstStyle/>
+          <a:p>
+            <a:r>
+              <a:rPr lang="pt-BR" dirty="0" smtClean="0"/>
+              <a:t>Diagrama de Classes Geral da Aplicação</a:t>
+            </a:r>
+            <a:endParaRPr lang="pt-BR" dirty="0"/>
+          </a:p>
+        </p:txBody>
+      </p:sp>
+      <p:pic>
+        <p:nvPicPr>
+          <p:cNvPr id="4" name="Espaço Reservado para Conteúdo 3"/>
+          <p:cNvPicPr>
+            <a:picLocks noGrp="1" noChangeAspect="1"/>
+          </p:cNvPicPr>
+          <p:nvPr>
+            <p:ph idx="1"/>
+          </p:nvPr>
+        </p:nvPicPr>
+        <p:blipFill>
+          <a:blip r:embed="rId2">
+            <a:extLst>
+              <a:ext uri="{28A0092B-C50C-407E-A947-70E740481C1C}">
+                <a14:useLocalDpi xmlns:a14="http://schemas.microsoft.com/office/drawing/2010/main" val="0"/>
+              </a:ext>
+            </a:extLst>
+          </a:blip>
+          <a:stretch>
+            <a:fillRect/>
+          </a:stretch>
+        </p:blipFill>
+        <p:spPr>
+          <a:xfrm>
+            <a:off x="1907704" y="1412776"/>
+            <a:ext cx="5583860" cy="6627746"/>
+          </a:xfrm>
+        </p:spPr>
+      </p:pic>
+    </p:spTree>
+    <p:extLst>
+      <p:ext uri="{BB962C8B-B14F-4D97-AF65-F5344CB8AC3E}">
+        <p14:creationId xmlns:p14="http://schemas.microsoft.com/office/powerpoint/2010/main" val="2714990097"/>
+      </p:ext>
+    </p:extLst>
+  </p:cSld>
+  <p:clrMapOvr>
+    <a:masterClrMapping/>
+  </p:clrMapOvr>
+  <p:timing>
+    <p:tnLst>
+      <p:par>
+        <p:cTn id="1" dur="indefinite" restart="never" nodeType="tmRoot"/>
+      </p:par>
+    </p:tnLst>
+  </p:timing>
+</p:sld>
+</file>
+
+<file path=ppt/slides/slide23.xml><?xml version="1.0" encoding="utf-8"?>
+<p:sld xmlns:a="http://schemas.openxmlformats.org/drawingml/2006/main" xmlns:r="http://schemas.openxmlformats.org/officeDocument/2006/relationships" xmlns:p="http://schemas.openxmlformats.org/presentationml/2006/main">
+  <p:cSld>
+    <p:spTree>
+      <p:nvGrpSpPr>
+        <p:cNvPr id="1" name=""/>
+        <p:cNvGrpSpPr/>
+        <p:nvPr/>
+      </p:nvGrpSpPr>
+      <p:grpSpPr>
+        <a:xfrm>
+          <a:off x="0" y="0"/>
+          <a:ext cx="0" cy="0"/>
+          <a:chOff x="0" y="0"/>
+          <a:chExt cx="0" cy="0"/>
+        </a:xfrm>
+      </p:grpSpPr>
+      <p:sp>
+        <p:nvSpPr>
+          <p:cNvPr id="2" name="Título 1"/>
+          <p:cNvSpPr>
+            <a:spLocks noGrp="1"/>
+          </p:cNvSpPr>
+          <p:nvPr>
+            <p:ph type="title"/>
+          </p:nvPr>
+        </p:nvSpPr>
+        <p:spPr/>
+        <p:txBody>
+          <a:bodyPr>
+            <a:normAutofit fontScale="90000"/>
+          </a:bodyPr>
+          <a:lstStyle/>
+          <a:p>
+            <a:r>
+              <a:rPr lang="pt-BR" dirty="0" smtClean="0"/>
+              <a:t>Modelo de Dados da Aplicação</a:t>
+            </a:r>
+            <a:endParaRPr lang="pt-BR" dirty="0"/>
+          </a:p>
+        </p:txBody>
+      </p:sp>
+      <p:pic>
+        <p:nvPicPr>
+          <p:cNvPr id="4" name="Espaço Reservado para Conteúdo 3"/>
+          <p:cNvPicPr>
+            <a:picLocks noGrp="1" noChangeAspect="1"/>
+          </p:cNvPicPr>
+          <p:nvPr>
+            <p:ph idx="1"/>
+          </p:nvPr>
+        </p:nvPicPr>
+        <p:blipFill>
+          <a:blip r:embed="rId2">
+            <a:extLst>
+              <a:ext uri="{28A0092B-C50C-407E-A947-70E740481C1C}">
+                <a14:useLocalDpi xmlns:a14="http://schemas.microsoft.com/office/drawing/2010/main" val="0"/>
+              </a:ext>
+            </a:extLst>
+          </a:blip>
+          <a:stretch>
+            <a:fillRect/>
+          </a:stretch>
+        </p:blipFill>
+        <p:spPr>
+          <a:xfrm>
+            <a:off x="2123728" y="1143588"/>
+            <a:ext cx="4680520" cy="5893769"/>
+          </a:xfrm>
+        </p:spPr>
+      </p:pic>
+    </p:spTree>
+    <p:extLst>
+      <p:ext uri="{BB962C8B-B14F-4D97-AF65-F5344CB8AC3E}">
+        <p14:creationId xmlns:p14="http://schemas.microsoft.com/office/powerpoint/2010/main" val="3004137010"/>
+      </p:ext>
+    </p:extLst>
+  </p:cSld>
+  <p:clrMapOvr>
+    <a:masterClrMapping/>
+  </p:clrMapOvr>
+  <p:timing>
+    <p:tnLst>
+      <p:par>
+        <p:cTn id="1" dur="indefinite" restart="never" nodeType="tmRoot"/>
+      </p:par>
+    </p:tnLst>
+  </p:timing>
+</p:sld>
+</file>
+
 <file path=ppt/slides/slide3.xml><?xml version="1.0" encoding="utf-8"?>
 <p:sld xmlns:a="http://schemas.openxmlformats.org/drawingml/2006/main" xmlns:r="http://schemas.openxmlformats.org/officeDocument/2006/relationships" xmlns:p="http://schemas.openxmlformats.org/presentationml/2006/main">
   <p:cSld>
@@ -3566,20 +5253,36 @@
         </p:nvSpPr>
         <p:spPr/>
         <p:txBody>
-          <a:bodyPr/>
+          <a:bodyPr>
+            <a:normAutofit fontScale="77500" lnSpcReduction="20000"/>
+          </a:bodyPr>
           <a:lstStyle/>
           <a:p>
             <a:r>
               <a:rPr lang="pt-BR" dirty="0" smtClean="0"/>
-              <a:t>Apresentar a </a:t>
+              <a:t>Este projeto tem por objetivo criar um sistema especialista eu irá auxiliar o fisioterapeuta de </a:t>
             </a:r>
             <a:r>
               <a:rPr lang="pt-BR" dirty="0" err="1" smtClean="0"/>
-              <a:t>idéia</a:t>
+              <a:t>UTIs</a:t>
             </a:r>
             <a:r>
               <a:rPr lang="pt-BR" dirty="0" smtClean="0"/>
-              <a:t> do projeto, qual sua finalidade e seu público alvo.</a:t>
+              <a:t> no processo de decisão do desmame do paciente em ventilação mecânica, este processo tende a ser muito perigoso e custoso, e a padronização deste processo assim como a decisão encima de parâmetros pré-definidos irá gerar uma maior garantia no sucesso do desmame assim como uma redução nos gastos da UTI.</a:t>
+            </a:r>
+          </a:p>
+          <a:p>
+            <a:r>
+              <a:rPr lang="pt-BR" dirty="0" smtClean="0"/>
+              <a:t>O sistema foi solicitado pela doutora Andréa Muller, fisioterapeuta e responsável técnica do setor de fisioterapia da Santa Casa de Curitiba, com o intuito de ter um maior </a:t>
+            </a:r>
+            <a:r>
+              <a:rPr lang="pt-BR" dirty="0" err="1" smtClean="0"/>
+              <a:t>indice</a:t>
+            </a:r>
+            <a:r>
+              <a:rPr lang="pt-BR" dirty="0" smtClean="0"/>
+              <a:t> de sucesso na UTI do hospital, assim como utilizar o sistema como uma ferramenta de auxilio dos fisioterapeutas em inicio de carreira, aumentando a confiança dos mesmos nas tomadas de decisão.</a:t>
             </a:r>
             <a:endParaRPr lang="pt-BR" dirty="0"/>
           </a:p>
@@ -3647,25 +5350,35 @@
           </a:p>
         </p:txBody>
       </p:sp>
-      <p:sp>
-        <p:nvSpPr>
-          <p:cNvPr id="3" name="Espaço Reservado para Conteúdo 2"/>
-          <p:cNvSpPr>
-            <a:spLocks noGrp="1"/>
-          </p:cNvSpPr>
+      <p:pic>
+        <p:nvPicPr>
+          <p:cNvPr id="4" name="Espaço Reservado para Conteúdo 3"/>
+          <p:cNvPicPr>
+            <a:picLocks noGrp="1" noChangeAspect="1"/>
+          </p:cNvPicPr>
           <p:nvPr>
             <p:ph idx="1"/>
           </p:nvPr>
-        </p:nvSpPr>
-        <p:spPr/>
-        <p:txBody>
-          <a:bodyPr/>
-          <a:lstStyle/>
-          <a:p>
-            <a:endParaRPr lang="pt-BR" dirty="0"/>
-          </a:p>
-        </p:txBody>
-      </p:sp>
+        </p:nvPicPr>
+        <p:blipFill>
+          <a:blip r:embed="rId2">
+            <a:extLst>
+              <a:ext uri="{28A0092B-C50C-407E-A947-70E740481C1C}">
+                <a14:useLocalDpi xmlns:a14="http://schemas.microsoft.com/office/drawing/2010/main" val="0"/>
+              </a:ext>
+            </a:extLst>
+          </a:blip>
+          <a:stretch>
+            <a:fillRect/>
+          </a:stretch>
+        </p:blipFill>
+        <p:spPr>
+          <a:xfrm>
+            <a:off x="1043608" y="1700808"/>
+            <a:ext cx="6738990" cy="5861852"/>
+          </a:xfrm>
+        </p:spPr>
+      </p:pic>
     </p:spTree>
     <p:extLst>
       <p:ext uri="{BB962C8B-B14F-4D97-AF65-F5344CB8AC3E}">
@@ -3728,25 +5441,35 @@
           </a:p>
         </p:txBody>
       </p:sp>
-      <p:sp>
-        <p:nvSpPr>
-          <p:cNvPr id="3" name="Espaço Reservado para Conteúdo 2"/>
-          <p:cNvSpPr>
-            <a:spLocks noGrp="1"/>
-          </p:cNvSpPr>
+      <p:pic>
+        <p:nvPicPr>
+          <p:cNvPr id="4" name="Espaço Reservado para Conteúdo 3"/>
+          <p:cNvPicPr>
+            <a:picLocks noGrp="1" noChangeAspect="1"/>
+          </p:cNvPicPr>
           <p:nvPr>
             <p:ph idx="1"/>
           </p:nvPr>
-        </p:nvSpPr>
-        <p:spPr/>
-        <p:txBody>
-          <a:bodyPr/>
-          <a:lstStyle/>
-          <a:p>
-            <a:endParaRPr lang="pt-BR" dirty="0"/>
-          </a:p>
-        </p:txBody>
-      </p:sp>
+        </p:nvPicPr>
+        <p:blipFill>
+          <a:blip r:embed="rId2">
+            <a:extLst>
+              <a:ext uri="{28A0092B-C50C-407E-A947-70E740481C1C}">
+                <a14:useLocalDpi xmlns:a14="http://schemas.microsoft.com/office/drawing/2010/main" val="0"/>
+              </a:ext>
+            </a:extLst>
+          </a:blip>
+          <a:stretch>
+            <a:fillRect/>
+          </a:stretch>
+        </p:blipFill>
+        <p:spPr>
+          <a:xfrm>
+            <a:off x="1771420" y="1600200"/>
+            <a:ext cx="5601160" cy="4708525"/>
+          </a:xfrm>
+        </p:spPr>
+      </p:pic>
     </p:spTree>
     <p:extLst>
       <p:ext uri="{BB962C8B-B14F-4D97-AF65-F5344CB8AC3E}">
@@ -3824,11 +5547,25 @@
           <a:p>
             <a:r>
               <a:rPr lang="pt-BR" dirty="0" smtClean="0"/>
-              <a:t>Apresentar </a:t>
+              <a:t>Principais casos de uso da aplicação:</a:t>
+            </a:r>
+          </a:p>
+          <a:p>
+            <a:pPr lvl="1"/>
+            <a:r>
+              <a:rPr lang="pt-BR" dirty="0"/>
+              <a:t>UC02-Manter histórico do </a:t>
             </a:r>
             <a:r>
               <a:rPr lang="pt-BR" dirty="0" smtClean="0"/>
-              <a:t>principais casos de uso da aplicação. </a:t>
+              <a:t>paciente</a:t>
+            </a:r>
+          </a:p>
+          <a:p>
+            <a:pPr lvl="1"/>
+            <a:r>
+              <a:rPr lang="pt-BR" dirty="0"/>
+              <a:t>UC05 - Manter Categorias</a:t>
             </a:r>
             <a:endParaRPr lang="pt-BR" dirty="0"/>
           </a:p>
@@ -3889,36 +5626,50 @@
           <a:lstStyle/>
           <a:p>
             <a:r>
+              <a:rPr lang="pt-BR" dirty="0"/>
+              <a:t>UC02-Manter histórico do </a:t>
+            </a:r>
+            <a:r>
               <a:rPr lang="pt-BR" dirty="0" smtClean="0"/>
-              <a:t>Diagrama de Classes Geral da Aplicação</a:t>
+              <a:t>paciente</a:t>
             </a:r>
             <a:endParaRPr lang="pt-BR" dirty="0"/>
           </a:p>
         </p:txBody>
       </p:sp>
-      <p:sp>
-        <p:nvSpPr>
-          <p:cNvPr id="3" name="Espaço Reservado para Conteúdo 2"/>
-          <p:cNvSpPr>
-            <a:spLocks noGrp="1"/>
-          </p:cNvSpPr>
+      <p:pic>
+        <p:nvPicPr>
+          <p:cNvPr id="4" name="Espaço Reservado para Conteúdo 3"/>
+          <p:cNvPicPr>
+            <a:picLocks noGrp="1" noChangeAspect="1"/>
+          </p:cNvPicPr>
           <p:nvPr>
             <p:ph idx="1"/>
           </p:nvPr>
-        </p:nvSpPr>
-        <p:spPr/>
-        <p:txBody>
-          <a:bodyPr/>
-          <a:lstStyle/>
-          <a:p>
-            <a:endParaRPr lang="pt-BR"/>
-          </a:p>
-        </p:txBody>
-      </p:sp>
+        </p:nvPicPr>
+        <p:blipFill>
+          <a:blip r:embed="rId2">
+            <a:extLst>
+              <a:ext uri="{28A0092B-C50C-407E-A947-70E740481C1C}">
+                <a14:useLocalDpi xmlns:a14="http://schemas.microsoft.com/office/drawing/2010/main" val="0"/>
+              </a:ext>
+            </a:extLst>
+          </a:blip>
+          <a:stretch>
+            <a:fillRect/>
+          </a:stretch>
+        </p:blipFill>
+        <p:spPr>
+          <a:xfrm>
+            <a:off x="1086199" y="1600200"/>
+            <a:ext cx="6971601" cy="4708525"/>
+          </a:xfrm>
+        </p:spPr>
+      </p:pic>
     </p:spTree>
     <p:extLst>
       <p:ext uri="{BB962C8B-B14F-4D97-AF65-F5344CB8AC3E}">
-        <p14:creationId xmlns:p14="http://schemas.microsoft.com/office/powerpoint/2010/main" val="2714990097"/>
+        <p14:creationId xmlns:p14="http://schemas.microsoft.com/office/powerpoint/2010/main" val="934766699"/>
       </p:ext>
     </p:extLst>
   </p:cSld>
@@ -3964,66 +5715,152 @@
         </p:nvSpPr>
         <p:spPr/>
         <p:txBody>
-          <a:bodyPr/>
+          <a:bodyPr>
+            <a:normAutofit fontScale="90000"/>
+          </a:bodyPr>
+          <a:lstStyle/>
+          <a:p>
+            <a:r>
+              <a:rPr lang="pt-BR" dirty="0"/>
+              <a:t>UC02-Manter histórico do paciente</a:t>
+            </a:r>
+          </a:p>
+        </p:txBody>
+      </p:sp>
+      <p:sp>
+        <p:nvSpPr>
+          <p:cNvPr id="3" name="Espaço Reservado para Conteúdo 2"/>
+          <p:cNvSpPr>
+            <a:spLocks noGrp="1"/>
+          </p:cNvSpPr>
+          <p:nvPr>
+            <p:ph idx="1"/>
+          </p:nvPr>
+        </p:nvSpPr>
+        <p:spPr/>
+        <p:txBody>
+          <a:bodyPr>
+            <a:normAutofit fontScale="62500" lnSpcReduction="20000"/>
+          </a:bodyPr>
           <a:lstStyle/>
           <a:p>
             <a:r>
               <a:rPr lang="pt-BR" dirty="0" smtClean="0"/>
-              <a:t>Modelo de Dados da Aplicação</a:t>
+              <a:t>ESCOPO</a:t>
             </a:r>
             <a:endParaRPr lang="pt-BR" dirty="0"/>
           </a:p>
-        </p:txBody>
-      </p:sp>
-      <p:sp>
-        <p:nvSpPr>
-          <p:cNvPr id="3" name="Espaço Reservado para Conteúdo 2"/>
-          <p:cNvSpPr>
-            <a:spLocks noGrp="1"/>
-          </p:cNvSpPr>
-          <p:nvPr>
-            <p:ph idx="1"/>
-          </p:nvPr>
-        </p:nvSpPr>
-        <p:spPr/>
-        <p:txBody>
-          <a:bodyPr/>
-          <a:lstStyle/>
+          <a:p>
+            <a:pPr lvl="1"/>
+            <a:r>
+              <a:rPr lang="pt-BR" dirty="0"/>
+              <a:t>Permitir que o fisioterapeuta registre uma atualização no histórico do paciente.</a:t>
+            </a:r>
+          </a:p>
+          <a:p>
+            <a:endParaRPr lang="pt-BR" dirty="0" smtClean="0"/>
+          </a:p>
           <a:p>
             <a:r>
               <a:rPr lang="pt-BR" dirty="0" smtClean="0"/>
-              <a:t>Deve conter:</a:t>
-            </a:r>
-          </a:p>
-          <a:p>
-            <a:pPr marL="914400" lvl="1" indent="-514350">
-              <a:buFont typeface="+mj-lt"/>
-              <a:buAutoNum type="arabicPeriod"/>
+              <a:t>DESCRIÇÃO</a:t>
+            </a:r>
+            <a:endParaRPr lang="pt-BR" dirty="0"/>
+          </a:p>
+          <a:p>
+            <a:pPr lvl="1"/>
+            <a:r>
+              <a:rPr lang="pt-BR" dirty="0"/>
+              <a:t>Este caso de uso é executado toda vez que o Fisioterapeuta tiver novas informações sobre o paciente para cadastrar ou alterar.</a:t>
+            </a:r>
+          </a:p>
+          <a:p>
+            <a:endParaRPr lang="pt-BR" dirty="0"/>
+          </a:p>
+          <a:p>
+            <a:r>
+              <a:rPr lang="pt-BR" dirty="0" smtClean="0"/>
+              <a:t>ATORES</a:t>
+            </a:r>
+            <a:endParaRPr lang="pt-BR" dirty="0"/>
+          </a:p>
+          <a:p>
+            <a:pPr lvl="1"/>
+            <a:r>
+              <a:rPr lang="pt-BR" dirty="0" smtClean="0"/>
+              <a:t>Usuário </a:t>
+            </a:r>
+            <a:r>
+              <a:rPr lang="pt-BR" dirty="0"/>
+              <a:t>com perfil de fisioterapeuta.</a:t>
+            </a:r>
+          </a:p>
+          <a:p>
+            <a:pPr marL="0" indent="0">
+              <a:buNone/>
             </a:pPr>
+            <a:endParaRPr lang="pt-BR" dirty="0"/>
+          </a:p>
+          <a:p>
             <a:r>
               <a:rPr lang="pt-BR" dirty="0" smtClean="0"/>
-              <a:t>Chaves naturais;</a:t>
-            </a:r>
-          </a:p>
-          <a:p>
-            <a:pPr marL="914400" lvl="1" indent="-514350">
-              <a:buFont typeface="+mj-lt"/>
-              <a:buAutoNum type="arabicPeriod"/>
-            </a:pPr>
+              <a:t>PRÉ-CONDIÇÕES</a:t>
+            </a:r>
+            <a:endParaRPr lang="pt-BR" dirty="0"/>
+          </a:p>
+          <a:p>
+            <a:pPr lvl="1"/>
             <a:r>
               <a:rPr lang="pt-BR" dirty="0" smtClean="0"/>
-              <a:t>Normalizado;</a:t>
-            </a:r>
-          </a:p>
-          <a:p>
-            <a:pPr marL="914400" lvl="1" indent="-514350">
-              <a:buFont typeface="+mj-lt"/>
-              <a:buAutoNum type="arabicPeriod"/>
-            </a:pPr>
+              <a:t>Usuário </a:t>
+            </a:r>
+            <a:r>
+              <a:rPr lang="pt-BR" dirty="0"/>
+              <a:t>com perfil de fisioterapeuta </a:t>
+            </a:r>
+            <a:r>
+              <a:rPr lang="pt-BR" dirty="0" err="1"/>
+              <a:t>logado</a:t>
+            </a:r>
+            <a:r>
+              <a:rPr lang="pt-BR" dirty="0"/>
+              <a:t> no sistema</a:t>
+            </a:r>
+          </a:p>
+          <a:p>
+            <a:pPr lvl="1"/>
             <a:r>
               <a:rPr lang="pt-BR" dirty="0" smtClean="0"/>
-              <a:t>Todos os relacionamentos.</a:t>
-            </a:r>
+              <a:t>Paciente </a:t>
+            </a:r>
+            <a:r>
+              <a:rPr lang="pt-BR" dirty="0"/>
+              <a:t>deve estar cadastrado no sistema</a:t>
+            </a:r>
+            <a:r>
+              <a:rPr lang="pt-BR" dirty="0" smtClean="0"/>
+              <a:t>.</a:t>
+            </a:r>
+            <a:endParaRPr lang="pt-BR" dirty="0"/>
+          </a:p>
+          <a:p>
+            <a:endParaRPr lang="pt-BR" dirty="0"/>
+          </a:p>
+          <a:p>
+            <a:r>
+              <a:rPr lang="pt-BR" dirty="0" smtClean="0"/>
+              <a:t>PÓS-CONDIÇÕES</a:t>
+            </a:r>
+            <a:endParaRPr lang="pt-BR" dirty="0"/>
+          </a:p>
+          <a:p>
+            <a:pPr lvl="1"/>
+            <a:r>
+              <a:rPr lang="pt-BR" dirty="0"/>
+              <a:t>Após a execução deste caso de uso o sistema deve atualizar o histórico do paciente e atualizar a indicação e índice de desmame.</a:t>
+            </a:r>
+          </a:p>
+          <a:p>
             <a:endParaRPr lang="pt-BR" dirty="0"/>
           </a:p>
         </p:txBody>
@@ -4031,7 +5868,160 @@
     </p:spTree>
     <p:extLst>
       <p:ext uri="{BB962C8B-B14F-4D97-AF65-F5344CB8AC3E}">
-        <p14:creationId xmlns:p14="http://schemas.microsoft.com/office/powerpoint/2010/main" val="3004137010"/>
+        <p14:creationId xmlns:p14="http://schemas.microsoft.com/office/powerpoint/2010/main" val="3423978987"/>
+      </p:ext>
+    </p:extLst>
+  </p:cSld>
+  <p:clrMapOvr>
+    <a:masterClrMapping/>
+  </p:clrMapOvr>
+  <p:timing>
+    <p:tnLst>
+      <p:par>
+        <p:cTn id="1" dur="indefinite" restart="never" nodeType="tmRoot"/>
+      </p:par>
+    </p:tnLst>
+  </p:timing>
+</p:sld>
+</file>
+
+<file path=ppt/slides/slide9.xml><?xml version="1.0" encoding="utf-8"?>
+<p:sld xmlns:a="http://schemas.openxmlformats.org/drawingml/2006/main" xmlns:r="http://schemas.openxmlformats.org/officeDocument/2006/relationships" xmlns:p="http://schemas.openxmlformats.org/presentationml/2006/main">
+  <p:cSld>
+    <p:spTree>
+      <p:nvGrpSpPr>
+        <p:cNvPr id="1" name=""/>
+        <p:cNvGrpSpPr/>
+        <p:nvPr/>
+      </p:nvGrpSpPr>
+      <p:grpSpPr>
+        <a:xfrm>
+          <a:off x="0" y="0"/>
+          <a:ext cx="0" cy="0"/>
+          <a:chOff x="0" y="0"/>
+          <a:chExt cx="0" cy="0"/>
+        </a:xfrm>
+      </p:grpSpPr>
+      <p:sp>
+        <p:nvSpPr>
+          <p:cNvPr id="2" name="Título 1"/>
+          <p:cNvSpPr>
+            <a:spLocks noGrp="1"/>
+          </p:cNvSpPr>
+          <p:nvPr>
+            <p:ph type="title"/>
+          </p:nvPr>
+        </p:nvSpPr>
+        <p:spPr/>
+        <p:txBody>
+          <a:bodyPr/>
+          <a:lstStyle/>
+          <a:p>
+            <a:r>
+              <a:rPr lang="pt-BR" dirty="0" smtClean="0"/>
+              <a:t>Fluxo Principal</a:t>
+            </a:r>
+            <a:endParaRPr lang="pt-BR" dirty="0"/>
+          </a:p>
+        </p:txBody>
+      </p:sp>
+      <p:sp>
+        <p:nvSpPr>
+          <p:cNvPr id="3" name="Espaço Reservado para Conteúdo 2"/>
+          <p:cNvSpPr>
+            <a:spLocks noGrp="1"/>
+          </p:cNvSpPr>
+          <p:nvPr>
+            <p:ph idx="1"/>
+          </p:nvPr>
+        </p:nvSpPr>
+        <p:spPr/>
+        <p:txBody>
+          <a:bodyPr>
+            <a:normAutofit fontScale="70000" lnSpcReduction="20000"/>
+          </a:bodyPr>
+          <a:lstStyle/>
+          <a:p>
+            <a:pPr lvl="0"/>
+            <a:r>
+              <a:rPr lang="pt-BR" dirty="0" smtClean="0"/>
+              <a:t>O </a:t>
+            </a:r>
+            <a:r>
+              <a:rPr lang="pt-BR" dirty="0"/>
+              <a:t>fisioterapeuta clica no botão “buscar”.</a:t>
+            </a:r>
+            <a:endParaRPr lang="pt-BR" sz="2800" dirty="0"/>
+          </a:p>
+          <a:p>
+            <a:pPr lvl="0"/>
+            <a:r>
+              <a:rPr lang="pt-BR" dirty="0"/>
+              <a:t>Sistema abre uma “pop-up” de busca de paciente.</a:t>
+            </a:r>
+            <a:endParaRPr lang="pt-BR" sz="2800" dirty="0"/>
+          </a:p>
+          <a:p>
+            <a:pPr lvl="0"/>
+            <a:r>
+              <a:rPr lang="pt-BR" dirty="0"/>
+              <a:t>O fisioterapeuta preenche o campo “nome” e clica em filtrar.</a:t>
+            </a:r>
+            <a:endParaRPr lang="pt-BR" sz="2800" dirty="0"/>
+          </a:p>
+          <a:p>
+            <a:pPr lvl="0"/>
+            <a:r>
+              <a:rPr lang="pt-BR" dirty="0"/>
+              <a:t>O sistema mostra uma lista de pacientes correspondentes ao nome digitado.</a:t>
+            </a:r>
+            <a:endParaRPr lang="pt-BR" sz="2800" dirty="0"/>
+          </a:p>
+          <a:p>
+            <a:pPr lvl="0"/>
+            <a:r>
+              <a:rPr lang="pt-BR" dirty="0"/>
+              <a:t>O fisioterapeuta seleciona um paciente da lista e clica em “selecionar”. (E01)</a:t>
+            </a:r>
+            <a:endParaRPr lang="pt-BR" sz="2800" dirty="0"/>
+          </a:p>
+          <a:p>
+            <a:pPr lvl="0"/>
+            <a:r>
+              <a:rPr lang="pt-BR" dirty="0"/>
+              <a:t>O sistema volta para a tela anterior com os dados do paciente preenchidos.</a:t>
+            </a:r>
+            <a:endParaRPr lang="pt-BR" sz="2800" dirty="0"/>
+          </a:p>
+          <a:p>
+            <a:pPr lvl="0"/>
+            <a:r>
+              <a:rPr lang="pt-BR" dirty="0"/>
+              <a:t>O fisioterapeuta atualiza os valores do histórico desejados e clica em salvar. (A01, A02)</a:t>
+            </a:r>
+            <a:endParaRPr lang="pt-BR" sz="2800" dirty="0"/>
+          </a:p>
+          <a:p>
+            <a:pPr lvl="0"/>
+            <a:r>
+              <a:rPr lang="pt-BR" dirty="0"/>
+              <a:t>Sistema percorre todas as variáveis verificando quais foram alteradas e realiza um registro no histórico do paciente com estas alterações.</a:t>
+            </a:r>
+            <a:endParaRPr lang="pt-BR" sz="2800" dirty="0"/>
+          </a:p>
+          <a:p>
+            <a:r>
+              <a:rPr lang="pt-BR" dirty="0"/>
+              <a:t>Sistema informa que atualização do histórico foi realizada com sucesso. (E02)</a:t>
+            </a:r>
+            <a:endParaRPr lang="pt-BR" dirty="0"/>
+          </a:p>
+        </p:txBody>
+      </p:sp>
+    </p:spTree>
+    <p:extLst>
+      <p:ext uri="{BB962C8B-B14F-4D97-AF65-F5344CB8AC3E}">
+        <p14:creationId xmlns:p14="http://schemas.microsoft.com/office/powerpoint/2010/main" val="3940746241"/>
       </p:ext>
     </p:extLst>
   </p:cSld>
@@ -4049,9 +6039,9 @@
 </file>
 
 <file path=ppt/theme/theme1.xml><?xml version="1.0" encoding="utf-8"?>
-<a:theme xmlns:a="http://schemas.openxmlformats.org/drawingml/2006/main" name="Tema do Office">
+<a:theme xmlns:a="http://schemas.openxmlformats.org/drawingml/2006/main" name="Ápice">
   <a:themeElements>
-    <a:clrScheme name="Escritório">
+    <a:clrScheme name="Ápice">
       <a:dk1>
         <a:sysClr val="windowText" lastClr="000000"/>
       </a:dk1>
@@ -4059,48 +6049,87 @@
         <a:sysClr val="window" lastClr="FFFFFF"/>
       </a:lt1>
       <a:dk2>
-        <a:srgbClr val="1F497D"/>
+        <a:srgbClr val="69676D"/>
       </a:dk2>
       <a:lt2>
-        <a:srgbClr val="EEECE1"/>
+        <a:srgbClr val="C9C2D1"/>
       </a:lt2>
       <a:accent1>
-        <a:srgbClr val="4F81BD"/>
+        <a:srgbClr val="CEB966"/>
       </a:accent1>
       <a:accent2>
-        <a:srgbClr val="C0504D"/>
+        <a:srgbClr val="9CB084"/>
       </a:accent2>
       <a:accent3>
-        <a:srgbClr val="9BBB59"/>
+        <a:srgbClr val="6BB1C9"/>
       </a:accent3>
       <a:accent4>
-        <a:srgbClr val="8064A2"/>
+        <a:srgbClr val="6585CF"/>
       </a:accent4>
       <a:accent5>
-        <a:srgbClr val="4BACC6"/>
+        <a:srgbClr val="7E6BC9"/>
       </a:accent5>
       <a:accent6>
-        <a:srgbClr val="F79646"/>
+        <a:srgbClr val="A379BB"/>
       </a:accent6>
       <a:hlink>
-        <a:srgbClr val="0000FF"/>
+        <a:srgbClr val="410082"/>
       </a:hlink>
       <a:folHlink>
-        <a:srgbClr val="800080"/>
+        <a:srgbClr val="932968"/>
       </a:folHlink>
     </a:clrScheme>
-    <a:fontScheme name="Escritório">
+    <a:fontScheme name="Ápice">
       <a:majorFont>
-        <a:latin typeface="Calibri"/>
+        <a:latin typeface="Lucida Sans"/>
         <a:ea typeface=""/>
         <a:cs typeface=""/>
-        <a:font script="Jpan" typeface="ＭＳ Ｐゴシック"/>
-        <a:font script="Hang" typeface="맑은 고딕"/>
+        <a:font script="Grek" typeface="Arial"/>
+        <a:font script="Cyrl" typeface="Arial"/>
+        <a:font script="Jpan" typeface="HG丸ｺﾞｼｯｸM-PRO"/>
+        <a:font script="Hang" typeface="휴먼옛체"/>
+        <a:font script="Hans" typeface="黑体"/>
+        <a:font script="Hant" typeface="微軟正黑體"/>
+        <a:font script="Arab" typeface="Tahoma"/>
+        <a:font script="Hebr" typeface="Levenim MT"/>
+        <a:font script="Thai" typeface="FreesiaUPC"/>
+        <a:font script="Ethi" typeface="Nyala"/>
+        <a:font script="Beng" typeface="Vrinda"/>
+        <a:font script="Gujr" typeface="Shruti"/>
+        <a:font script="Khmr" typeface="DaunPenh"/>
+        <a:font script="Knda" typeface="Tunga"/>
+        <a:font script="Guru" typeface="Raavi"/>
+        <a:font script="Cans" typeface="Euphemia"/>
+        <a:font script="Cher" typeface="Plantagenet Cherokee"/>
+        <a:font script="Yiii" typeface="Microsoft Yi Baiti"/>
+        <a:font script="Tibt" typeface="Microsoft Himalaya"/>
+        <a:font script="Thaa" typeface="MV Boli"/>
+        <a:font script="Deva" typeface="Mangal"/>
+        <a:font script="Telu" typeface="Gautami"/>
+        <a:font script="Taml" typeface="Latha"/>
+        <a:font script="Syrc" typeface="Estrangelo Edessa"/>
+        <a:font script="Orya" typeface="Kalinga"/>
+        <a:font script="Mlym" typeface="Kartika"/>
+        <a:font script="Laoo" typeface="DokChampa"/>
+        <a:font script="Sinh" typeface="Iskoola Pota"/>
+        <a:font script="Mong" typeface="Mongolian Baiti"/>
+        <a:font script="Viet" typeface="Tahoma"/>
+        <a:font script="Uigh" typeface="Microsoft Uighur"/>
+        <a:font script="Geor" typeface="Sylfaen"/>
+      </a:majorFont>
+      <a:minorFont>
+        <a:latin typeface="Book Antiqua"/>
+        <a:ea typeface=""/>
+        <a:cs typeface=""/>
+        <a:font script="Grek" typeface="Times New Roman"/>
+        <a:font script="Cyrl" typeface="Times New Roman"/>
+        <a:font script="Jpan" typeface="HG明朝B"/>
+        <a:font script="Hang" typeface="돋움"/>
         <a:font script="Hans" typeface="宋体"/>
         <a:font script="Hant" typeface="新細明體"/>
         <a:font script="Arab" typeface="Times New Roman"/>
-        <a:font script="Hebr" typeface="Times New Roman"/>
-        <a:font script="Thai" typeface="Angsana New"/>
+        <a:font script="Hebr" typeface="David"/>
+        <a:font script="Thai" typeface="EucrosiaUPC"/>
         <a:font script="Ethi" typeface="Nyala"/>
         <a:font script="Beng" typeface="Vrinda"/>
         <a:font script="Gujr" typeface="Shruti"/>
@@ -4124,101 +6153,75 @@
         <a:font script="Viet" typeface="Times New Roman"/>
         <a:font script="Uigh" typeface="Microsoft Uighur"/>
         <a:font script="Geor" typeface="Sylfaen"/>
-      </a:majorFont>
-      <a:minorFont>
-        <a:latin typeface="Calibri"/>
-        <a:ea typeface=""/>
-        <a:cs typeface=""/>
-        <a:font script="Jpan" typeface="ＭＳ Ｐゴシック"/>
-        <a:font script="Hang" typeface="맑은 고딕"/>
-        <a:font script="Hans" typeface="宋体"/>
-        <a:font script="Hant" typeface="新細明體"/>
-        <a:font script="Arab" typeface="Arial"/>
-        <a:font script="Hebr" typeface="Arial"/>
-        <a:font script="Thai" typeface="Cordia New"/>
-        <a:font script="Ethi" typeface="Nyala"/>
-        <a:font script="Beng" typeface="Vrinda"/>
-        <a:font script="Gujr" typeface="Shruti"/>
-        <a:font script="Khmr" typeface="DaunPenh"/>
-        <a:font script="Knda" typeface="Tunga"/>
-        <a:font script="Guru" typeface="Raavi"/>
-        <a:font script="Cans" typeface="Euphemia"/>
-        <a:font script="Cher" typeface="Plantagenet Cherokee"/>
-        <a:font script="Yiii" typeface="Microsoft Yi Baiti"/>
-        <a:font script="Tibt" typeface="Microsoft Himalaya"/>
-        <a:font script="Thaa" typeface="MV Boli"/>
-        <a:font script="Deva" typeface="Mangal"/>
-        <a:font script="Telu" typeface="Gautami"/>
-        <a:font script="Taml" typeface="Latha"/>
-        <a:font script="Syrc" typeface="Estrangelo Edessa"/>
-        <a:font script="Orya" typeface="Kalinga"/>
-        <a:font script="Mlym" typeface="Kartika"/>
-        <a:font script="Laoo" typeface="DokChampa"/>
-        <a:font script="Sinh" typeface="Iskoola Pota"/>
-        <a:font script="Mong" typeface="Mongolian Baiti"/>
-        <a:font script="Viet" typeface="Arial"/>
-        <a:font script="Uigh" typeface="Microsoft Uighur"/>
-        <a:font script="Geor" typeface="Sylfaen"/>
       </a:minorFont>
     </a:fontScheme>
-    <a:fmtScheme name="Escritório">
+    <a:fmtScheme name="Ápice">
       <a:fillStyleLst>
         <a:solidFill>
           <a:schemeClr val="phClr"/>
         </a:solidFill>
         <a:gradFill rotWithShape="1">
           <a:gsLst>
-            <a:gs pos="0">
+            <a:gs pos="20000">
               <a:schemeClr val="phClr">
-                <a:tint val="50000"/>
-                <a:satMod val="300000"/>
-              </a:schemeClr>
-            </a:gs>
-            <a:gs pos="35000">
-              <a:schemeClr val="phClr">
-                <a:tint val="37000"/>
-                <a:satMod val="300000"/>
+                <a:tint val="9000"/>
               </a:schemeClr>
             </a:gs>
             <a:gs pos="100000">
               <a:schemeClr val="phClr">
-                <a:tint val="15000"/>
-                <a:satMod val="350000"/>
+                <a:tint val="70000"/>
+                <a:satMod val="100000"/>
               </a:schemeClr>
             </a:gs>
           </a:gsLst>
-          <a:lin ang="16200000" scaled="1"/>
+          <a:path path="circle">
+            <a:fillToRect l="-15000" t="-15000" r="115000" b="115000"/>
+          </a:path>
         </a:gradFill>
         <a:gradFill rotWithShape="1">
           <a:gsLst>
             <a:gs pos="0">
               <a:schemeClr val="phClr">
-                <a:shade val="51000"/>
-                <a:satMod val="130000"/>
+                <a:shade val="60000"/>
               </a:schemeClr>
             </a:gs>
-            <a:gs pos="80000">
+            <a:gs pos="33000">
               <a:schemeClr val="phClr">
-                <a:shade val="93000"/>
-                <a:satMod val="130000"/>
+                <a:tint val="86500"/>
+              </a:schemeClr>
+            </a:gs>
+            <a:gs pos="46750">
+              <a:schemeClr val="phClr">
+                <a:tint val="71000"/>
+                <a:satMod val="112000"/>
+              </a:schemeClr>
+            </a:gs>
+            <a:gs pos="53000">
+              <a:schemeClr val="phClr">
+                <a:tint val="71000"/>
+                <a:satMod val="112000"/>
+              </a:schemeClr>
+            </a:gs>
+            <a:gs pos="68000">
+              <a:schemeClr val="phClr">
+                <a:tint val="86000"/>
               </a:schemeClr>
             </a:gs>
             <a:gs pos="100000">
               <a:schemeClr val="phClr">
-                <a:shade val="94000"/>
-                <a:satMod val="135000"/>
+                <a:shade val="60000"/>
               </a:schemeClr>
             </a:gs>
           </a:gsLst>
-          <a:lin ang="16200000" scaled="0"/>
+          <a:lin ang="8350000" scaled="1"/>
         </a:gradFill>
       </a:fillStyleLst>
       <a:lnStyleLst>
         <a:ln w="9525" cap="flat" cmpd="sng" algn="ctr">
           <a:solidFill>
             <a:schemeClr val="phClr">
-              <a:shade val="95000"/>
-              <a:satMod val="105000"/>
+              <a:shade val="48000"/>
+              <a:satMod val="110000"/>
             </a:schemeClr>
           </a:solidFill>
           <a:prstDash val="solid"/>
@@ -4239,16 +6242,7 @@
       <a:effectStyleLst>
         <a:effectStyle>
           <a:effectLst>
-            <a:outerShdw blurRad="40000" dist="20000" dir="5400000" rotWithShape="0">
-              <a:srgbClr val="000000">
-                <a:alpha val="38000"/>
-              </a:srgbClr>
-            </a:outerShdw>
-          </a:effectLst>
-        </a:effectStyle>
-        <a:effectStyle>
-          <a:effectLst>
-            <a:outerShdw blurRad="40000" dist="23000" dir="5400000" rotWithShape="0">
+            <a:outerShdw blurRad="130000" dist="101600" dir="2700000" algn="tl" rotWithShape="0">
               <a:srgbClr val="000000">
                 <a:alpha val="35000"/>
               </a:srgbClr>
@@ -4257,22 +6251,31 @@
         </a:effectStyle>
         <a:effectStyle>
           <a:effectLst>
-            <a:outerShdw blurRad="40000" dist="23000" dir="5400000" rotWithShape="0">
+            <a:outerShdw blurRad="190500" dist="228600" dir="2700000" sy="90000" rotWithShape="0">
               <a:srgbClr val="000000">
-                <a:alpha val="35000"/>
+                <a:alpha val="25500"/>
+              </a:srgbClr>
+            </a:outerShdw>
+          </a:effectLst>
+        </a:effectStyle>
+        <a:effectStyle>
+          <a:effectLst>
+            <a:outerShdw blurRad="190500" dist="228600" dir="2700000" sy="90000" rotWithShape="0">
+              <a:srgbClr val="000000">
+                <a:alpha val="25500"/>
               </a:srgbClr>
             </a:outerShdw>
           </a:effectLst>
           <a:scene3d>
-            <a:camera prst="orthographicFront">
+            <a:camera prst="orthographicFront" fov="0">
               <a:rot lat="0" lon="0" rev="0"/>
             </a:camera>
-            <a:lightRig rig="threePt" dir="t">
-              <a:rot lat="0" lon="0" rev="1200000"/>
+            <a:lightRig rig="soft" dir="tl">
+              <a:rot lat="0" lon="0" rev="20100000"/>
             </a:lightRig>
           </a:scene3d>
           <a:sp3d>
-            <a:bevelT w="63500" h="25400"/>
+            <a:bevelT w="50800" h="50800"/>
           </a:sp3d>
         </a:effectStyle>
       </a:effectStyleLst>
@@ -4284,47 +6287,38 @@
           <a:gsLst>
             <a:gs pos="0">
               <a:schemeClr val="phClr">
-                <a:tint val="40000"/>
-                <a:satMod val="350000"/>
-              </a:schemeClr>
-            </a:gs>
-            <a:gs pos="40000">
-              <a:schemeClr val="phClr">
-                <a:tint val="45000"/>
-                <a:shade val="99000"/>
-                <a:satMod val="350000"/>
+                <a:tint val="50000"/>
+                <a:satMod val="180000"/>
               </a:schemeClr>
             </a:gs>
             <a:gs pos="100000">
               <a:schemeClr val="phClr">
-                <a:shade val="20000"/>
-                <a:satMod val="255000"/>
+                <a:shade val="45000"/>
+                <a:satMod val="120000"/>
               </a:schemeClr>
             </a:gs>
           </a:gsLst>
           <a:path path="circle">
-            <a:fillToRect l="50000" t="-80000" r="50000" b="180000"/>
+            <a:fillToRect r="100000" b="100000"/>
           </a:path>
         </a:gradFill>
-        <a:gradFill rotWithShape="1">
-          <a:gsLst>
-            <a:gs pos="0">
+        <a:blipFill>
+          <a:blip xmlns:r="http://schemas.openxmlformats.org/officeDocument/2006/relationships" r:embed="rId1">
+            <a:duotone>
               <a:schemeClr val="phClr">
-                <a:tint val="80000"/>
-                <a:satMod val="300000"/>
+                <a:shade val="3000"/>
+                <a:satMod val="110000"/>
               </a:schemeClr>
-            </a:gs>
-            <a:gs pos="100000">
               <a:schemeClr val="phClr">
-                <a:shade val="30000"/>
-                <a:satMod val="200000"/>
+                <a:tint val="60000"/>
+                <a:satMod val="425000"/>
               </a:schemeClr>
-            </a:gs>
-          </a:gsLst>
-          <a:path path="circle">
-            <a:fillToRect l="50000" t="50000" r="50000" b="50000"/>
-          </a:path>
-        </a:gradFill>
+            </a:duotone>
+          </a:blip>
+          <a:stretch>
+            <a:fillRect/>
+          </a:stretch>
+        </a:blipFill>
       </a:bgFillStyleLst>
     </a:fmtScheme>
   </a:themeElements>
